--- a/doc/tutorials/02 Getting Started.pptx
+++ b/doc/tutorials/02 Getting Started.pptx
@@ -5,7 +5,7 @@
     <p:sldMasterId id="2147483684" r:id="rId1"/>
   </p:sldMasterIdLst>
   <p:notesMasterIdLst>
-    <p:notesMasterId r:id="rId19"/>
+    <p:notesMasterId r:id="rId29"/>
   </p:notesMasterIdLst>
   <p:sldIdLst>
     <p:sldId id="256" r:id="rId2"/>
@@ -19,12 +19,22 @@
     <p:sldId id="265" r:id="rId10"/>
     <p:sldId id="266" r:id="rId11"/>
     <p:sldId id="269" r:id="rId12"/>
-    <p:sldId id="267" r:id="rId13"/>
-    <p:sldId id="268" r:id="rId14"/>
-    <p:sldId id="273" r:id="rId15"/>
-    <p:sldId id="270" r:id="rId16"/>
-    <p:sldId id="272" r:id="rId17"/>
-    <p:sldId id="271" r:id="rId18"/>
+    <p:sldId id="278" r:id="rId13"/>
+    <p:sldId id="267" r:id="rId14"/>
+    <p:sldId id="268" r:id="rId15"/>
+    <p:sldId id="273" r:id="rId16"/>
+    <p:sldId id="270" r:id="rId17"/>
+    <p:sldId id="272" r:id="rId18"/>
+    <p:sldId id="271" r:id="rId19"/>
+    <p:sldId id="274" r:id="rId20"/>
+    <p:sldId id="275" r:id="rId21"/>
+    <p:sldId id="276" r:id="rId22"/>
+    <p:sldId id="277" r:id="rId23"/>
+    <p:sldId id="282" r:id="rId24"/>
+    <p:sldId id="283" r:id="rId25"/>
+    <p:sldId id="280" r:id="rId26"/>
+    <p:sldId id="279" r:id="rId27"/>
+    <p:sldId id="281" r:id="rId28"/>
   </p:sldIdLst>
   <p:sldSz cx="9144000" cy="6858000" type="screen4x3"/>
   <p:notesSz cx="6858000" cy="9144000"/>
@@ -896,6 +906,510 @@
 </p:notes>
 </file>
 
+<file path=ppt/notesSlides/notesSlide14.xml><?xml version="1.0" encoding="utf-8"?>
+<p:notes xmlns:a="http://schemas.openxmlformats.org/drawingml/2006/main" xmlns:r="http://schemas.openxmlformats.org/officeDocument/2006/relationships" xmlns:p="http://schemas.openxmlformats.org/presentationml/2006/main">
+  <p:cSld>
+    <p:spTree>
+      <p:nvGrpSpPr>
+        <p:cNvPr id="1" name=""/>
+        <p:cNvGrpSpPr/>
+        <p:nvPr/>
+      </p:nvGrpSpPr>
+      <p:grpSpPr>
+        <a:xfrm>
+          <a:off x="0" y="0"/>
+          <a:ext cx="0" cy="0"/>
+          <a:chOff x="0" y="0"/>
+          <a:chExt cx="0" cy="0"/>
+        </a:xfrm>
+      </p:grpSpPr>
+      <p:sp>
+        <p:nvSpPr>
+          <p:cNvPr id="2" name="Slide Image Placeholder 1"/>
+          <p:cNvSpPr>
+            <a:spLocks noGrp="1" noRot="1" noChangeAspect="1"/>
+          </p:cNvSpPr>
+          <p:nvPr>
+            <p:ph type="sldImg"/>
+          </p:nvPr>
+        </p:nvSpPr>
+        <p:spPr/>
+      </p:sp>
+      <p:sp>
+        <p:nvSpPr>
+          <p:cNvPr id="3" name="Notes Placeholder 2"/>
+          <p:cNvSpPr>
+            <a:spLocks noGrp="1"/>
+          </p:cNvSpPr>
+          <p:nvPr>
+            <p:ph type="body" idx="1"/>
+          </p:nvPr>
+        </p:nvSpPr>
+        <p:spPr/>
+        <p:txBody>
+          <a:bodyPr/>
+          <a:lstStyle/>
+          <a:p>
+            <a:endParaRPr lang="en-US"/>
+          </a:p>
+        </p:txBody>
+      </p:sp>
+      <p:sp>
+        <p:nvSpPr>
+          <p:cNvPr id="4" name="Slide Number Placeholder 3"/>
+          <p:cNvSpPr>
+            <a:spLocks noGrp="1"/>
+          </p:cNvSpPr>
+          <p:nvPr>
+            <p:ph type="sldNum" sz="quarter" idx="10"/>
+          </p:nvPr>
+        </p:nvSpPr>
+        <p:spPr/>
+        <p:txBody>
+          <a:bodyPr/>
+          <a:lstStyle/>
+          <a:p>
+            <a:fld id="{A89B9861-A6C1-43F3-866D-16BF15F092E3}" type="slidenum">
+              <a:rPr lang="en-US" smtClean="0"/>
+              <a:t>18</a:t>
+            </a:fld>
+            <a:endParaRPr lang="en-US"/>
+          </a:p>
+        </p:txBody>
+      </p:sp>
+    </p:spTree>
+    <p:extLst>
+      <p:ext uri="{BB962C8B-B14F-4D97-AF65-F5344CB8AC3E}">
+        <p14:creationId xmlns:p14="http://schemas.microsoft.com/office/powerpoint/2010/main" val="2013877912"/>
+      </p:ext>
+    </p:extLst>
+  </p:cSld>
+  <p:clrMapOvr>
+    <a:masterClrMapping/>
+  </p:clrMapOvr>
+</p:notes>
+</file>
+
+<file path=ppt/notesSlides/notesSlide15.xml><?xml version="1.0" encoding="utf-8"?>
+<p:notes xmlns:a="http://schemas.openxmlformats.org/drawingml/2006/main" xmlns:r="http://schemas.openxmlformats.org/officeDocument/2006/relationships" xmlns:p="http://schemas.openxmlformats.org/presentationml/2006/main">
+  <p:cSld>
+    <p:spTree>
+      <p:nvGrpSpPr>
+        <p:cNvPr id="1" name=""/>
+        <p:cNvGrpSpPr/>
+        <p:nvPr/>
+      </p:nvGrpSpPr>
+      <p:grpSpPr>
+        <a:xfrm>
+          <a:off x="0" y="0"/>
+          <a:ext cx="0" cy="0"/>
+          <a:chOff x="0" y="0"/>
+          <a:chExt cx="0" cy="0"/>
+        </a:xfrm>
+      </p:grpSpPr>
+      <p:sp>
+        <p:nvSpPr>
+          <p:cNvPr id="2" name="Slide Image Placeholder 1"/>
+          <p:cNvSpPr>
+            <a:spLocks noGrp="1" noRot="1" noChangeAspect="1"/>
+          </p:cNvSpPr>
+          <p:nvPr>
+            <p:ph type="sldImg"/>
+          </p:nvPr>
+        </p:nvSpPr>
+        <p:spPr/>
+      </p:sp>
+      <p:sp>
+        <p:nvSpPr>
+          <p:cNvPr id="3" name="Notes Placeholder 2"/>
+          <p:cNvSpPr>
+            <a:spLocks noGrp="1"/>
+          </p:cNvSpPr>
+          <p:nvPr>
+            <p:ph type="body" idx="1"/>
+          </p:nvPr>
+        </p:nvSpPr>
+        <p:spPr/>
+        <p:txBody>
+          <a:bodyPr/>
+          <a:lstStyle/>
+          <a:p>
+            <a:endParaRPr lang="en-US"/>
+          </a:p>
+        </p:txBody>
+      </p:sp>
+      <p:sp>
+        <p:nvSpPr>
+          <p:cNvPr id="4" name="Slide Number Placeholder 3"/>
+          <p:cNvSpPr>
+            <a:spLocks noGrp="1"/>
+          </p:cNvSpPr>
+          <p:nvPr>
+            <p:ph type="sldNum" sz="quarter" idx="10"/>
+          </p:nvPr>
+        </p:nvSpPr>
+        <p:spPr/>
+        <p:txBody>
+          <a:bodyPr/>
+          <a:lstStyle/>
+          <a:p>
+            <a:fld id="{A89B9861-A6C1-43F3-866D-16BF15F092E3}" type="slidenum">
+              <a:rPr lang="en-US" smtClean="0"/>
+              <a:t>20</a:t>
+            </a:fld>
+            <a:endParaRPr lang="en-US"/>
+          </a:p>
+        </p:txBody>
+      </p:sp>
+    </p:spTree>
+    <p:extLst>
+      <p:ext uri="{BB962C8B-B14F-4D97-AF65-F5344CB8AC3E}">
+        <p14:creationId xmlns:p14="http://schemas.microsoft.com/office/powerpoint/2010/main" val="2013877912"/>
+      </p:ext>
+    </p:extLst>
+  </p:cSld>
+  <p:clrMapOvr>
+    <a:masterClrMapping/>
+  </p:clrMapOvr>
+</p:notes>
+</file>
+
+<file path=ppt/notesSlides/notesSlide16.xml><?xml version="1.0" encoding="utf-8"?>
+<p:notes xmlns:a="http://schemas.openxmlformats.org/drawingml/2006/main" xmlns:r="http://schemas.openxmlformats.org/officeDocument/2006/relationships" xmlns:p="http://schemas.openxmlformats.org/presentationml/2006/main">
+  <p:cSld>
+    <p:spTree>
+      <p:nvGrpSpPr>
+        <p:cNvPr id="1" name=""/>
+        <p:cNvGrpSpPr/>
+        <p:nvPr/>
+      </p:nvGrpSpPr>
+      <p:grpSpPr>
+        <a:xfrm>
+          <a:off x="0" y="0"/>
+          <a:ext cx="0" cy="0"/>
+          <a:chOff x="0" y="0"/>
+          <a:chExt cx="0" cy="0"/>
+        </a:xfrm>
+      </p:grpSpPr>
+      <p:sp>
+        <p:nvSpPr>
+          <p:cNvPr id="2" name="Slide Image Placeholder 1"/>
+          <p:cNvSpPr>
+            <a:spLocks noGrp="1" noRot="1" noChangeAspect="1"/>
+          </p:cNvSpPr>
+          <p:nvPr>
+            <p:ph type="sldImg"/>
+          </p:nvPr>
+        </p:nvSpPr>
+        <p:spPr/>
+      </p:sp>
+      <p:sp>
+        <p:nvSpPr>
+          <p:cNvPr id="3" name="Notes Placeholder 2"/>
+          <p:cNvSpPr>
+            <a:spLocks noGrp="1"/>
+          </p:cNvSpPr>
+          <p:nvPr>
+            <p:ph type="body" idx="1"/>
+          </p:nvPr>
+        </p:nvSpPr>
+        <p:spPr/>
+        <p:txBody>
+          <a:bodyPr/>
+          <a:lstStyle/>
+          <a:p>
+            <a:endParaRPr lang="en-US"/>
+          </a:p>
+        </p:txBody>
+      </p:sp>
+      <p:sp>
+        <p:nvSpPr>
+          <p:cNvPr id="4" name="Slide Number Placeholder 3"/>
+          <p:cNvSpPr>
+            <a:spLocks noGrp="1"/>
+          </p:cNvSpPr>
+          <p:nvPr>
+            <p:ph type="sldNum" sz="quarter" idx="10"/>
+          </p:nvPr>
+        </p:nvSpPr>
+        <p:spPr/>
+        <p:txBody>
+          <a:bodyPr/>
+          <a:lstStyle/>
+          <a:p>
+            <a:fld id="{A89B9861-A6C1-43F3-866D-16BF15F092E3}" type="slidenum">
+              <a:rPr lang="en-US" smtClean="0"/>
+              <a:t>21</a:t>
+            </a:fld>
+            <a:endParaRPr lang="en-US"/>
+          </a:p>
+        </p:txBody>
+      </p:sp>
+    </p:spTree>
+    <p:extLst>
+      <p:ext uri="{BB962C8B-B14F-4D97-AF65-F5344CB8AC3E}">
+        <p14:creationId xmlns:p14="http://schemas.microsoft.com/office/powerpoint/2010/main" val="2013877912"/>
+      </p:ext>
+    </p:extLst>
+  </p:cSld>
+  <p:clrMapOvr>
+    <a:masterClrMapping/>
+  </p:clrMapOvr>
+</p:notes>
+</file>
+
+<file path=ppt/notesSlides/notesSlide17.xml><?xml version="1.0" encoding="utf-8"?>
+<p:notes xmlns:a="http://schemas.openxmlformats.org/drawingml/2006/main" xmlns:r="http://schemas.openxmlformats.org/officeDocument/2006/relationships" xmlns:p="http://schemas.openxmlformats.org/presentationml/2006/main">
+  <p:cSld>
+    <p:spTree>
+      <p:nvGrpSpPr>
+        <p:cNvPr id="1" name=""/>
+        <p:cNvGrpSpPr/>
+        <p:nvPr/>
+      </p:nvGrpSpPr>
+      <p:grpSpPr>
+        <a:xfrm>
+          <a:off x="0" y="0"/>
+          <a:ext cx="0" cy="0"/>
+          <a:chOff x="0" y="0"/>
+          <a:chExt cx="0" cy="0"/>
+        </a:xfrm>
+      </p:grpSpPr>
+      <p:sp>
+        <p:nvSpPr>
+          <p:cNvPr id="2" name="Slide Image Placeholder 1"/>
+          <p:cNvSpPr>
+            <a:spLocks noGrp="1" noRot="1" noChangeAspect="1"/>
+          </p:cNvSpPr>
+          <p:nvPr>
+            <p:ph type="sldImg"/>
+          </p:nvPr>
+        </p:nvSpPr>
+        <p:spPr/>
+      </p:sp>
+      <p:sp>
+        <p:nvSpPr>
+          <p:cNvPr id="3" name="Notes Placeholder 2"/>
+          <p:cNvSpPr>
+            <a:spLocks noGrp="1"/>
+          </p:cNvSpPr>
+          <p:nvPr>
+            <p:ph type="body" idx="1"/>
+          </p:nvPr>
+        </p:nvSpPr>
+        <p:spPr/>
+        <p:txBody>
+          <a:bodyPr/>
+          <a:lstStyle/>
+          <a:p>
+            <a:endParaRPr lang="en-US"/>
+          </a:p>
+        </p:txBody>
+      </p:sp>
+      <p:sp>
+        <p:nvSpPr>
+          <p:cNvPr id="4" name="Slide Number Placeholder 3"/>
+          <p:cNvSpPr>
+            <a:spLocks noGrp="1"/>
+          </p:cNvSpPr>
+          <p:nvPr>
+            <p:ph type="sldNum" sz="quarter" idx="10"/>
+          </p:nvPr>
+        </p:nvSpPr>
+        <p:spPr/>
+        <p:txBody>
+          <a:bodyPr/>
+          <a:lstStyle/>
+          <a:p>
+            <a:fld id="{A89B9861-A6C1-43F3-866D-16BF15F092E3}" type="slidenum">
+              <a:rPr lang="en-US" smtClean="0"/>
+              <a:t>22</a:t>
+            </a:fld>
+            <a:endParaRPr lang="en-US"/>
+          </a:p>
+        </p:txBody>
+      </p:sp>
+    </p:spTree>
+    <p:extLst>
+      <p:ext uri="{BB962C8B-B14F-4D97-AF65-F5344CB8AC3E}">
+        <p14:creationId xmlns:p14="http://schemas.microsoft.com/office/powerpoint/2010/main" val="2013877912"/>
+      </p:ext>
+    </p:extLst>
+  </p:cSld>
+  <p:clrMapOvr>
+    <a:masterClrMapping/>
+  </p:clrMapOvr>
+</p:notes>
+</file>
+
+<file path=ppt/notesSlides/notesSlide18.xml><?xml version="1.0" encoding="utf-8"?>
+<p:notes xmlns:a="http://schemas.openxmlformats.org/drawingml/2006/main" xmlns:r="http://schemas.openxmlformats.org/officeDocument/2006/relationships" xmlns:p="http://schemas.openxmlformats.org/presentationml/2006/main">
+  <p:cSld>
+    <p:spTree>
+      <p:nvGrpSpPr>
+        <p:cNvPr id="1" name=""/>
+        <p:cNvGrpSpPr/>
+        <p:nvPr/>
+      </p:nvGrpSpPr>
+      <p:grpSpPr>
+        <a:xfrm>
+          <a:off x="0" y="0"/>
+          <a:ext cx="0" cy="0"/>
+          <a:chOff x="0" y="0"/>
+          <a:chExt cx="0" cy="0"/>
+        </a:xfrm>
+      </p:grpSpPr>
+      <p:sp>
+        <p:nvSpPr>
+          <p:cNvPr id="2" name="Slide Image Placeholder 1"/>
+          <p:cNvSpPr>
+            <a:spLocks noGrp="1" noRot="1" noChangeAspect="1"/>
+          </p:cNvSpPr>
+          <p:nvPr>
+            <p:ph type="sldImg"/>
+          </p:nvPr>
+        </p:nvSpPr>
+        <p:spPr/>
+      </p:sp>
+      <p:sp>
+        <p:nvSpPr>
+          <p:cNvPr id="3" name="Notes Placeholder 2"/>
+          <p:cNvSpPr>
+            <a:spLocks noGrp="1"/>
+          </p:cNvSpPr>
+          <p:nvPr>
+            <p:ph type="body" idx="1"/>
+          </p:nvPr>
+        </p:nvSpPr>
+        <p:spPr/>
+        <p:txBody>
+          <a:bodyPr/>
+          <a:lstStyle/>
+          <a:p>
+            <a:endParaRPr lang="en-US"/>
+          </a:p>
+        </p:txBody>
+      </p:sp>
+      <p:sp>
+        <p:nvSpPr>
+          <p:cNvPr id="4" name="Slide Number Placeholder 3"/>
+          <p:cNvSpPr>
+            <a:spLocks noGrp="1"/>
+          </p:cNvSpPr>
+          <p:nvPr>
+            <p:ph type="sldNum" sz="quarter" idx="10"/>
+          </p:nvPr>
+        </p:nvSpPr>
+        <p:spPr/>
+        <p:txBody>
+          <a:bodyPr/>
+          <a:lstStyle/>
+          <a:p>
+            <a:fld id="{A89B9861-A6C1-43F3-866D-16BF15F092E3}" type="slidenum">
+              <a:rPr lang="en-US" smtClean="0"/>
+              <a:t>23</a:t>
+            </a:fld>
+            <a:endParaRPr lang="en-US"/>
+          </a:p>
+        </p:txBody>
+      </p:sp>
+    </p:spTree>
+    <p:extLst>
+      <p:ext uri="{BB962C8B-B14F-4D97-AF65-F5344CB8AC3E}">
+        <p14:creationId xmlns:p14="http://schemas.microsoft.com/office/powerpoint/2010/main" val="2013877912"/>
+      </p:ext>
+    </p:extLst>
+  </p:cSld>
+  <p:clrMapOvr>
+    <a:masterClrMapping/>
+  </p:clrMapOvr>
+</p:notes>
+</file>
+
+<file path=ppt/notesSlides/notesSlide19.xml><?xml version="1.0" encoding="utf-8"?>
+<p:notes xmlns:a="http://schemas.openxmlformats.org/drawingml/2006/main" xmlns:r="http://schemas.openxmlformats.org/officeDocument/2006/relationships" xmlns:p="http://schemas.openxmlformats.org/presentationml/2006/main">
+  <p:cSld>
+    <p:spTree>
+      <p:nvGrpSpPr>
+        <p:cNvPr id="1" name=""/>
+        <p:cNvGrpSpPr/>
+        <p:nvPr/>
+      </p:nvGrpSpPr>
+      <p:grpSpPr>
+        <a:xfrm>
+          <a:off x="0" y="0"/>
+          <a:ext cx="0" cy="0"/>
+          <a:chOff x="0" y="0"/>
+          <a:chExt cx="0" cy="0"/>
+        </a:xfrm>
+      </p:grpSpPr>
+      <p:sp>
+        <p:nvSpPr>
+          <p:cNvPr id="2" name="Slide Image Placeholder 1"/>
+          <p:cNvSpPr>
+            <a:spLocks noGrp="1" noRot="1" noChangeAspect="1"/>
+          </p:cNvSpPr>
+          <p:nvPr>
+            <p:ph type="sldImg"/>
+          </p:nvPr>
+        </p:nvSpPr>
+        <p:spPr/>
+      </p:sp>
+      <p:sp>
+        <p:nvSpPr>
+          <p:cNvPr id="3" name="Notes Placeholder 2"/>
+          <p:cNvSpPr>
+            <a:spLocks noGrp="1"/>
+          </p:cNvSpPr>
+          <p:nvPr>
+            <p:ph type="body" idx="1"/>
+          </p:nvPr>
+        </p:nvSpPr>
+        <p:spPr/>
+        <p:txBody>
+          <a:bodyPr/>
+          <a:lstStyle/>
+          <a:p>
+            <a:endParaRPr lang="en-US"/>
+          </a:p>
+        </p:txBody>
+      </p:sp>
+      <p:sp>
+        <p:nvSpPr>
+          <p:cNvPr id="4" name="Slide Number Placeholder 3"/>
+          <p:cNvSpPr>
+            <a:spLocks noGrp="1"/>
+          </p:cNvSpPr>
+          <p:nvPr>
+            <p:ph type="sldNum" sz="quarter" idx="10"/>
+          </p:nvPr>
+        </p:nvSpPr>
+        <p:spPr/>
+        <p:txBody>
+          <a:bodyPr/>
+          <a:lstStyle/>
+          <a:p>
+            <a:fld id="{A89B9861-A6C1-43F3-866D-16BF15F092E3}" type="slidenum">
+              <a:rPr lang="en-US" smtClean="0"/>
+              <a:t>24</a:t>
+            </a:fld>
+            <a:endParaRPr lang="en-US"/>
+          </a:p>
+        </p:txBody>
+      </p:sp>
+    </p:spTree>
+    <p:extLst>
+      <p:ext uri="{BB962C8B-B14F-4D97-AF65-F5344CB8AC3E}">
+        <p14:creationId xmlns:p14="http://schemas.microsoft.com/office/powerpoint/2010/main" val="2013877912"/>
+      </p:ext>
+    </p:extLst>
+  </p:cSld>
+  <p:clrMapOvr>
+    <a:masterClrMapping/>
+  </p:clrMapOvr>
+</p:notes>
+</file>
+
 <file path=ppt/notesSlides/notesSlide2.xml><?xml version="1.0" encoding="utf-8"?>
 <p:notes xmlns:a="http://schemas.openxmlformats.org/drawingml/2006/main" xmlns:r="http://schemas.openxmlformats.org/officeDocument/2006/relationships" xmlns:p="http://schemas.openxmlformats.org/presentationml/2006/main">
   <p:cSld>
@@ -962,6 +1476,174 @@
             <a:fld id="{A89B9861-A6C1-43F3-866D-16BF15F092E3}" type="slidenum">
               <a:rPr lang="en-US" smtClean="0"/>
               <a:t>5</a:t>
+            </a:fld>
+            <a:endParaRPr lang="en-US"/>
+          </a:p>
+        </p:txBody>
+      </p:sp>
+    </p:spTree>
+    <p:extLst>
+      <p:ext uri="{BB962C8B-B14F-4D97-AF65-F5344CB8AC3E}">
+        <p14:creationId xmlns:p14="http://schemas.microsoft.com/office/powerpoint/2010/main" val="2013877912"/>
+      </p:ext>
+    </p:extLst>
+  </p:cSld>
+  <p:clrMapOvr>
+    <a:masterClrMapping/>
+  </p:clrMapOvr>
+</p:notes>
+</file>
+
+<file path=ppt/notesSlides/notesSlide20.xml><?xml version="1.0" encoding="utf-8"?>
+<p:notes xmlns:a="http://schemas.openxmlformats.org/drawingml/2006/main" xmlns:r="http://schemas.openxmlformats.org/officeDocument/2006/relationships" xmlns:p="http://schemas.openxmlformats.org/presentationml/2006/main">
+  <p:cSld>
+    <p:spTree>
+      <p:nvGrpSpPr>
+        <p:cNvPr id="1" name=""/>
+        <p:cNvGrpSpPr/>
+        <p:nvPr/>
+      </p:nvGrpSpPr>
+      <p:grpSpPr>
+        <a:xfrm>
+          <a:off x="0" y="0"/>
+          <a:ext cx="0" cy="0"/>
+          <a:chOff x="0" y="0"/>
+          <a:chExt cx="0" cy="0"/>
+        </a:xfrm>
+      </p:grpSpPr>
+      <p:sp>
+        <p:nvSpPr>
+          <p:cNvPr id="2" name="Slide Image Placeholder 1"/>
+          <p:cNvSpPr>
+            <a:spLocks noGrp="1" noRot="1" noChangeAspect="1"/>
+          </p:cNvSpPr>
+          <p:nvPr>
+            <p:ph type="sldImg"/>
+          </p:nvPr>
+        </p:nvSpPr>
+        <p:spPr/>
+      </p:sp>
+      <p:sp>
+        <p:nvSpPr>
+          <p:cNvPr id="3" name="Notes Placeholder 2"/>
+          <p:cNvSpPr>
+            <a:spLocks noGrp="1"/>
+          </p:cNvSpPr>
+          <p:nvPr>
+            <p:ph type="body" idx="1"/>
+          </p:nvPr>
+        </p:nvSpPr>
+        <p:spPr/>
+        <p:txBody>
+          <a:bodyPr/>
+          <a:lstStyle/>
+          <a:p>
+            <a:endParaRPr lang="en-US"/>
+          </a:p>
+        </p:txBody>
+      </p:sp>
+      <p:sp>
+        <p:nvSpPr>
+          <p:cNvPr id="4" name="Slide Number Placeholder 3"/>
+          <p:cNvSpPr>
+            <a:spLocks noGrp="1"/>
+          </p:cNvSpPr>
+          <p:nvPr>
+            <p:ph type="sldNum" sz="quarter" idx="10"/>
+          </p:nvPr>
+        </p:nvSpPr>
+        <p:spPr/>
+        <p:txBody>
+          <a:bodyPr/>
+          <a:lstStyle/>
+          <a:p>
+            <a:fld id="{A89B9861-A6C1-43F3-866D-16BF15F092E3}" type="slidenum">
+              <a:rPr lang="en-US" smtClean="0"/>
+              <a:t>26</a:t>
+            </a:fld>
+            <a:endParaRPr lang="en-US"/>
+          </a:p>
+        </p:txBody>
+      </p:sp>
+    </p:spTree>
+    <p:extLst>
+      <p:ext uri="{BB962C8B-B14F-4D97-AF65-F5344CB8AC3E}">
+        <p14:creationId xmlns:p14="http://schemas.microsoft.com/office/powerpoint/2010/main" val="2013877912"/>
+      </p:ext>
+    </p:extLst>
+  </p:cSld>
+  <p:clrMapOvr>
+    <a:masterClrMapping/>
+  </p:clrMapOvr>
+</p:notes>
+</file>
+
+<file path=ppt/notesSlides/notesSlide21.xml><?xml version="1.0" encoding="utf-8"?>
+<p:notes xmlns:a="http://schemas.openxmlformats.org/drawingml/2006/main" xmlns:r="http://schemas.openxmlformats.org/officeDocument/2006/relationships" xmlns:p="http://schemas.openxmlformats.org/presentationml/2006/main">
+  <p:cSld>
+    <p:spTree>
+      <p:nvGrpSpPr>
+        <p:cNvPr id="1" name=""/>
+        <p:cNvGrpSpPr/>
+        <p:nvPr/>
+      </p:nvGrpSpPr>
+      <p:grpSpPr>
+        <a:xfrm>
+          <a:off x="0" y="0"/>
+          <a:ext cx="0" cy="0"/>
+          <a:chOff x="0" y="0"/>
+          <a:chExt cx="0" cy="0"/>
+        </a:xfrm>
+      </p:grpSpPr>
+      <p:sp>
+        <p:nvSpPr>
+          <p:cNvPr id="2" name="Slide Image Placeholder 1"/>
+          <p:cNvSpPr>
+            <a:spLocks noGrp="1" noRot="1" noChangeAspect="1"/>
+          </p:cNvSpPr>
+          <p:nvPr>
+            <p:ph type="sldImg"/>
+          </p:nvPr>
+        </p:nvSpPr>
+        <p:spPr/>
+      </p:sp>
+      <p:sp>
+        <p:nvSpPr>
+          <p:cNvPr id="3" name="Notes Placeholder 2"/>
+          <p:cNvSpPr>
+            <a:spLocks noGrp="1"/>
+          </p:cNvSpPr>
+          <p:nvPr>
+            <p:ph type="body" idx="1"/>
+          </p:nvPr>
+        </p:nvSpPr>
+        <p:spPr/>
+        <p:txBody>
+          <a:bodyPr/>
+          <a:lstStyle/>
+          <a:p>
+            <a:endParaRPr lang="en-US"/>
+          </a:p>
+        </p:txBody>
+      </p:sp>
+      <p:sp>
+        <p:nvSpPr>
+          <p:cNvPr id="4" name="Slide Number Placeholder 3"/>
+          <p:cNvSpPr>
+            <a:spLocks noGrp="1"/>
+          </p:cNvSpPr>
+          <p:nvPr>
+            <p:ph type="sldNum" sz="quarter" idx="10"/>
+          </p:nvPr>
+        </p:nvSpPr>
+        <p:spPr/>
+        <p:txBody>
+          <a:bodyPr/>
+          <a:lstStyle/>
+          <a:p>
+            <a:fld id="{A89B9861-A6C1-43F3-866D-16BF15F092E3}" type="slidenum">
+              <a:rPr lang="en-US" smtClean="0"/>
+              <a:t>27</a:t>
             </a:fld>
             <a:endParaRPr lang="en-US"/>
           </a:p>
@@ -1549,7 +2231,7 @@
           <a:p>
             <a:fld id="{A89B9861-A6C1-43F3-866D-16BF15F092E3}" type="slidenum">
               <a:rPr lang="en-US" smtClean="0"/>
-              <a:t>13</a:t>
+              <a:t>12</a:t>
             </a:fld>
             <a:endParaRPr lang="en-US"/>
           </a:p>
@@ -5482,7 +6164,7 @@
           <a:p>
             <a:r>
               <a:rPr lang="en-US" dirty="0" smtClean="0"/>
-              <a:t>Installation</a:t>
+              <a:t>Install BASIS</a:t>
             </a:r>
             <a:endParaRPr lang="en-US" dirty="0"/>
           </a:p>
@@ -6001,7 +6683,7 @@
           <a:p>
             <a:r>
               <a:rPr lang="en-US" dirty="0" smtClean="0"/>
-              <a:t>Installation</a:t>
+              <a:t>Set up Environment</a:t>
             </a:r>
             <a:endParaRPr lang="en-US" dirty="0"/>
           </a:p>
@@ -6092,7 +6774,7 @@
                 <a:latin typeface="Courier New" pitchFamily="49" charset="0"/>
                 <a:cs typeface="Courier New" pitchFamily="49" charset="0"/>
               </a:rPr>
-              <a:t>export PATH=“${HOME}/basis/basis-0.1/bin:${PATH}”</a:t>
+              <a:t>export PATH=“${HOME}/local/bin:${PATH}”</a:t>
             </a:r>
           </a:p>
           <a:p>
@@ -6112,7 +6794,7 @@
                 <a:latin typeface="Courier New" pitchFamily="49" charset="0"/>
                 <a:cs typeface="Courier New" pitchFamily="49" charset="0"/>
               </a:rPr>
-              <a:t> PATH “${HOME}/basis/basis-0.1/bin:${PATH}”</a:t>
+              <a:t> PATH “${HOME}/local/bin:${PATH}”</a:t>
             </a:r>
           </a:p>
         </p:txBody>
@@ -6508,11 +7190,7 @@
           <a:p>
             <a:r>
               <a:rPr lang="en-US" dirty="0" smtClean="0"/>
-              <a:t>Create a New </a:t>
-            </a:r>
-            <a:r>
-              <a:rPr lang="en-US" dirty="0" err="1" smtClean="0"/>
-              <a:t>Projct</a:t>
+              <a:t>Set up Environment</a:t>
             </a:r>
             <a:endParaRPr lang="en-US" dirty="0"/>
           </a:p>
@@ -6520,24 +7198,240 @@
       </p:sp>
       <p:sp>
         <p:nvSpPr>
-          <p:cNvPr id="3" name="Text Placeholder 2"/>
-          <p:cNvSpPr>
-            <a:spLocks noGrp="1"/>
-          </p:cNvSpPr>
-          <p:nvPr>
-            <p:ph type="body" idx="1"/>
+          <p:cNvPr id="3" name="Content Placeholder 2"/>
+          <p:cNvSpPr>
+            <a:spLocks noGrp="1"/>
+          </p:cNvSpPr>
+          <p:nvPr>
+            <p:ph idx="1"/>
           </p:nvPr>
         </p:nvSpPr>
         <p:spPr/>
         <p:txBody>
-          <a:bodyPr/>
+          <a:bodyPr>
+            <a:normAutofit/>
+          </a:bodyPr>
           <a:lstStyle/>
           <a:p>
             <a:r>
-              <a:rPr lang="en-US" dirty="0" smtClean="0"/>
-              <a:t>How do I create my own project which uses BASIS?</a:t>
-            </a:r>
-            <a:endParaRPr lang="en-US" dirty="0"/>
+              <a:rPr lang="en-US" sz="2400" dirty="0" smtClean="0"/>
+              <a:t>In order to shorten the commands used throughout the tutorials, set also the following environment variables:</a:t>
+            </a:r>
+            <a:r>
+              <a:rPr lang="en-US" sz="2400" dirty="0" smtClean="0">
+                <a:cs typeface="Courier New" pitchFamily="49" charset="0"/>
+              </a:rPr>
+              <a:t/>
+            </a:r>
+            <a:br>
+              <a:rPr lang="en-US" sz="2400" dirty="0" smtClean="0">
+                <a:cs typeface="Courier New" pitchFamily="49" charset="0"/>
+              </a:rPr>
+            </a:br>
+            <a:endParaRPr lang="en-US" sz="1600" dirty="0">
+              <a:latin typeface="Courier New" pitchFamily="49" charset="0"/>
+              <a:cs typeface="Courier New" pitchFamily="49" charset="0"/>
+            </a:endParaRPr>
+          </a:p>
+          <a:p>
+            <a:pPr lvl="1">
+              <a:buFont typeface="Wingdings" pitchFamily="2" charset="2"/>
+              <a:buChar char="Ø"/>
+            </a:pPr>
+            <a:r>
+              <a:rPr lang="en-US" sz="1600" dirty="0" smtClean="0">
+                <a:latin typeface="Courier New" pitchFamily="49" charset="0"/>
+                <a:cs typeface="Courier New" pitchFamily="49" charset="0"/>
+              </a:rPr>
+              <a:t>export</a:t>
+            </a:r>
+            <a:br>
+              <a:rPr lang="en-US" sz="1600" dirty="0" smtClean="0">
+                <a:latin typeface="Courier New" pitchFamily="49" charset="0"/>
+                <a:cs typeface="Courier New" pitchFamily="49" charset="0"/>
+              </a:rPr>
+            </a:br>
+            <a:r>
+              <a:rPr lang="en-US" sz="1600" dirty="0" smtClean="0">
+                <a:latin typeface="Courier New" pitchFamily="49" charset="0"/>
+                <a:cs typeface="Courier New" pitchFamily="49" charset="0"/>
+              </a:rPr>
+              <a:t>BASIS_EXAMPLE_DIR</a:t>
+            </a:r>
+            <a:r>
+              <a:rPr lang="en-US" sz="1600" dirty="0">
+                <a:latin typeface="Courier New" pitchFamily="49" charset="0"/>
+                <a:cs typeface="Courier New" pitchFamily="49" charset="0"/>
+              </a:rPr>
+              <a:t>=“${HOME</a:t>
+            </a:r>
+            <a:r>
+              <a:rPr lang="en-US" sz="1600" dirty="0" smtClean="0">
+                <a:latin typeface="Courier New" pitchFamily="49" charset="0"/>
+                <a:cs typeface="Courier New" pitchFamily="49" charset="0"/>
+              </a:rPr>
+              <a:t>}/local/share/basis/example”</a:t>
+            </a:r>
+            <a:endParaRPr lang="en-US" sz="1600" dirty="0">
+              <a:latin typeface="Courier New" pitchFamily="49" charset="0"/>
+              <a:cs typeface="Courier New" pitchFamily="49" charset="0"/>
+            </a:endParaRPr>
+          </a:p>
+          <a:p>
+            <a:pPr lvl="1">
+              <a:buFont typeface="Wingdings" pitchFamily="2" charset="2"/>
+              <a:buChar char="Ø"/>
+            </a:pPr>
+            <a:endParaRPr lang="en-US" sz="1600" dirty="0">
+              <a:latin typeface="Courier New" pitchFamily="49" charset="0"/>
+              <a:cs typeface="Courier New" pitchFamily="49" charset="0"/>
+            </a:endParaRPr>
+          </a:p>
+          <a:p>
+            <a:pPr lvl="1">
+              <a:buFont typeface="Wingdings" pitchFamily="2" charset="2"/>
+              <a:buChar char="Ø"/>
+            </a:pPr>
+            <a:r>
+              <a:rPr lang="en-US" sz="1600" dirty="0" err="1">
+                <a:latin typeface="Courier New" pitchFamily="49" charset="0"/>
+                <a:cs typeface="Courier New" pitchFamily="49" charset="0"/>
+              </a:rPr>
+              <a:t>setenv</a:t>
+            </a:r>
+            <a:r>
+              <a:rPr lang="en-US" sz="1600" dirty="0">
+                <a:latin typeface="Courier New" pitchFamily="49" charset="0"/>
+                <a:cs typeface="Courier New" pitchFamily="49" charset="0"/>
+              </a:rPr>
+              <a:t> </a:t>
+            </a:r>
+            <a:r>
+              <a:rPr lang="en-US" sz="1600" dirty="0" smtClean="0">
+                <a:latin typeface="Courier New" pitchFamily="49" charset="0"/>
+                <a:cs typeface="Courier New" pitchFamily="49" charset="0"/>
+              </a:rPr>
+              <a:t>BASIS_EXAMPLE_DIR “${</a:t>
+            </a:r>
+            <a:r>
+              <a:rPr lang="en-US" sz="1600" dirty="0">
+                <a:latin typeface="Courier New" pitchFamily="49" charset="0"/>
+                <a:cs typeface="Courier New" pitchFamily="49" charset="0"/>
+              </a:rPr>
+              <a:t>HOME</a:t>
+            </a:r>
+            <a:r>
+              <a:rPr lang="en-US" sz="1600" dirty="0" smtClean="0">
+                <a:latin typeface="Courier New" pitchFamily="49" charset="0"/>
+                <a:cs typeface="Courier New" pitchFamily="49" charset="0"/>
+              </a:rPr>
+              <a:t>}/local/share/basis/example”</a:t>
+            </a:r>
+          </a:p>
+          <a:p>
+            <a:pPr lvl="1">
+              <a:buFont typeface="Wingdings" pitchFamily="2" charset="2"/>
+              <a:buChar char="Ø"/>
+            </a:pPr>
+            <a:endParaRPr lang="en-US" sz="1600" dirty="0">
+              <a:latin typeface="Courier New" pitchFamily="49" charset="0"/>
+              <a:cs typeface="Courier New" pitchFamily="49" charset="0"/>
+            </a:endParaRPr>
+          </a:p>
+          <a:p>
+            <a:pPr lvl="1">
+              <a:buFont typeface="Wingdings" pitchFamily="2" charset="2"/>
+              <a:buChar char="Ø"/>
+            </a:pPr>
+            <a:r>
+              <a:rPr lang="en-US" sz="1600" dirty="0">
+                <a:latin typeface="Courier New" pitchFamily="49" charset="0"/>
+                <a:cs typeface="Courier New" pitchFamily="49" charset="0"/>
+              </a:rPr>
+              <a:t>export </a:t>
+            </a:r>
+            <a:r>
+              <a:rPr lang="en-US" sz="1600" dirty="0" smtClean="0">
+                <a:latin typeface="Courier New" pitchFamily="49" charset="0"/>
+                <a:cs typeface="Courier New" pitchFamily="49" charset="0"/>
+              </a:rPr>
+              <a:t>BASIS_RSC_DIR=“${BASIS_EXAMPLE_DIR}/</a:t>
+            </a:r>
+            <a:r>
+              <a:rPr lang="en-US" sz="1600" dirty="0" err="1">
+                <a:latin typeface="Courier New" pitchFamily="49" charset="0"/>
+                <a:cs typeface="Courier New" pitchFamily="49" charset="0"/>
+              </a:rPr>
+              <a:t>ressources</a:t>
+            </a:r>
+            <a:r>
+              <a:rPr lang="en-US" sz="1600" dirty="0">
+                <a:latin typeface="Courier New" pitchFamily="49" charset="0"/>
+                <a:cs typeface="Courier New" pitchFamily="49" charset="0"/>
+              </a:rPr>
+              <a:t>”</a:t>
+            </a:r>
+          </a:p>
+          <a:p>
+            <a:pPr lvl="1">
+              <a:buFont typeface="Wingdings" pitchFamily="2" charset="2"/>
+              <a:buChar char="Ø"/>
+            </a:pPr>
+            <a:endParaRPr lang="en-US" sz="1600" dirty="0">
+              <a:latin typeface="Courier New" pitchFamily="49" charset="0"/>
+              <a:cs typeface="Courier New" pitchFamily="49" charset="0"/>
+            </a:endParaRPr>
+          </a:p>
+          <a:p>
+            <a:pPr lvl="1">
+              <a:buFont typeface="Wingdings" pitchFamily="2" charset="2"/>
+              <a:buChar char="Ø"/>
+            </a:pPr>
+            <a:r>
+              <a:rPr lang="en-US" sz="1600" dirty="0" err="1">
+                <a:latin typeface="Courier New" pitchFamily="49" charset="0"/>
+                <a:cs typeface="Courier New" pitchFamily="49" charset="0"/>
+              </a:rPr>
+              <a:t>setenv</a:t>
+            </a:r>
+            <a:r>
+              <a:rPr lang="en-US" sz="1600" dirty="0">
+                <a:latin typeface="Courier New" pitchFamily="49" charset="0"/>
+                <a:cs typeface="Courier New" pitchFamily="49" charset="0"/>
+              </a:rPr>
+              <a:t> </a:t>
+            </a:r>
+            <a:r>
+              <a:rPr lang="en-US" sz="1600" dirty="0" smtClean="0">
+                <a:latin typeface="Courier New" pitchFamily="49" charset="0"/>
+                <a:cs typeface="Courier New" pitchFamily="49" charset="0"/>
+              </a:rPr>
+              <a:t>BASIS_RSC_DIR “${BASIS_EXAMPLE_DIR}/</a:t>
+            </a:r>
+            <a:r>
+              <a:rPr lang="en-US" sz="1600" dirty="0" err="1">
+                <a:latin typeface="Courier New" pitchFamily="49" charset="0"/>
+                <a:cs typeface="Courier New" pitchFamily="49" charset="0"/>
+              </a:rPr>
+              <a:t>ressources</a:t>
+            </a:r>
+            <a:r>
+              <a:rPr lang="en-US" sz="1600" dirty="0">
+                <a:latin typeface="Courier New" pitchFamily="49" charset="0"/>
+                <a:cs typeface="Courier New" pitchFamily="49" charset="0"/>
+              </a:rPr>
+              <a:t>”</a:t>
+            </a:r>
+          </a:p>
+          <a:p>
+            <a:pPr lvl="1">
+              <a:buFont typeface="Wingdings" pitchFamily="2" charset="2"/>
+              <a:buChar char="Ø"/>
+            </a:pPr>
+            <a:endParaRPr lang="en-US" sz="1600" dirty="0">
+              <a:latin typeface="Courier New" pitchFamily="49" charset="0"/>
+              <a:cs typeface="Courier New" pitchFamily="49" charset="0"/>
+            </a:endParaRPr>
           </a:p>
         </p:txBody>
       </p:sp>
@@ -6614,7 +7508,7 @@
     </p:spTree>
     <p:extLst>
       <p:ext uri="{BB962C8B-B14F-4D97-AF65-F5344CB8AC3E}">
-        <p14:creationId xmlns:p14="http://schemas.microsoft.com/office/powerpoint/2010/main" val="1123903293"/>
+        <p14:creationId xmlns:p14="http://schemas.microsoft.com/office/powerpoint/2010/main" val="429959146"/>
       </p:ext>
     </p:extLst>
   </p:cSld>
@@ -6624,7 +7518,335 @@
   <p:timing>
     <p:tnLst>
       <p:par>
-        <p:cTn id="1" dur="indefinite" restart="never" nodeType="tmRoot"/>
+        <p:cTn id="1" dur="indefinite" restart="never" nodeType="tmRoot">
+          <p:childTnLst>
+            <p:seq concurrent="1" nextAc="seek">
+              <p:cTn id="2" dur="indefinite" nodeType="mainSeq">
+                <p:childTnLst>
+                  <p:par>
+                    <p:cTn id="3" fill="hold">
+                      <p:stCondLst>
+                        <p:cond delay="indefinite"/>
+                      </p:stCondLst>
+                      <p:childTnLst>
+                        <p:par>
+                          <p:cTn id="4" fill="hold">
+                            <p:stCondLst>
+                              <p:cond delay="0"/>
+                            </p:stCondLst>
+                            <p:childTnLst>
+                              <p:par>
+                                <p:cTn id="5" presetID="10" presetClass="entr" presetSubtype="0" fill="hold" nodeType="clickEffect">
+                                  <p:stCondLst>
+                                    <p:cond delay="0"/>
+                                  </p:stCondLst>
+                                  <p:childTnLst>
+                                    <p:set>
+                                      <p:cBhvr>
+                                        <p:cTn id="6" dur="1" fill="hold">
+                                          <p:stCondLst>
+                                            <p:cond delay="0"/>
+                                          </p:stCondLst>
+                                        </p:cTn>
+                                        <p:tgtEl>
+                                          <p:spTgt spid="3">
+                                            <p:txEl>
+                                              <p:pRg st="0" end="0"/>
+                                            </p:txEl>
+                                          </p:spTgt>
+                                        </p:tgtEl>
+                                        <p:attrNameLst>
+                                          <p:attrName>style.visibility</p:attrName>
+                                        </p:attrNameLst>
+                                      </p:cBhvr>
+                                      <p:to>
+                                        <p:strVal val="visible"/>
+                                      </p:to>
+                                    </p:set>
+                                    <p:animEffect transition="in" filter="fade">
+                                      <p:cBhvr>
+                                        <p:cTn id="7" dur="500"/>
+                                        <p:tgtEl>
+                                          <p:spTgt spid="3">
+                                            <p:txEl>
+                                              <p:pRg st="0" end="0"/>
+                                            </p:txEl>
+                                          </p:spTgt>
+                                        </p:tgtEl>
+                                      </p:cBhvr>
+                                    </p:animEffect>
+                                  </p:childTnLst>
+                                </p:cTn>
+                              </p:par>
+                            </p:childTnLst>
+                          </p:cTn>
+                        </p:par>
+                      </p:childTnLst>
+                    </p:cTn>
+                  </p:par>
+                  <p:par>
+                    <p:cTn id="8" fill="hold">
+                      <p:stCondLst>
+                        <p:cond delay="indefinite"/>
+                      </p:stCondLst>
+                      <p:childTnLst>
+                        <p:par>
+                          <p:cTn id="9" fill="hold">
+                            <p:stCondLst>
+                              <p:cond delay="0"/>
+                            </p:stCondLst>
+                            <p:childTnLst>
+                              <p:par>
+                                <p:cTn id="10" presetID="10" presetClass="entr" presetSubtype="0" fill="hold" nodeType="clickEffect">
+                                  <p:stCondLst>
+                                    <p:cond delay="0"/>
+                                  </p:stCondLst>
+                                  <p:childTnLst>
+                                    <p:set>
+                                      <p:cBhvr>
+                                        <p:cTn id="11" dur="1" fill="hold">
+                                          <p:stCondLst>
+                                            <p:cond delay="0"/>
+                                          </p:stCondLst>
+                                        </p:cTn>
+                                        <p:tgtEl>
+                                          <p:spTgt spid="3">
+                                            <p:txEl>
+                                              <p:pRg st="1" end="1"/>
+                                            </p:txEl>
+                                          </p:spTgt>
+                                        </p:tgtEl>
+                                        <p:attrNameLst>
+                                          <p:attrName>style.visibility</p:attrName>
+                                        </p:attrNameLst>
+                                      </p:cBhvr>
+                                      <p:to>
+                                        <p:strVal val="visible"/>
+                                      </p:to>
+                                    </p:set>
+                                    <p:animEffect transition="in" filter="fade">
+                                      <p:cBhvr>
+                                        <p:cTn id="12" dur="500"/>
+                                        <p:tgtEl>
+                                          <p:spTgt spid="3">
+                                            <p:txEl>
+                                              <p:pRg st="1" end="1"/>
+                                            </p:txEl>
+                                          </p:spTgt>
+                                        </p:tgtEl>
+                                      </p:cBhvr>
+                                    </p:animEffect>
+                                  </p:childTnLst>
+                                </p:cTn>
+                              </p:par>
+                            </p:childTnLst>
+                          </p:cTn>
+                        </p:par>
+                      </p:childTnLst>
+                    </p:cTn>
+                  </p:par>
+                  <p:par>
+                    <p:cTn id="13" fill="hold">
+                      <p:stCondLst>
+                        <p:cond delay="indefinite"/>
+                      </p:stCondLst>
+                      <p:childTnLst>
+                        <p:par>
+                          <p:cTn id="14" fill="hold">
+                            <p:stCondLst>
+                              <p:cond delay="0"/>
+                            </p:stCondLst>
+                            <p:childTnLst>
+                              <p:par>
+                                <p:cTn id="15" presetID="10" presetClass="entr" presetSubtype="0" fill="hold" nodeType="clickEffect">
+                                  <p:stCondLst>
+                                    <p:cond delay="0"/>
+                                  </p:stCondLst>
+                                  <p:childTnLst>
+                                    <p:set>
+                                      <p:cBhvr>
+                                        <p:cTn id="16" dur="1" fill="hold">
+                                          <p:stCondLst>
+                                            <p:cond delay="0"/>
+                                          </p:stCondLst>
+                                        </p:cTn>
+                                        <p:tgtEl>
+                                          <p:spTgt spid="3">
+                                            <p:txEl>
+                                              <p:pRg st="3" end="3"/>
+                                            </p:txEl>
+                                          </p:spTgt>
+                                        </p:tgtEl>
+                                        <p:attrNameLst>
+                                          <p:attrName>style.visibility</p:attrName>
+                                        </p:attrNameLst>
+                                      </p:cBhvr>
+                                      <p:to>
+                                        <p:strVal val="visible"/>
+                                      </p:to>
+                                    </p:set>
+                                    <p:animEffect transition="in" filter="fade">
+                                      <p:cBhvr>
+                                        <p:cTn id="17" dur="500"/>
+                                        <p:tgtEl>
+                                          <p:spTgt spid="3">
+                                            <p:txEl>
+                                              <p:pRg st="3" end="3"/>
+                                            </p:txEl>
+                                          </p:spTgt>
+                                        </p:tgtEl>
+                                      </p:cBhvr>
+                                    </p:animEffect>
+                                  </p:childTnLst>
+                                </p:cTn>
+                              </p:par>
+                            </p:childTnLst>
+                          </p:cTn>
+                        </p:par>
+                      </p:childTnLst>
+                    </p:cTn>
+                  </p:par>
+                  <p:par>
+                    <p:cTn id="18" fill="hold">
+                      <p:stCondLst>
+                        <p:cond delay="indefinite"/>
+                      </p:stCondLst>
+                      <p:childTnLst>
+                        <p:par>
+                          <p:cTn id="19" fill="hold">
+                            <p:stCondLst>
+                              <p:cond delay="0"/>
+                            </p:stCondLst>
+                            <p:childTnLst>
+                              <p:par>
+                                <p:cTn id="20" presetID="10" presetClass="entr" presetSubtype="0" fill="hold" nodeType="clickEffect">
+                                  <p:stCondLst>
+                                    <p:cond delay="0"/>
+                                  </p:stCondLst>
+                                  <p:childTnLst>
+                                    <p:set>
+                                      <p:cBhvr>
+                                        <p:cTn id="21" dur="1" fill="hold">
+                                          <p:stCondLst>
+                                            <p:cond delay="0"/>
+                                          </p:stCondLst>
+                                        </p:cTn>
+                                        <p:tgtEl>
+                                          <p:spTgt spid="3">
+                                            <p:txEl>
+                                              <p:pRg st="5" end="5"/>
+                                            </p:txEl>
+                                          </p:spTgt>
+                                        </p:tgtEl>
+                                        <p:attrNameLst>
+                                          <p:attrName>style.visibility</p:attrName>
+                                        </p:attrNameLst>
+                                      </p:cBhvr>
+                                      <p:to>
+                                        <p:strVal val="visible"/>
+                                      </p:to>
+                                    </p:set>
+                                    <p:animEffect transition="in" filter="fade">
+                                      <p:cBhvr>
+                                        <p:cTn id="22" dur="500"/>
+                                        <p:tgtEl>
+                                          <p:spTgt spid="3">
+                                            <p:txEl>
+                                              <p:pRg st="5" end="5"/>
+                                            </p:txEl>
+                                          </p:spTgt>
+                                        </p:tgtEl>
+                                      </p:cBhvr>
+                                    </p:animEffect>
+                                  </p:childTnLst>
+                                </p:cTn>
+                              </p:par>
+                            </p:childTnLst>
+                          </p:cTn>
+                        </p:par>
+                      </p:childTnLst>
+                    </p:cTn>
+                  </p:par>
+                  <p:par>
+                    <p:cTn id="23" fill="hold">
+                      <p:stCondLst>
+                        <p:cond delay="indefinite"/>
+                      </p:stCondLst>
+                      <p:childTnLst>
+                        <p:par>
+                          <p:cTn id="24" fill="hold">
+                            <p:stCondLst>
+                              <p:cond delay="0"/>
+                            </p:stCondLst>
+                            <p:childTnLst>
+                              <p:par>
+                                <p:cTn id="25" presetID="10" presetClass="entr" presetSubtype="0" fill="hold" nodeType="clickEffect">
+                                  <p:stCondLst>
+                                    <p:cond delay="0"/>
+                                  </p:stCondLst>
+                                  <p:childTnLst>
+                                    <p:set>
+                                      <p:cBhvr>
+                                        <p:cTn id="26" dur="1" fill="hold">
+                                          <p:stCondLst>
+                                            <p:cond delay="0"/>
+                                          </p:stCondLst>
+                                        </p:cTn>
+                                        <p:tgtEl>
+                                          <p:spTgt spid="3">
+                                            <p:txEl>
+                                              <p:pRg st="7" end="7"/>
+                                            </p:txEl>
+                                          </p:spTgt>
+                                        </p:tgtEl>
+                                        <p:attrNameLst>
+                                          <p:attrName>style.visibility</p:attrName>
+                                        </p:attrNameLst>
+                                      </p:cBhvr>
+                                      <p:to>
+                                        <p:strVal val="visible"/>
+                                      </p:to>
+                                    </p:set>
+                                    <p:animEffect transition="in" filter="fade">
+                                      <p:cBhvr>
+                                        <p:cTn id="27" dur="500"/>
+                                        <p:tgtEl>
+                                          <p:spTgt spid="3">
+                                            <p:txEl>
+                                              <p:pRg st="7" end="7"/>
+                                            </p:txEl>
+                                          </p:spTgt>
+                                        </p:tgtEl>
+                                      </p:cBhvr>
+                                    </p:animEffect>
+                                  </p:childTnLst>
+                                </p:cTn>
+                              </p:par>
+                            </p:childTnLst>
+                          </p:cTn>
+                        </p:par>
+                      </p:childTnLst>
+                    </p:cTn>
+                  </p:par>
+                </p:childTnLst>
+              </p:cTn>
+              <p:prevCondLst>
+                <p:cond evt="onPrev" delay="0">
+                  <p:tgtEl>
+                    <p:sldTgt/>
+                  </p:tgtEl>
+                </p:cond>
+              </p:prevCondLst>
+              <p:nextCondLst>
+                <p:cond evt="onNext" delay="0">
+                  <p:tgtEl>
+                    <p:sldTgt/>
+                  </p:tgtEl>
+                </p:cond>
+              </p:nextCondLst>
+            </p:seq>
+          </p:childTnLst>
+        </p:cTn>
       </p:par>
     </p:tnLst>
   </p:timing>
@@ -6665,7 +7887,34 @@
           <a:p>
             <a:r>
               <a:rPr lang="en-US" dirty="0" smtClean="0"/>
-              <a:t>Project Tool</a:t>
+              <a:t>Create a New </a:t>
+            </a:r>
+            <a:r>
+              <a:rPr lang="en-US" dirty="0" err="1" smtClean="0"/>
+              <a:t>Projct</a:t>
+            </a:r>
+            <a:endParaRPr lang="en-US" dirty="0"/>
+          </a:p>
+        </p:txBody>
+      </p:sp>
+      <p:sp>
+        <p:nvSpPr>
+          <p:cNvPr id="3" name="Text Placeholder 2"/>
+          <p:cNvSpPr>
+            <a:spLocks noGrp="1"/>
+          </p:cNvSpPr>
+          <p:nvPr>
+            <p:ph type="body" idx="1"/>
+          </p:nvPr>
+        </p:nvSpPr>
+        <p:spPr/>
+        <p:txBody>
+          <a:bodyPr/>
+          <a:lstStyle/>
+          <a:p>
+            <a:r>
+              <a:rPr lang="en-US" dirty="0" smtClean="0"/>
+              <a:t>How do I create my own BASIS-conform project?</a:t>
             </a:r>
             <a:endParaRPr lang="en-US" dirty="0"/>
           </a:p>
@@ -6736,6 +7985,136 @@
               <a:rPr lang="en-US" smtClean="0"/>
               <a:pPr/>
               <a:t>13</a:t>
+            </a:fld>
+            <a:endParaRPr lang="en-US"/>
+          </a:p>
+        </p:txBody>
+      </p:sp>
+    </p:spTree>
+    <p:extLst>
+      <p:ext uri="{BB962C8B-B14F-4D97-AF65-F5344CB8AC3E}">
+        <p14:creationId xmlns:p14="http://schemas.microsoft.com/office/powerpoint/2010/main" val="1123903293"/>
+      </p:ext>
+    </p:extLst>
+  </p:cSld>
+  <p:clrMapOvr>
+    <a:masterClrMapping/>
+  </p:clrMapOvr>
+  <p:timing>
+    <p:tnLst>
+      <p:par>
+        <p:cTn id="1" dur="indefinite" restart="never" nodeType="tmRoot"/>
+      </p:par>
+    </p:tnLst>
+  </p:timing>
+</p:sld>
+</file>
+
+<file path=ppt/slides/slide14.xml><?xml version="1.0" encoding="utf-8"?>
+<p:sld xmlns:a="http://schemas.openxmlformats.org/drawingml/2006/main" xmlns:r="http://schemas.openxmlformats.org/officeDocument/2006/relationships" xmlns:p="http://schemas.openxmlformats.org/presentationml/2006/main">
+  <p:cSld>
+    <p:spTree>
+      <p:nvGrpSpPr>
+        <p:cNvPr id="1" name=""/>
+        <p:cNvGrpSpPr/>
+        <p:nvPr/>
+      </p:nvGrpSpPr>
+      <p:grpSpPr>
+        <a:xfrm>
+          <a:off x="0" y="0"/>
+          <a:ext cx="0" cy="0"/>
+          <a:chOff x="0" y="0"/>
+          <a:chExt cx="0" cy="0"/>
+        </a:xfrm>
+      </p:grpSpPr>
+      <p:sp>
+        <p:nvSpPr>
+          <p:cNvPr id="2" name="Title 1"/>
+          <p:cNvSpPr>
+            <a:spLocks noGrp="1"/>
+          </p:cNvSpPr>
+          <p:nvPr>
+            <p:ph type="title"/>
+          </p:nvPr>
+        </p:nvSpPr>
+        <p:spPr/>
+        <p:txBody>
+          <a:bodyPr/>
+          <a:lstStyle/>
+          <a:p>
+            <a:r>
+              <a:rPr lang="en-US" dirty="0" smtClean="0"/>
+              <a:t>Project Tool</a:t>
+            </a:r>
+            <a:endParaRPr lang="en-US" dirty="0"/>
+          </a:p>
+        </p:txBody>
+      </p:sp>
+      <p:sp>
+        <p:nvSpPr>
+          <p:cNvPr id="4" name="Date Placeholder 3"/>
+          <p:cNvSpPr>
+            <a:spLocks noGrp="1"/>
+          </p:cNvSpPr>
+          <p:nvPr>
+            <p:ph type="dt" sz="half" idx="2"/>
+          </p:nvPr>
+        </p:nvSpPr>
+        <p:spPr/>
+        <p:txBody>
+          <a:bodyPr/>
+          <a:lstStyle/>
+          <a:p>
+            <a:r>
+              <a:rPr lang="en-US" smtClean="0"/>
+              <a:t>10/21/2011</a:t>
+            </a:r>
+            <a:endParaRPr lang="en-US" dirty="0"/>
+          </a:p>
+        </p:txBody>
+      </p:sp>
+      <p:sp>
+        <p:nvSpPr>
+          <p:cNvPr id="5" name="Footer Placeholder 4"/>
+          <p:cNvSpPr>
+            <a:spLocks noGrp="1"/>
+          </p:cNvSpPr>
+          <p:nvPr>
+            <p:ph type="ftr" sz="quarter" idx="3"/>
+          </p:nvPr>
+        </p:nvSpPr>
+        <p:spPr/>
+        <p:txBody>
+          <a:bodyPr/>
+          <a:lstStyle/>
+          <a:p>
+            <a:r>
+              <a:rPr lang="en-US" smtClean="0"/>
+              <a:t>Getting Started        Copyright (c) 2011 University of Pennsylvania. All rights reserved.</a:t>
+            </a:r>
+            <a:endParaRPr lang="en-US" dirty="0"/>
+          </a:p>
+        </p:txBody>
+      </p:sp>
+      <p:sp>
+        <p:nvSpPr>
+          <p:cNvPr id="6" name="Slide Number Placeholder 5"/>
+          <p:cNvSpPr>
+            <a:spLocks noGrp="1"/>
+          </p:cNvSpPr>
+          <p:nvPr>
+            <p:ph type="sldNum" sz="quarter" idx="4"/>
+          </p:nvPr>
+        </p:nvSpPr>
+        <p:spPr/>
+        <p:txBody>
+          <a:bodyPr/>
+          <a:lstStyle/>
+          <a:p>
+            <a:fld id="{93682E96-E16A-4EC4-A9C4-BF3FFE98BFA7}" type="slidenum">
+              <a:rPr lang="en-US" smtClean="0"/>
+              <a:pPr/>
+              <a:t>14</a:t>
             </a:fld>
             <a:endParaRPr lang="en-US"/>
           </a:p>
@@ -7157,516 +8536,6 @@
                                     <p:animEffect transition="in" filter="fade">
                                       <p:cBhvr>
                                         <p:cTn id="27" dur="500"/>
-                                        <p:tgtEl>
-                                          <p:spTgt spid="7">
-                                            <p:txEl>
-                                              <p:pRg st="6" end="6"/>
-                                            </p:txEl>
-                                          </p:spTgt>
-                                        </p:tgtEl>
-                                      </p:cBhvr>
-                                    </p:animEffect>
-                                  </p:childTnLst>
-                                </p:cTn>
-                              </p:par>
-                            </p:childTnLst>
-                          </p:cTn>
-                        </p:par>
-                      </p:childTnLst>
-                    </p:cTn>
-                  </p:par>
-                </p:childTnLst>
-              </p:cTn>
-              <p:prevCondLst>
-                <p:cond evt="onPrev" delay="0">
-                  <p:tgtEl>
-                    <p:sldTgt/>
-                  </p:tgtEl>
-                </p:cond>
-              </p:prevCondLst>
-              <p:nextCondLst>
-                <p:cond evt="onNext" delay="0">
-                  <p:tgtEl>
-                    <p:sldTgt/>
-                  </p:tgtEl>
-                </p:cond>
-              </p:nextCondLst>
-            </p:seq>
-          </p:childTnLst>
-        </p:cTn>
-      </p:par>
-    </p:tnLst>
-  </p:timing>
-</p:sld>
-</file>
-
-<file path=ppt/slides/slide14.xml><?xml version="1.0" encoding="utf-8"?>
-<p:sld xmlns:a="http://schemas.openxmlformats.org/drawingml/2006/main" xmlns:r="http://schemas.openxmlformats.org/officeDocument/2006/relationships" xmlns:p="http://schemas.openxmlformats.org/presentationml/2006/main">
-  <p:cSld>
-    <p:spTree>
-      <p:nvGrpSpPr>
-        <p:cNvPr id="1" name=""/>
-        <p:cNvGrpSpPr/>
-        <p:nvPr/>
-      </p:nvGrpSpPr>
-      <p:grpSpPr>
-        <a:xfrm>
-          <a:off x="0" y="0"/>
-          <a:ext cx="0" cy="0"/>
-          <a:chOff x="0" y="0"/>
-          <a:chExt cx="0" cy="0"/>
-        </a:xfrm>
-      </p:grpSpPr>
-      <p:sp>
-        <p:nvSpPr>
-          <p:cNvPr id="2" name="Title 1"/>
-          <p:cNvSpPr>
-            <a:spLocks noGrp="1"/>
-          </p:cNvSpPr>
-          <p:nvPr>
-            <p:ph type="title"/>
-          </p:nvPr>
-        </p:nvSpPr>
-        <p:spPr/>
-        <p:txBody>
-          <a:bodyPr/>
-          <a:lstStyle/>
-          <a:p>
-            <a:r>
-              <a:rPr lang="en-US" dirty="0" smtClean="0"/>
-              <a:t>Project Tool</a:t>
-            </a:r>
-            <a:endParaRPr lang="en-US" dirty="0"/>
-          </a:p>
-        </p:txBody>
-      </p:sp>
-      <p:sp>
-        <p:nvSpPr>
-          <p:cNvPr id="4" name="Date Placeholder 3"/>
-          <p:cNvSpPr>
-            <a:spLocks noGrp="1"/>
-          </p:cNvSpPr>
-          <p:nvPr>
-            <p:ph type="dt" sz="half" idx="2"/>
-          </p:nvPr>
-        </p:nvSpPr>
-        <p:spPr/>
-        <p:txBody>
-          <a:bodyPr/>
-          <a:lstStyle/>
-          <a:p>
-            <a:r>
-              <a:rPr lang="en-US" smtClean="0"/>
-              <a:t>10/21/2011</a:t>
-            </a:r>
-            <a:endParaRPr lang="en-US" dirty="0"/>
-          </a:p>
-        </p:txBody>
-      </p:sp>
-      <p:sp>
-        <p:nvSpPr>
-          <p:cNvPr id="5" name="Footer Placeholder 4"/>
-          <p:cNvSpPr>
-            <a:spLocks noGrp="1"/>
-          </p:cNvSpPr>
-          <p:nvPr>
-            <p:ph type="ftr" sz="quarter" idx="3"/>
-          </p:nvPr>
-        </p:nvSpPr>
-        <p:spPr/>
-        <p:txBody>
-          <a:bodyPr/>
-          <a:lstStyle/>
-          <a:p>
-            <a:r>
-              <a:rPr lang="en-US" smtClean="0"/>
-              <a:t>Getting Started        Copyright (c) 2011 University of Pennsylvania. All rights reserved.</a:t>
-            </a:r>
-            <a:endParaRPr lang="en-US" dirty="0"/>
-          </a:p>
-        </p:txBody>
-      </p:sp>
-      <p:sp>
-        <p:nvSpPr>
-          <p:cNvPr id="6" name="Slide Number Placeholder 5"/>
-          <p:cNvSpPr>
-            <a:spLocks noGrp="1"/>
-          </p:cNvSpPr>
-          <p:nvPr>
-            <p:ph type="sldNum" sz="quarter" idx="4"/>
-          </p:nvPr>
-        </p:nvSpPr>
-        <p:spPr/>
-        <p:txBody>
-          <a:bodyPr/>
-          <a:lstStyle/>
-          <a:p>
-            <a:fld id="{93682E96-E16A-4EC4-A9C4-BF3FFE98BFA7}" type="slidenum">
-              <a:rPr lang="en-US" smtClean="0"/>
-              <a:pPr/>
-              <a:t>14</a:t>
-            </a:fld>
-            <a:endParaRPr lang="en-US"/>
-          </a:p>
-        </p:txBody>
-      </p:sp>
-      <p:sp>
-        <p:nvSpPr>
-          <p:cNvPr id="7" name="Content Placeholder 2"/>
-          <p:cNvSpPr>
-            <a:spLocks noGrp="1"/>
-          </p:cNvSpPr>
-          <p:nvPr>
-            <p:ph idx="1"/>
-          </p:nvPr>
-        </p:nvSpPr>
-        <p:spPr/>
-        <p:txBody>
-          <a:bodyPr>
-            <a:normAutofit fontScale="92500" lnSpcReduction="10000"/>
-          </a:bodyPr>
-          <a:lstStyle/>
-          <a:p>
-            <a:r>
-              <a:rPr lang="en-US" sz="2400" dirty="0" smtClean="0"/>
-              <a:t>To enable the project tool to merge changes (using </a:t>
-            </a:r>
-            <a:r>
-              <a:rPr lang="en-US" sz="2400" dirty="0" smtClean="0">
-                <a:latin typeface="Courier New" pitchFamily="49" charset="0"/>
-                <a:cs typeface="Courier New" pitchFamily="49" charset="0"/>
-              </a:rPr>
-              <a:t>diff3</a:t>
-            </a:r>
-            <a:r>
-              <a:rPr lang="en-US" sz="2400" dirty="0" smtClean="0"/>
-              <a:t>) made by you in the files instantiated from the project template, it has to keep a copy of the original template files along with the project. These files are stored in the </a:t>
-            </a:r>
-            <a:r>
-              <a:rPr lang="en-US" sz="2400" dirty="0" smtClean="0">
-                <a:latin typeface="Courier New" pitchFamily="49" charset="0"/>
-                <a:cs typeface="Courier New" pitchFamily="49" charset="0"/>
-              </a:rPr>
-              <a:t>.basis/</a:t>
-            </a:r>
-            <a:r>
-              <a:rPr lang="en-US" sz="2400" dirty="0" smtClean="0"/>
-              <a:t> subdirectory.</a:t>
-            </a:r>
-            <a:endParaRPr lang="en-US" sz="2400" dirty="0" smtClean="0">
-              <a:latin typeface="Courier New" pitchFamily="49" charset="0"/>
-              <a:cs typeface="Courier New" pitchFamily="49" charset="0"/>
-            </a:endParaRPr>
-          </a:p>
-          <a:p>
-            <a:endParaRPr lang="en-US" sz="2400" dirty="0">
-              <a:latin typeface="Courier New" pitchFamily="49" charset="0"/>
-              <a:cs typeface="Courier New" pitchFamily="49" charset="0"/>
-            </a:endParaRPr>
-          </a:p>
-          <a:p>
-            <a:r>
-              <a:rPr lang="en-US" sz="2400" dirty="0" smtClean="0"/>
-              <a:t>Keep the </a:t>
-            </a:r>
-            <a:r>
-              <a:rPr lang="en-US" sz="2400" dirty="0" smtClean="0">
-                <a:latin typeface="Courier New" pitchFamily="49" charset="0"/>
-                <a:cs typeface="Courier New" pitchFamily="49" charset="0"/>
-              </a:rPr>
-              <a:t>.basis/</a:t>
-            </a:r>
-            <a:r>
-              <a:rPr lang="en-US" sz="2400" dirty="0" smtClean="0"/>
-              <a:t> subdirectory intact and commit it as well as any changes made to it by the project tool to the revision control system, i.e., Subversion (SVN) in most cases.</a:t>
-            </a:r>
-          </a:p>
-          <a:p>
-            <a:endParaRPr lang="en-US" sz="2400" dirty="0" smtClean="0"/>
-          </a:p>
-          <a:p>
-            <a:r>
-              <a:rPr lang="en-US" sz="2400" dirty="0" smtClean="0"/>
-              <a:t>Do not modify the files within the </a:t>
-            </a:r>
-            <a:r>
-              <a:rPr lang="en-US" sz="2400" dirty="0" smtClean="0">
-                <a:latin typeface="Courier New" pitchFamily="49" charset="0"/>
-                <a:cs typeface="Courier New" pitchFamily="49" charset="0"/>
-              </a:rPr>
-              <a:t>.basis/</a:t>
-            </a:r>
-            <a:r>
-              <a:rPr lang="en-US" sz="2400" dirty="0" smtClean="0"/>
-              <a:t> subdirectory manually unless you know what you are doing!</a:t>
-            </a:r>
-          </a:p>
-          <a:p>
-            <a:endParaRPr lang="en-US" sz="2400" dirty="0" smtClean="0"/>
-          </a:p>
-          <a:p>
-            <a:r>
-              <a:rPr lang="en-US" sz="2400" dirty="0" smtClean="0"/>
-              <a:t>For release versions of your software, you should remove the </a:t>
-            </a:r>
-            <a:r>
-              <a:rPr lang="en-US" sz="2400" dirty="0" smtClean="0">
-                <a:latin typeface="Courier New" pitchFamily="49" charset="0"/>
-                <a:cs typeface="Courier New" pitchFamily="49" charset="0"/>
-              </a:rPr>
-              <a:t>.basis/ </a:t>
-            </a:r>
-            <a:r>
-              <a:rPr lang="en-US" sz="2400" dirty="0" smtClean="0"/>
-              <a:t>subdirectory as it is then no longer needed.</a:t>
-            </a:r>
-          </a:p>
-        </p:txBody>
-      </p:sp>
-    </p:spTree>
-    <p:extLst>
-      <p:ext uri="{BB962C8B-B14F-4D97-AF65-F5344CB8AC3E}">
-        <p14:creationId xmlns:p14="http://schemas.microsoft.com/office/powerpoint/2010/main" val="533347479"/>
-      </p:ext>
-    </p:extLst>
-  </p:cSld>
-  <p:clrMapOvr>
-    <a:masterClrMapping/>
-  </p:clrMapOvr>
-  <p:timing>
-    <p:tnLst>
-      <p:par>
-        <p:cTn id="1" dur="indefinite" restart="never" nodeType="tmRoot">
-          <p:childTnLst>
-            <p:seq concurrent="1" nextAc="seek">
-              <p:cTn id="2" dur="indefinite" nodeType="mainSeq">
-                <p:childTnLst>
-                  <p:par>
-                    <p:cTn id="3" fill="hold">
-                      <p:stCondLst>
-                        <p:cond delay="indefinite"/>
-                      </p:stCondLst>
-                      <p:childTnLst>
-                        <p:par>
-                          <p:cTn id="4" fill="hold">
-                            <p:stCondLst>
-                              <p:cond delay="0"/>
-                            </p:stCondLst>
-                            <p:childTnLst>
-                              <p:par>
-                                <p:cTn id="5" presetID="10" presetClass="entr" presetSubtype="0" fill="hold" nodeType="clickEffect">
-                                  <p:stCondLst>
-                                    <p:cond delay="0"/>
-                                  </p:stCondLst>
-                                  <p:childTnLst>
-                                    <p:set>
-                                      <p:cBhvr>
-                                        <p:cTn id="6" dur="1" fill="hold">
-                                          <p:stCondLst>
-                                            <p:cond delay="0"/>
-                                          </p:stCondLst>
-                                        </p:cTn>
-                                        <p:tgtEl>
-                                          <p:spTgt spid="7">
-                                            <p:txEl>
-                                              <p:pRg st="0" end="0"/>
-                                            </p:txEl>
-                                          </p:spTgt>
-                                        </p:tgtEl>
-                                        <p:attrNameLst>
-                                          <p:attrName>style.visibility</p:attrName>
-                                        </p:attrNameLst>
-                                      </p:cBhvr>
-                                      <p:to>
-                                        <p:strVal val="visible"/>
-                                      </p:to>
-                                    </p:set>
-                                    <p:animEffect transition="in" filter="fade">
-                                      <p:cBhvr>
-                                        <p:cTn id="7" dur="500"/>
-                                        <p:tgtEl>
-                                          <p:spTgt spid="7">
-                                            <p:txEl>
-                                              <p:pRg st="0" end="0"/>
-                                            </p:txEl>
-                                          </p:spTgt>
-                                        </p:tgtEl>
-                                      </p:cBhvr>
-                                    </p:animEffect>
-                                  </p:childTnLst>
-                                </p:cTn>
-                              </p:par>
-                            </p:childTnLst>
-                          </p:cTn>
-                        </p:par>
-                      </p:childTnLst>
-                    </p:cTn>
-                  </p:par>
-                  <p:par>
-                    <p:cTn id="8" fill="hold">
-                      <p:stCondLst>
-                        <p:cond delay="indefinite"/>
-                      </p:stCondLst>
-                      <p:childTnLst>
-                        <p:par>
-                          <p:cTn id="9" fill="hold">
-                            <p:stCondLst>
-                              <p:cond delay="0"/>
-                            </p:stCondLst>
-                            <p:childTnLst>
-                              <p:par>
-                                <p:cTn id="10" presetID="10" presetClass="entr" presetSubtype="0" fill="hold" nodeType="clickEffect">
-                                  <p:stCondLst>
-                                    <p:cond delay="0"/>
-                                  </p:stCondLst>
-                                  <p:childTnLst>
-                                    <p:set>
-                                      <p:cBhvr>
-                                        <p:cTn id="11" dur="1" fill="hold">
-                                          <p:stCondLst>
-                                            <p:cond delay="0"/>
-                                          </p:stCondLst>
-                                        </p:cTn>
-                                        <p:tgtEl>
-                                          <p:spTgt spid="7">
-                                            <p:txEl>
-                                              <p:pRg st="2" end="2"/>
-                                            </p:txEl>
-                                          </p:spTgt>
-                                        </p:tgtEl>
-                                        <p:attrNameLst>
-                                          <p:attrName>style.visibility</p:attrName>
-                                        </p:attrNameLst>
-                                      </p:cBhvr>
-                                      <p:to>
-                                        <p:strVal val="visible"/>
-                                      </p:to>
-                                    </p:set>
-                                    <p:animEffect transition="in" filter="fade">
-                                      <p:cBhvr>
-                                        <p:cTn id="12" dur="500"/>
-                                        <p:tgtEl>
-                                          <p:spTgt spid="7">
-                                            <p:txEl>
-                                              <p:pRg st="2" end="2"/>
-                                            </p:txEl>
-                                          </p:spTgt>
-                                        </p:tgtEl>
-                                      </p:cBhvr>
-                                    </p:animEffect>
-                                  </p:childTnLst>
-                                </p:cTn>
-                              </p:par>
-                            </p:childTnLst>
-                          </p:cTn>
-                        </p:par>
-                      </p:childTnLst>
-                    </p:cTn>
-                  </p:par>
-                  <p:par>
-                    <p:cTn id="13" fill="hold">
-                      <p:stCondLst>
-                        <p:cond delay="indefinite"/>
-                      </p:stCondLst>
-                      <p:childTnLst>
-                        <p:par>
-                          <p:cTn id="14" fill="hold">
-                            <p:stCondLst>
-                              <p:cond delay="0"/>
-                            </p:stCondLst>
-                            <p:childTnLst>
-                              <p:par>
-                                <p:cTn id="15" presetID="10" presetClass="entr" presetSubtype="0" fill="hold" nodeType="clickEffect">
-                                  <p:stCondLst>
-                                    <p:cond delay="0"/>
-                                  </p:stCondLst>
-                                  <p:childTnLst>
-                                    <p:set>
-                                      <p:cBhvr>
-                                        <p:cTn id="16" dur="1" fill="hold">
-                                          <p:stCondLst>
-                                            <p:cond delay="0"/>
-                                          </p:stCondLst>
-                                        </p:cTn>
-                                        <p:tgtEl>
-                                          <p:spTgt spid="7">
-                                            <p:txEl>
-                                              <p:pRg st="4" end="4"/>
-                                            </p:txEl>
-                                          </p:spTgt>
-                                        </p:tgtEl>
-                                        <p:attrNameLst>
-                                          <p:attrName>style.visibility</p:attrName>
-                                        </p:attrNameLst>
-                                      </p:cBhvr>
-                                      <p:to>
-                                        <p:strVal val="visible"/>
-                                      </p:to>
-                                    </p:set>
-                                    <p:animEffect transition="in" filter="fade">
-                                      <p:cBhvr>
-                                        <p:cTn id="17" dur="500"/>
-                                        <p:tgtEl>
-                                          <p:spTgt spid="7">
-                                            <p:txEl>
-                                              <p:pRg st="4" end="4"/>
-                                            </p:txEl>
-                                          </p:spTgt>
-                                        </p:tgtEl>
-                                      </p:cBhvr>
-                                    </p:animEffect>
-                                  </p:childTnLst>
-                                </p:cTn>
-                              </p:par>
-                            </p:childTnLst>
-                          </p:cTn>
-                        </p:par>
-                      </p:childTnLst>
-                    </p:cTn>
-                  </p:par>
-                  <p:par>
-                    <p:cTn id="18" fill="hold">
-                      <p:stCondLst>
-                        <p:cond delay="indefinite"/>
-                      </p:stCondLst>
-                      <p:childTnLst>
-                        <p:par>
-                          <p:cTn id="19" fill="hold">
-                            <p:stCondLst>
-                              <p:cond delay="0"/>
-                            </p:stCondLst>
-                            <p:childTnLst>
-                              <p:par>
-                                <p:cTn id="20" presetID="10" presetClass="entr" presetSubtype="0" fill="hold" nodeType="clickEffect">
-                                  <p:stCondLst>
-                                    <p:cond delay="0"/>
-                                  </p:stCondLst>
-                                  <p:childTnLst>
-                                    <p:set>
-                                      <p:cBhvr>
-                                        <p:cTn id="21" dur="1" fill="hold">
-                                          <p:stCondLst>
-                                            <p:cond delay="0"/>
-                                          </p:stCondLst>
-                                        </p:cTn>
-                                        <p:tgtEl>
-                                          <p:spTgt spid="7">
-                                            <p:txEl>
-                                              <p:pRg st="6" end="6"/>
-                                            </p:txEl>
-                                          </p:spTgt>
-                                        </p:tgtEl>
-                                        <p:attrNameLst>
-                                          <p:attrName>style.visibility</p:attrName>
-                                        </p:attrNameLst>
-                                      </p:cBhvr>
-                                      <p:to>
-                                        <p:strVal val="visible"/>
-                                      </p:to>
-                                    </p:set>
-                                    <p:animEffect transition="in" filter="fade">
-                                      <p:cBhvr>
-                                        <p:cTn id="22" dur="500"/>
                                         <p:tgtEl>
                                           <p:spTgt spid="7">
                                             <p:txEl>
@@ -7744,7 +8613,7 @@
           <a:p>
             <a:r>
               <a:rPr lang="en-US" dirty="0" smtClean="0"/>
-              <a:t>Create a New Project</a:t>
+              <a:t>Project Tool</a:t>
             </a:r>
             <a:endParaRPr lang="en-US" dirty="0"/>
           </a:p>
@@ -7833,129 +8702,110 @@
         <p:spPr/>
         <p:txBody>
           <a:bodyPr>
-            <a:normAutofit/>
+            <a:normAutofit fontScale="92500" lnSpcReduction="10000"/>
           </a:bodyPr>
           <a:lstStyle/>
           <a:p>
             <a:r>
               <a:rPr lang="en-US" sz="2400" dirty="0" smtClean="0"/>
-              <a:t>To create a new empty project for this tutorial, enter the following commands:</a:t>
-            </a:r>
-            <a:br>
+              <a:t>To enable the project tool to merge changes (using </a:t>
+            </a:r>
+            <a:r>
+              <a:rPr lang="en-US" sz="2400" dirty="0" smtClean="0">
+                <a:latin typeface="Courier New" pitchFamily="49" charset="0"/>
+                <a:cs typeface="Courier New" pitchFamily="49" charset="0"/>
+              </a:rPr>
+              <a:t>diff3</a:t>
+            </a:r>
+            <a:r>
               <a:rPr lang="en-US" sz="2400" dirty="0" smtClean="0"/>
-            </a:br>
-            <a:endParaRPr lang="en-US" sz="2400" dirty="0" smtClean="0"/>
-          </a:p>
-          <a:p>
-            <a:pPr lvl="1"/>
-            <a:r>
-              <a:rPr lang="en-US" sz="2000" dirty="0" smtClean="0">
+              <a:t>) made by you in the files instantiated from the project template, it has to keep a copy of the original template files along with the project. These files are stored in the </a:t>
+            </a:r>
+            <a:r>
+              <a:rPr lang="en-US" sz="2400" dirty="0" smtClean="0">
                 <a:latin typeface="Courier New" pitchFamily="49" charset="0"/>
                 <a:cs typeface="Courier New" pitchFamily="49" charset="0"/>
               </a:rPr>
-              <a:t>cd ~/basis</a:t>
-            </a:r>
-          </a:p>
-          <a:p>
-            <a:pPr lvl="1">
-              <a:tabLst>
-                <a:tab pos="1371600" algn="l"/>
-              </a:tabLst>
-            </a:pPr>
-            <a:r>
-              <a:rPr lang="en-US" sz="2000" dirty="0" err="1" smtClean="0">
-                <a:latin typeface="Courier New" pitchFamily="49" charset="0"/>
-                <a:cs typeface="Courier New" pitchFamily="49" charset="0"/>
-              </a:rPr>
-              <a:t>basisproject</a:t>
-            </a:r>
-            <a:r>
-              <a:rPr lang="en-US" sz="2000" dirty="0" smtClean="0">
-                <a:latin typeface="Courier New" pitchFamily="49" charset="0"/>
-                <a:cs typeface="Courier New" pitchFamily="49" charset="0"/>
-              </a:rPr>
-              <a:t> --name “</a:t>
-            </a:r>
-            <a:r>
-              <a:rPr lang="en-US" sz="2000" dirty="0" err="1" smtClean="0">
-                <a:latin typeface="Courier New" pitchFamily="49" charset="0"/>
-                <a:cs typeface="Courier New" pitchFamily="49" charset="0"/>
-              </a:rPr>
-              <a:t>HelloBasis</a:t>
-            </a:r>
-            <a:r>
-              <a:rPr lang="en-US" sz="2000" dirty="0" smtClean="0">
-                <a:latin typeface="Courier New" pitchFamily="49" charset="0"/>
-                <a:cs typeface="Courier New" pitchFamily="49" charset="0"/>
-              </a:rPr>
-              <a:t>” \</a:t>
-            </a:r>
-            <a:br>
-              <a:rPr lang="en-US" sz="2000" dirty="0" smtClean="0">
-                <a:latin typeface="Courier New" pitchFamily="49" charset="0"/>
-                <a:cs typeface="Courier New" pitchFamily="49" charset="0"/>
-              </a:rPr>
-            </a:br>
-            <a:r>
-              <a:rPr lang="en-US" sz="2000" dirty="0" smtClean="0">
-                <a:latin typeface="Courier New" pitchFamily="49" charset="0"/>
-                <a:cs typeface="Courier New" pitchFamily="49" charset="0"/>
-              </a:rPr>
-              <a:t>	--description “A first BASIS project.”</a:t>
-            </a:r>
-          </a:p>
-          <a:p>
-            <a:pPr>
-              <a:tabLst>
-                <a:tab pos="1371600" algn="l"/>
-              </a:tabLst>
-            </a:pPr>
+              <a:t>.basis/</a:t>
+            </a:r>
+            <a:r>
+              <a:rPr lang="en-US" sz="2400" dirty="0" smtClean="0"/>
+              <a:t> subdirectory.</a:t>
+            </a:r>
             <a:endParaRPr lang="en-US" sz="2400" dirty="0" smtClean="0">
+              <a:latin typeface="Courier New" pitchFamily="49" charset="0"/>
               <a:cs typeface="Courier New" pitchFamily="49" charset="0"/>
             </a:endParaRPr>
           </a:p>
           <a:p>
-            <a:pPr>
-              <a:tabLst>
-                <a:tab pos="1371600" algn="l"/>
-              </a:tabLst>
-            </a:pPr>
-            <a:r>
-              <a:rPr lang="en-US" sz="2400" dirty="0" smtClean="0">
-                <a:cs typeface="Courier New" pitchFamily="49" charset="0"/>
-              </a:rPr>
-              <a:t>This creates the subdirectory </a:t>
-            </a:r>
-            <a:r>
-              <a:rPr lang="en-US" sz="2400" dirty="0" err="1" smtClean="0">
-                <a:latin typeface="Courier New" pitchFamily="49" charset="0"/>
-                <a:cs typeface="Courier New" pitchFamily="49" charset="0"/>
-              </a:rPr>
-              <a:t>HelloBasis</a:t>
+            <a:endParaRPr lang="en-US" sz="2400" dirty="0">
+              <a:latin typeface="Courier New" pitchFamily="49" charset="0"/>
+              <a:cs typeface="Courier New" pitchFamily="49" charset="0"/>
+            </a:endParaRPr>
+          </a:p>
+          <a:p>
+            <a:r>
+              <a:rPr lang="en-US" sz="2400" dirty="0" smtClean="0"/>
+              <a:t>Keep the </a:t>
             </a:r>
             <a:r>
               <a:rPr lang="en-US" sz="2400" dirty="0" smtClean="0">
                 <a:latin typeface="Courier New" pitchFamily="49" charset="0"/>
                 <a:cs typeface="Courier New" pitchFamily="49" charset="0"/>
               </a:rPr>
-              <a:t>/</a:t>
+              <a:t>.basis/</a:t>
+            </a:r>
+            <a:r>
+              <a:rPr lang="en-US" sz="2400" dirty="0" smtClean="0"/>
+              <a:t> subdirectory intact and commit it as well as any changes made to it by the project tool to the revision control system, i.e., Subversion (SVN) in most cases.</a:t>
+            </a:r>
+          </a:p>
+          <a:p>
+            <a:endParaRPr lang="en-US" sz="2400" dirty="0" smtClean="0"/>
+          </a:p>
+          <a:p>
+            <a:r>
+              <a:rPr lang="en-US" sz="2400" dirty="0" smtClean="0"/>
+              <a:t>Do not modify the files within the </a:t>
             </a:r>
             <a:r>
               <a:rPr lang="en-US" sz="2400" dirty="0" smtClean="0">
-                <a:cs typeface="Courier New" pitchFamily="49" charset="0"/>
-              </a:rPr>
-              <a:t> in the current working directory and populates the project by instantiating the standard project template of BASIS.</a:t>
+                <a:latin typeface="Courier New" pitchFamily="49" charset="0"/>
+                <a:cs typeface="Courier New" pitchFamily="49" charset="0"/>
+              </a:rPr>
+              <a:t>.basis/</a:t>
+            </a:r>
+            <a:r>
+              <a:rPr lang="en-US" sz="2400" dirty="0" smtClean="0"/>
+              <a:t> subdirectory manually unless you know what you are doing!</a:t>
             </a:r>
           </a:p>
           <a:p>
             <a:endParaRPr lang="en-US" sz="2400" dirty="0" smtClean="0"/>
+          </a:p>
+          <a:p>
+            <a:r>
+              <a:rPr lang="en-US" sz="2400" dirty="0" smtClean="0"/>
+              <a:t>For release versions of your software, you should remove the </a:t>
+            </a:r>
+            <a:r>
+              <a:rPr lang="en-US" sz="2400" dirty="0" smtClean="0">
+                <a:latin typeface="Courier New" pitchFamily="49" charset="0"/>
+                <a:cs typeface="Courier New" pitchFamily="49" charset="0"/>
+              </a:rPr>
+              <a:t>.basis/ </a:t>
+            </a:r>
+            <a:r>
+              <a:rPr lang="en-US" sz="2400" dirty="0" smtClean="0"/>
+              <a:t>subdirectory as it is then no longer needed.</a:t>
+            </a:r>
           </a:p>
         </p:txBody>
       </p:sp>
     </p:spTree>
     <p:extLst>
       <p:ext uri="{BB962C8B-B14F-4D97-AF65-F5344CB8AC3E}">
-        <p14:creationId xmlns:p14="http://schemas.microsoft.com/office/powerpoint/2010/main" val="1679183947"/>
+        <p14:creationId xmlns:p14="http://schemas.microsoft.com/office/powerpoint/2010/main" val="533347479"/>
       </p:ext>
     </p:extLst>
   </p:cSld>
@@ -8059,7 +8909,7 @@
                                         <p:tgtEl>
                                           <p:spTgt spid="7">
                                             <p:txEl>
-                                              <p:pRg st="1" end="1"/>
+                                              <p:pRg st="2" end="2"/>
                                             </p:txEl>
                                           </p:spTgt>
                                         </p:tgtEl>
@@ -8077,7 +8927,7 @@
                                         <p:tgtEl>
                                           <p:spTgt spid="7">
                                             <p:txEl>
-                                              <p:pRg st="1" end="1"/>
+                                              <p:pRg st="2" end="2"/>
                                             </p:txEl>
                                           </p:spTgt>
                                         </p:tgtEl>
@@ -8120,7 +8970,7 @@
                                         <p:tgtEl>
                                           <p:spTgt spid="7">
                                             <p:txEl>
-                                              <p:pRg st="2" end="2"/>
+                                              <p:pRg st="4" end="4"/>
                                             </p:txEl>
                                           </p:spTgt>
                                         </p:tgtEl>
@@ -8138,7 +8988,7 @@
                                         <p:tgtEl>
                                           <p:spTgt spid="7">
                                             <p:txEl>
-                                              <p:pRg st="2" end="2"/>
+                                              <p:pRg st="4" end="4"/>
                                             </p:txEl>
                                           </p:spTgt>
                                         </p:tgtEl>
@@ -8181,7 +9031,7 @@
                                         <p:tgtEl>
                                           <p:spTgt spid="7">
                                             <p:txEl>
-                                              <p:pRg st="4" end="4"/>
+                                              <p:pRg st="6" end="6"/>
                                             </p:txEl>
                                           </p:spTgt>
                                         </p:tgtEl>
@@ -8199,7 +9049,7 @@
                                         <p:tgtEl>
                                           <p:spTgt spid="7">
                                             <p:txEl>
-                                              <p:pRg st="4" end="4"/>
+                                              <p:pRg st="6" end="6"/>
                                             </p:txEl>
                                           </p:spTgt>
                                         </p:tgtEl>
@@ -8273,7 +9123,7 @@
           <a:p>
             <a:r>
               <a:rPr lang="en-US" dirty="0" smtClean="0"/>
-              <a:t>Modify a Project</a:t>
+              <a:t>Create a New Project</a:t>
             </a:r>
             <a:endParaRPr lang="en-US" dirty="0"/>
           </a:p>
@@ -8368,72 +9218,36 @@
           <a:p>
             <a:r>
               <a:rPr lang="en-US" sz="2400" dirty="0" smtClean="0"/>
-              <a:t>Once we created a BASIS project using the project tool, we can use it again to add or remove certain features of the project template as well as to add or remove dependencies on other software packages.</a:t>
-            </a:r>
-          </a:p>
-          <a:p>
+              <a:t>To create a new empty project for this tutorial, enter the following commands:</a:t>
+            </a:r>
+            <a:br>
+              <a:rPr lang="en-US" sz="2400" dirty="0" smtClean="0"/>
+            </a:br>
             <a:endParaRPr lang="en-US" sz="2400" dirty="0" smtClean="0"/>
           </a:p>
           <a:p>
-            <a:r>
-              <a:rPr lang="en-US" sz="2400" dirty="0" smtClean="0"/>
-              <a:t>For demonstration, we will now remove the </a:t>
-            </a:r>
-            <a:r>
-              <a:rPr lang="en-US" sz="2400" dirty="0" smtClean="0">
+            <a:pPr lvl="1"/>
+            <a:r>
+              <a:rPr lang="en-US" sz="2000" dirty="0" smtClean="0">
                 <a:latin typeface="Courier New" pitchFamily="49" charset="0"/>
                 <a:cs typeface="Courier New" pitchFamily="49" charset="0"/>
               </a:rPr>
-              <a:t>example/</a:t>
-            </a:r>
-            <a:r>
-              <a:rPr lang="en-US" sz="2400" dirty="0" smtClean="0"/>
-              <a:t> subdirectory tree of our </a:t>
-            </a:r>
-            <a:r>
-              <a:rPr lang="en-US" sz="2400" dirty="0" err="1" smtClean="0">
+              <a:t>cd ~/local/</a:t>
+            </a:r>
+            <a:r>
+              <a:rPr lang="en-US" sz="2000" dirty="0" err="1" smtClean="0">
                 <a:latin typeface="Courier New" pitchFamily="49" charset="0"/>
                 <a:cs typeface="Courier New" pitchFamily="49" charset="0"/>
               </a:rPr>
-              <a:t>HelloBasis</a:t>
-            </a:r>
-            <a:r>
-              <a:rPr lang="en-US" sz="2400" dirty="0" smtClean="0"/>
-              <a:t> project and add the </a:t>
-            </a:r>
-            <a:r>
-              <a:rPr lang="en-US" sz="2400" dirty="0" err="1" smtClean="0">
-                <a:latin typeface="Courier New" pitchFamily="49" charset="0"/>
-                <a:cs typeface="Courier New" pitchFamily="49" charset="0"/>
-              </a:rPr>
-              <a:t>config</a:t>
-            </a:r>
-            <a:r>
-              <a:rPr lang="en-US" sz="2400" dirty="0" smtClean="0">
-                <a:latin typeface="Courier New" pitchFamily="49" charset="0"/>
-                <a:cs typeface="Courier New" pitchFamily="49" charset="0"/>
-              </a:rPr>
-              <a:t>/</a:t>
-            </a:r>
-            <a:r>
-              <a:rPr lang="en-US" sz="2400" dirty="0" err="1" smtClean="0">
-                <a:latin typeface="Courier New" pitchFamily="49" charset="0"/>
-                <a:cs typeface="Courier New" pitchFamily="49" charset="0"/>
-              </a:rPr>
-              <a:t>Settings.cmake</a:t>
-            </a:r>
-            <a:r>
-              <a:rPr lang="en-US" sz="2400" dirty="0" smtClean="0"/>
-              <a:t> file.</a:t>
-            </a:r>
-          </a:p>
-          <a:p>
-            <a:endParaRPr lang="en-US" sz="2400" dirty="0" smtClean="0"/>
+              <a:t>src</a:t>
+            </a:r>
+            <a:endParaRPr lang="en-US" sz="2000" dirty="0" smtClean="0">
+              <a:latin typeface="Courier New" pitchFamily="49" charset="0"/>
+              <a:cs typeface="Courier New" pitchFamily="49" charset="0"/>
+            </a:endParaRPr>
           </a:p>
           <a:p>
             <a:pPr lvl="1">
-              <a:buFont typeface="Wingdings" pitchFamily="2" charset="2"/>
-              <a:buChar char="Ø"/>
               <a:tabLst>
                 <a:tab pos="1371600" algn="l"/>
               </a:tabLst>
@@ -8450,7 +9264,7 @@
                 <a:latin typeface="Courier New" pitchFamily="49" charset="0"/>
                 <a:cs typeface="Courier New" pitchFamily="49" charset="0"/>
               </a:rPr>
-              <a:t> --root ~/basis/</a:t>
+              <a:t> --name “</a:t>
             </a:r>
             <a:r>
               <a:rPr lang="en-US" sz="2000" dirty="0" err="1" smtClean="0">
@@ -8464,7 +9278,7 @@
                 <a:latin typeface="Courier New" pitchFamily="49" charset="0"/>
                 <a:cs typeface="Courier New" pitchFamily="49" charset="0"/>
               </a:rPr>
-              <a:t> \</a:t>
+              <a:t>” \</a:t>
             </a:r>
             <a:br>
               <a:rPr lang="en-US" sz="2000" dirty="0" smtClean="0">
@@ -8477,28 +9291,50 @@
                 <a:latin typeface="Courier New" pitchFamily="49" charset="0"/>
                 <a:cs typeface="Courier New" pitchFamily="49" charset="0"/>
               </a:rPr>
-              <a:t>	--</a:t>
-            </a:r>
-            <a:r>
-              <a:rPr lang="en-US" sz="2000" dirty="0" err="1" smtClean="0">
+              <a:t>	--description “A first BASIS project.”</a:t>
+            </a:r>
+          </a:p>
+          <a:p>
+            <a:pPr>
+              <a:tabLst>
+                <a:tab pos="1371600" algn="l"/>
+              </a:tabLst>
+            </a:pPr>
+            <a:endParaRPr lang="en-US" sz="2400" dirty="0" smtClean="0">
+              <a:cs typeface="Courier New" pitchFamily="49" charset="0"/>
+            </a:endParaRPr>
+          </a:p>
+          <a:p>
+            <a:pPr>
+              <a:tabLst>
+                <a:tab pos="1371600" algn="l"/>
+              </a:tabLst>
+            </a:pPr>
+            <a:r>
+              <a:rPr lang="en-US" sz="2400" dirty="0" smtClean="0">
+                <a:cs typeface="Courier New" pitchFamily="49" charset="0"/>
+              </a:rPr>
+              <a:t>This creates the subdirectory </a:t>
+            </a:r>
+            <a:r>
+              <a:rPr lang="en-US" sz="2400" dirty="0" err="1" smtClean="0">
                 <a:latin typeface="Courier New" pitchFamily="49" charset="0"/>
                 <a:cs typeface="Courier New" pitchFamily="49" charset="0"/>
               </a:rPr>
-              <a:t>noexample</a:t>
-            </a:r>
-            <a:r>
-              <a:rPr lang="en-US" sz="2000" smtClean="0">
+              <a:t>HelloBasis</a:t>
+            </a:r>
+            <a:r>
+              <a:rPr lang="en-US" sz="2400" dirty="0" smtClean="0">
                 <a:latin typeface="Courier New" pitchFamily="49" charset="0"/>
                 <a:cs typeface="Courier New" pitchFamily="49" charset="0"/>
               </a:rPr>
-              <a:t> --config</a:t>
-            </a:r>
-            <a:r>
-              <a:rPr lang="en-US" sz="2000" dirty="0" smtClean="0">
-                <a:latin typeface="Courier New" pitchFamily="49" charset="0"/>
-                <a:cs typeface="Courier New" pitchFamily="49" charset="0"/>
-              </a:rPr>
-              <a:t>-settings</a:t>
+              <a:t>/</a:t>
+            </a:r>
+            <a:r>
+              <a:rPr lang="en-US" sz="2400" dirty="0" smtClean="0">
+                <a:cs typeface="Courier New" pitchFamily="49" charset="0"/>
+              </a:rPr>
+              <a:t> in the current working directory and populates the project by instantiating the standard project template of BASIS.</a:t>
             </a:r>
           </a:p>
           <a:p>
@@ -8509,7 +9345,7 @@
     </p:spTree>
     <p:extLst>
       <p:ext uri="{BB962C8B-B14F-4D97-AF65-F5344CB8AC3E}">
-        <p14:creationId xmlns:p14="http://schemas.microsoft.com/office/powerpoint/2010/main" val="801036525"/>
+        <p14:creationId xmlns:p14="http://schemas.microsoft.com/office/powerpoint/2010/main" val="1679183947"/>
       </p:ext>
     </p:extLst>
   </p:cSld>
@@ -8613,7 +9449,7 @@
                                         <p:tgtEl>
                                           <p:spTgt spid="7">
                                             <p:txEl>
-                                              <p:pRg st="2" end="2"/>
+                                              <p:pRg st="1" end="1"/>
                                             </p:txEl>
                                           </p:spTgt>
                                         </p:tgtEl>
@@ -8631,7 +9467,7 @@
                                         <p:tgtEl>
                                           <p:spTgt spid="7">
                                             <p:txEl>
-                                              <p:pRg st="2" end="2"/>
+                                              <p:pRg st="1" end="1"/>
                                             </p:txEl>
                                           </p:spTgt>
                                         </p:tgtEl>
@@ -8674,7 +9510,7 @@
                                         <p:tgtEl>
                                           <p:spTgt spid="7">
                                             <p:txEl>
-                                              <p:pRg st="4" end="4"/>
+                                              <p:pRg st="2" end="2"/>
                                             </p:txEl>
                                           </p:spTgt>
                                         </p:tgtEl>
@@ -8689,6 +9525,67 @@
                                     <p:animEffect transition="in" filter="fade">
                                       <p:cBhvr>
                                         <p:cTn id="17" dur="500"/>
+                                        <p:tgtEl>
+                                          <p:spTgt spid="7">
+                                            <p:txEl>
+                                              <p:pRg st="2" end="2"/>
+                                            </p:txEl>
+                                          </p:spTgt>
+                                        </p:tgtEl>
+                                      </p:cBhvr>
+                                    </p:animEffect>
+                                  </p:childTnLst>
+                                </p:cTn>
+                              </p:par>
+                            </p:childTnLst>
+                          </p:cTn>
+                        </p:par>
+                      </p:childTnLst>
+                    </p:cTn>
+                  </p:par>
+                  <p:par>
+                    <p:cTn id="18" fill="hold">
+                      <p:stCondLst>
+                        <p:cond delay="indefinite"/>
+                      </p:stCondLst>
+                      <p:childTnLst>
+                        <p:par>
+                          <p:cTn id="19" fill="hold">
+                            <p:stCondLst>
+                              <p:cond delay="0"/>
+                            </p:stCondLst>
+                            <p:childTnLst>
+                              <p:par>
+                                <p:cTn id="20" presetID="10" presetClass="entr" presetSubtype="0" fill="hold" nodeType="clickEffect">
+                                  <p:stCondLst>
+                                    <p:cond delay="0"/>
+                                  </p:stCondLst>
+                                  <p:childTnLst>
+                                    <p:set>
+                                      <p:cBhvr>
+                                        <p:cTn id="21" dur="1" fill="hold">
+                                          <p:stCondLst>
+                                            <p:cond delay="0"/>
+                                          </p:stCondLst>
+                                        </p:cTn>
+                                        <p:tgtEl>
+                                          <p:spTgt spid="7">
+                                            <p:txEl>
+                                              <p:pRg st="4" end="4"/>
+                                            </p:txEl>
+                                          </p:spTgt>
+                                        </p:tgtEl>
+                                        <p:attrNameLst>
+                                          <p:attrName>style.visibility</p:attrName>
+                                        </p:attrNameLst>
+                                      </p:cBhvr>
+                                      <p:to>
+                                        <p:strVal val="visible"/>
+                                      </p:to>
+                                    </p:set>
+                                    <p:animEffect transition="in" filter="fade">
+                                      <p:cBhvr>
+                                        <p:cTn id="22" dur="500"/>
                                         <p:tgtEl>
                                           <p:spTgt spid="7">
                                             <p:txEl>
@@ -8766,7 +9663,7 @@
           <a:p>
             <a:r>
               <a:rPr lang="en-US" dirty="0" smtClean="0"/>
-              <a:t>Wiki Links</a:t>
+              <a:t>Modify a Project</a:t>
             </a:r>
             <a:endParaRPr lang="en-US" dirty="0"/>
           </a:p>
@@ -8837,6 +9734,520 @@
               <a:rPr lang="en-US" smtClean="0"/>
               <a:pPr/>
               <a:t>17</a:t>
+            </a:fld>
+            <a:endParaRPr lang="en-US"/>
+          </a:p>
+        </p:txBody>
+      </p:sp>
+      <p:sp>
+        <p:nvSpPr>
+          <p:cNvPr id="7" name="Content Placeholder 2"/>
+          <p:cNvSpPr>
+            <a:spLocks noGrp="1"/>
+          </p:cNvSpPr>
+          <p:nvPr>
+            <p:ph idx="1"/>
+          </p:nvPr>
+        </p:nvSpPr>
+        <p:spPr/>
+        <p:txBody>
+          <a:bodyPr>
+            <a:normAutofit/>
+          </a:bodyPr>
+          <a:lstStyle/>
+          <a:p>
+            <a:r>
+              <a:rPr lang="en-US" sz="2400" dirty="0" smtClean="0"/>
+              <a:t>Once we created a BASIS project using the project tool, we can use it again to add or remove certain features of the project template as well as to add or remove dependencies on other software packages.</a:t>
+            </a:r>
+          </a:p>
+          <a:p>
+            <a:endParaRPr lang="en-US" sz="2400" dirty="0" smtClean="0"/>
+          </a:p>
+          <a:p>
+            <a:r>
+              <a:rPr lang="en-US" sz="2400" dirty="0" smtClean="0"/>
+              <a:t>For demonstration, we will now remove the </a:t>
+            </a:r>
+            <a:r>
+              <a:rPr lang="en-US" sz="2400" dirty="0" smtClean="0">
+                <a:latin typeface="Courier New" pitchFamily="49" charset="0"/>
+                <a:cs typeface="Courier New" pitchFamily="49" charset="0"/>
+              </a:rPr>
+              <a:t>example/</a:t>
+            </a:r>
+            <a:r>
+              <a:rPr lang="en-US" sz="2400" dirty="0" smtClean="0"/>
+              <a:t> subdirectory tree of our </a:t>
+            </a:r>
+            <a:r>
+              <a:rPr lang="en-US" sz="2400" dirty="0" err="1" smtClean="0">
+                <a:latin typeface="Courier New" pitchFamily="49" charset="0"/>
+                <a:cs typeface="Courier New" pitchFamily="49" charset="0"/>
+              </a:rPr>
+              <a:t>HelloBasis</a:t>
+            </a:r>
+            <a:r>
+              <a:rPr lang="en-US" sz="2400" dirty="0" smtClean="0"/>
+              <a:t> project and add the </a:t>
+            </a:r>
+            <a:r>
+              <a:rPr lang="en-US" sz="2400" dirty="0" err="1" smtClean="0">
+                <a:latin typeface="Courier New" pitchFamily="49" charset="0"/>
+                <a:cs typeface="Courier New" pitchFamily="49" charset="0"/>
+              </a:rPr>
+              <a:t>config</a:t>
+            </a:r>
+            <a:r>
+              <a:rPr lang="en-US" sz="2400" dirty="0" smtClean="0">
+                <a:latin typeface="Courier New" pitchFamily="49" charset="0"/>
+                <a:cs typeface="Courier New" pitchFamily="49" charset="0"/>
+              </a:rPr>
+              <a:t>/</a:t>
+            </a:r>
+            <a:r>
+              <a:rPr lang="en-US" sz="2400" dirty="0" err="1" smtClean="0">
+                <a:latin typeface="Courier New" pitchFamily="49" charset="0"/>
+                <a:cs typeface="Courier New" pitchFamily="49" charset="0"/>
+              </a:rPr>
+              <a:t>Settings.cmake</a:t>
+            </a:r>
+            <a:r>
+              <a:rPr lang="en-US" sz="2400" dirty="0" smtClean="0"/>
+              <a:t> file:</a:t>
+            </a:r>
+          </a:p>
+          <a:p>
+            <a:endParaRPr lang="en-US" sz="2400" dirty="0" smtClean="0"/>
+          </a:p>
+          <a:p>
+            <a:pPr lvl="1">
+              <a:buFont typeface="Wingdings" pitchFamily="2" charset="2"/>
+              <a:buChar char="Ø"/>
+              <a:tabLst>
+                <a:tab pos="1371600" algn="l"/>
+              </a:tabLst>
+            </a:pPr>
+            <a:r>
+              <a:rPr lang="en-US" sz="2000" dirty="0" err="1" smtClean="0">
+                <a:latin typeface="Courier New" pitchFamily="49" charset="0"/>
+                <a:cs typeface="Courier New" pitchFamily="49" charset="0"/>
+              </a:rPr>
+              <a:t>basisproject</a:t>
+            </a:r>
+            <a:r>
+              <a:rPr lang="en-US" sz="2000" dirty="0" smtClean="0">
+                <a:latin typeface="Courier New" pitchFamily="49" charset="0"/>
+                <a:cs typeface="Courier New" pitchFamily="49" charset="0"/>
+              </a:rPr>
+              <a:t> --root ~/local/</a:t>
+            </a:r>
+            <a:r>
+              <a:rPr lang="en-US" sz="2000" dirty="0" err="1" smtClean="0">
+                <a:latin typeface="Courier New" pitchFamily="49" charset="0"/>
+                <a:cs typeface="Courier New" pitchFamily="49" charset="0"/>
+              </a:rPr>
+              <a:t>src</a:t>
+            </a:r>
+            <a:r>
+              <a:rPr lang="en-US" sz="2000" dirty="0" smtClean="0">
+                <a:latin typeface="Courier New" pitchFamily="49" charset="0"/>
+                <a:cs typeface="Courier New" pitchFamily="49" charset="0"/>
+              </a:rPr>
+              <a:t>/</a:t>
+            </a:r>
+            <a:r>
+              <a:rPr lang="en-US" sz="2000" dirty="0" err="1" smtClean="0">
+                <a:latin typeface="Courier New" pitchFamily="49" charset="0"/>
+                <a:cs typeface="Courier New" pitchFamily="49" charset="0"/>
+              </a:rPr>
+              <a:t>HelloBasis</a:t>
+            </a:r>
+            <a:r>
+              <a:rPr lang="en-US" sz="2000" dirty="0" smtClean="0">
+                <a:latin typeface="Courier New" pitchFamily="49" charset="0"/>
+                <a:cs typeface="Courier New" pitchFamily="49" charset="0"/>
+              </a:rPr>
+              <a:t> \</a:t>
+            </a:r>
+            <a:br>
+              <a:rPr lang="en-US" sz="2000" dirty="0" smtClean="0">
+                <a:latin typeface="Courier New" pitchFamily="49" charset="0"/>
+                <a:cs typeface="Courier New" pitchFamily="49" charset="0"/>
+              </a:rPr>
+            </a:br>
+            <a:r>
+              <a:rPr lang="en-US" sz="2000" dirty="0" smtClean="0">
+                <a:latin typeface="Courier New" pitchFamily="49" charset="0"/>
+                <a:cs typeface="Courier New" pitchFamily="49" charset="0"/>
+              </a:rPr>
+              <a:t>	--</a:t>
+            </a:r>
+            <a:r>
+              <a:rPr lang="en-US" sz="2000" dirty="0" err="1" smtClean="0">
+                <a:latin typeface="Courier New" pitchFamily="49" charset="0"/>
+                <a:cs typeface="Courier New" pitchFamily="49" charset="0"/>
+              </a:rPr>
+              <a:t>noexample</a:t>
+            </a:r>
+            <a:r>
+              <a:rPr lang="en-US" sz="2000" dirty="0" smtClean="0">
+                <a:latin typeface="Courier New" pitchFamily="49" charset="0"/>
+                <a:cs typeface="Courier New" pitchFamily="49" charset="0"/>
+              </a:rPr>
+              <a:t> --</a:t>
+            </a:r>
+            <a:r>
+              <a:rPr lang="en-US" sz="2000" dirty="0" err="1" smtClean="0">
+                <a:latin typeface="Courier New" pitchFamily="49" charset="0"/>
+                <a:cs typeface="Courier New" pitchFamily="49" charset="0"/>
+              </a:rPr>
+              <a:t>config</a:t>
+            </a:r>
+            <a:r>
+              <a:rPr lang="en-US" sz="2000" dirty="0" smtClean="0">
+                <a:latin typeface="Courier New" pitchFamily="49" charset="0"/>
+                <a:cs typeface="Courier New" pitchFamily="49" charset="0"/>
+              </a:rPr>
+              <a:t>-settings</a:t>
+            </a:r>
+          </a:p>
+          <a:p>
+            <a:endParaRPr lang="en-US" sz="2400" dirty="0" smtClean="0"/>
+          </a:p>
+        </p:txBody>
+      </p:sp>
+    </p:spTree>
+    <p:extLst>
+      <p:ext uri="{BB962C8B-B14F-4D97-AF65-F5344CB8AC3E}">
+        <p14:creationId xmlns:p14="http://schemas.microsoft.com/office/powerpoint/2010/main" val="801036525"/>
+      </p:ext>
+    </p:extLst>
+  </p:cSld>
+  <p:clrMapOvr>
+    <a:masterClrMapping/>
+  </p:clrMapOvr>
+  <p:timing>
+    <p:tnLst>
+      <p:par>
+        <p:cTn id="1" dur="indefinite" restart="never" nodeType="tmRoot">
+          <p:childTnLst>
+            <p:seq concurrent="1" nextAc="seek">
+              <p:cTn id="2" dur="indefinite" nodeType="mainSeq">
+                <p:childTnLst>
+                  <p:par>
+                    <p:cTn id="3" fill="hold">
+                      <p:stCondLst>
+                        <p:cond delay="indefinite"/>
+                      </p:stCondLst>
+                      <p:childTnLst>
+                        <p:par>
+                          <p:cTn id="4" fill="hold">
+                            <p:stCondLst>
+                              <p:cond delay="0"/>
+                            </p:stCondLst>
+                            <p:childTnLst>
+                              <p:par>
+                                <p:cTn id="5" presetID="10" presetClass="entr" presetSubtype="0" fill="hold" nodeType="clickEffect">
+                                  <p:stCondLst>
+                                    <p:cond delay="0"/>
+                                  </p:stCondLst>
+                                  <p:childTnLst>
+                                    <p:set>
+                                      <p:cBhvr>
+                                        <p:cTn id="6" dur="1" fill="hold">
+                                          <p:stCondLst>
+                                            <p:cond delay="0"/>
+                                          </p:stCondLst>
+                                        </p:cTn>
+                                        <p:tgtEl>
+                                          <p:spTgt spid="7">
+                                            <p:txEl>
+                                              <p:pRg st="0" end="0"/>
+                                            </p:txEl>
+                                          </p:spTgt>
+                                        </p:tgtEl>
+                                        <p:attrNameLst>
+                                          <p:attrName>style.visibility</p:attrName>
+                                        </p:attrNameLst>
+                                      </p:cBhvr>
+                                      <p:to>
+                                        <p:strVal val="visible"/>
+                                      </p:to>
+                                    </p:set>
+                                    <p:animEffect transition="in" filter="fade">
+                                      <p:cBhvr>
+                                        <p:cTn id="7" dur="500"/>
+                                        <p:tgtEl>
+                                          <p:spTgt spid="7">
+                                            <p:txEl>
+                                              <p:pRg st="0" end="0"/>
+                                            </p:txEl>
+                                          </p:spTgt>
+                                        </p:tgtEl>
+                                      </p:cBhvr>
+                                    </p:animEffect>
+                                  </p:childTnLst>
+                                </p:cTn>
+                              </p:par>
+                            </p:childTnLst>
+                          </p:cTn>
+                        </p:par>
+                      </p:childTnLst>
+                    </p:cTn>
+                  </p:par>
+                  <p:par>
+                    <p:cTn id="8" fill="hold">
+                      <p:stCondLst>
+                        <p:cond delay="indefinite"/>
+                      </p:stCondLst>
+                      <p:childTnLst>
+                        <p:par>
+                          <p:cTn id="9" fill="hold">
+                            <p:stCondLst>
+                              <p:cond delay="0"/>
+                            </p:stCondLst>
+                            <p:childTnLst>
+                              <p:par>
+                                <p:cTn id="10" presetID="10" presetClass="entr" presetSubtype="0" fill="hold" nodeType="clickEffect">
+                                  <p:stCondLst>
+                                    <p:cond delay="0"/>
+                                  </p:stCondLst>
+                                  <p:childTnLst>
+                                    <p:set>
+                                      <p:cBhvr>
+                                        <p:cTn id="11" dur="1" fill="hold">
+                                          <p:stCondLst>
+                                            <p:cond delay="0"/>
+                                          </p:stCondLst>
+                                        </p:cTn>
+                                        <p:tgtEl>
+                                          <p:spTgt spid="7">
+                                            <p:txEl>
+                                              <p:pRg st="2" end="2"/>
+                                            </p:txEl>
+                                          </p:spTgt>
+                                        </p:tgtEl>
+                                        <p:attrNameLst>
+                                          <p:attrName>style.visibility</p:attrName>
+                                        </p:attrNameLst>
+                                      </p:cBhvr>
+                                      <p:to>
+                                        <p:strVal val="visible"/>
+                                      </p:to>
+                                    </p:set>
+                                    <p:animEffect transition="in" filter="fade">
+                                      <p:cBhvr>
+                                        <p:cTn id="12" dur="500"/>
+                                        <p:tgtEl>
+                                          <p:spTgt spid="7">
+                                            <p:txEl>
+                                              <p:pRg st="2" end="2"/>
+                                            </p:txEl>
+                                          </p:spTgt>
+                                        </p:tgtEl>
+                                      </p:cBhvr>
+                                    </p:animEffect>
+                                  </p:childTnLst>
+                                </p:cTn>
+                              </p:par>
+                            </p:childTnLst>
+                          </p:cTn>
+                        </p:par>
+                      </p:childTnLst>
+                    </p:cTn>
+                  </p:par>
+                  <p:par>
+                    <p:cTn id="13" fill="hold">
+                      <p:stCondLst>
+                        <p:cond delay="indefinite"/>
+                      </p:stCondLst>
+                      <p:childTnLst>
+                        <p:par>
+                          <p:cTn id="14" fill="hold">
+                            <p:stCondLst>
+                              <p:cond delay="0"/>
+                            </p:stCondLst>
+                            <p:childTnLst>
+                              <p:par>
+                                <p:cTn id="15" presetID="10" presetClass="entr" presetSubtype="0" fill="hold" nodeType="clickEffect">
+                                  <p:stCondLst>
+                                    <p:cond delay="0"/>
+                                  </p:stCondLst>
+                                  <p:childTnLst>
+                                    <p:set>
+                                      <p:cBhvr>
+                                        <p:cTn id="16" dur="1" fill="hold">
+                                          <p:stCondLst>
+                                            <p:cond delay="0"/>
+                                          </p:stCondLst>
+                                        </p:cTn>
+                                        <p:tgtEl>
+                                          <p:spTgt spid="7">
+                                            <p:txEl>
+                                              <p:pRg st="4" end="4"/>
+                                            </p:txEl>
+                                          </p:spTgt>
+                                        </p:tgtEl>
+                                        <p:attrNameLst>
+                                          <p:attrName>style.visibility</p:attrName>
+                                        </p:attrNameLst>
+                                      </p:cBhvr>
+                                      <p:to>
+                                        <p:strVal val="visible"/>
+                                      </p:to>
+                                    </p:set>
+                                    <p:animEffect transition="in" filter="fade">
+                                      <p:cBhvr>
+                                        <p:cTn id="17" dur="500"/>
+                                        <p:tgtEl>
+                                          <p:spTgt spid="7">
+                                            <p:txEl>
+                                              <p:pRg st="4" end="4"/>
+                                            </p:txEl>
+                                          </p:spTgt>
+                                        </p:tgtEl>
+                                      </p:cBhvr>
+                                    </p:animEffect>
+                                  </p:childTnLst>
+                                </p:cTn>
+                              </p:par>
+                            </p:childTnLst>
+                          </p:cTn>
+                        </p:par>
+                      </p:childTnLst>
+                    </p:cTn>
+                  </p:par>
+                </p:childTnLst>
+              </p:cTn>
+              <p:prevCondLst>
+                <p:cond evt="onPrev" delay="0">
+                  <p:tgtEl>
+                    <p:sldTgt/>
+                  </p:tgtEl>
+                </p:cond>
+              </p:prevCondLst>
+              <p:nextCondLst>
+                <p:cond evt="onNext" delay="0">
+                  <p:tgtEl>
+                    <p:sldTgt/>
+                  </p:tgtEl>
+                </p:cond>
+              </p:nextCondLst>
+            </p:seq>
+          </p:childTnLst>
+        </p:cTn>
+      </p:par>
+    </p:tnLst>
+  </p:timing>
+</p:sld>
+</file>
+
+<file path=ppt/slides/slide18.xml><?xml version="1.0" encoding="utf-8"?>
+<p:sld xmlns:a="http://schemas.openxmlformats.org/drawingml/2006/main" xmlns:r="http://schemas.openxmlformats.org/officeDocument/2006/relationships" xmlns:p="http://schemas.openxmlformats.org/presentationml/2006/main">
+  <p:cSld>
+    <p:spTree>
+      <p:nvGrpSpPr>
+        <p:cNvPr id="1" name=""/>
+        <p:cNvGrpSpPr/>
+        <p:nvPr/>
+      </p:nvGrpSpPr>
+      <p:grpSpPr>
+        <a:xfrm>
+          <a:off x="0" y="0"/>
+          <a:ext cx="0" cy="0"/>
+          <a:chOff x="0" y="0"/>
+          <a:chExt cx="0" cy="0"/>
+        </a:xfrm>
+      </p:grpSpPr>
+      <p:sp>
+        <p:nvSpPr>
+          <p:cNvPr id="2" name="Title 1"/>
+          <p:cNvSpPr>
+            <a:spLocks noGrp="1"/>
+          </p:cNvSpPr>
+          <p:nvPr>
+            <p:ph type="title"/>
+          </p:nvPr>
+        </p:nvSpPr>
+        <p:spPr/>
+        <p:txBody>
+          <a:bodyPr/>
+          <a:lstStyle/>
+          <a:p>
+            <a:r>
+              <a:rPr lang="en-US" dirty="0" smtClean="0"/>
+              <a:t>Wiki Links</a:t>
+            </a:r>
+            <a:endParaRPr lang="en-US" dirty="0"/>
+          </a:p>
+        </p:txBody>
+      </p:sp>
+      <p:sp>
+        <p:nvSpPr>
+          <p:cNvPr id="4" name="Date Placeholder 3"/>
+          <p:cNvSpPr>
+            <a:spLocks noGrp="1"/>
+          </p:cNvSpPr>
+          <p:nvPr>
+            <p:ph type="dt" sz="half" idx="2"/>
+          </p:nvPr>
+        </p:nvSpPr>
+        <p:spPr/>
+        <p:txBody>
+          <a:bodyPr/>
+          <a:lstStyle/>
+          <a:p>
+            <a:r>
+              <a:rPr lang="en-US" smtClean="0"/>
+              <a:t>10/21/2011</a:t>
+            </a:r>
+            <a:endParaRPr lang="en-US" dirty="0"/>
+          </a:p>
+        </p:txBody>
+      </p:sp>
+      <p:sp>
+        <p:nvSpPr>
+          <p:cNvPr id="5" name="Footer Placeholder 4"/>
+          <p:cNvSpPr>
+            <a:spLocks noGrp="1"/>
+          </p:cNvSpPr>
+          <p:nvPr>
+            <p:ph type="ftr" sz="quarter" idx="3"/>
+          </p:nvPr>
+        </p:nvSpPr>
+        <p:spPr/>
+        <p:txBody>
+          <a:bodyPr/>
+          <a:lstStyle/>
+          <a:p>
+            <a:r>
+              <a:rPr lang="en-US" smtClean="0"/>
+              <a:t>Getting Started        Copyright (c) 2011 University of Pennsylvania. All rights reserved.</a:t>
+            </a:r>
+            <a:endParaRPr lang="en-US" dirty="0"/>
+          </a:p>
+        </p:txBody>
+      </p:sp>
+      <p:sp>
+        <p:nvSpPr>
+          <p:cNvPr id="6" name="Slide Number Placeholder 5"/>
+          <p:cNvSpPr>
+            <a:spLocks noGrp="1"/>
+          </p:cNvSpPr>
+          <p:nvPr>
+            <p:ph type="sldNum" sz="quarter" idx="4"/>
+          </p:nvPr>
+        </p:nvSpPr>
+        <p:spPr/>
+        <p:txBody>
+          <a:bodyPr/>
+          <a:lstStyle/>
+          <a:p>
+            <a:fld id="{93682E96-E16A-4EC4-A9C4-BF3FFE98BFA7}" type="slidenum">
+              <a:rPr lang="en-US" smtClean="0"/>
+              <a:pPr/>
+              <a:t>18</a:t>
             </a:fld>
             <a:endParaRPr lang="en-US"/>
           </a:p>
@@ -9057,6 +10468,167 @@
 </p:sld>
 </file>
 
+<file path=ppt/slides/slide19.xml><?xml version="1.0" encoding="utf-8"?>
+<p:sld xmlns:a="http://schemas.openxmlformats.org/drawingml/2006/main" xmlns:r="http://schemas.openxmlformats.org/officeDocument/2006/relationships" xmlns:p="http://schemas.openxmlformats.org/presentationml/2006/main">
+  <p:cSld>
+    <p:spTree>
+      <p:nvGrpSpPr>
+        <p:cNvPr id="1" name=""/>
+        <p:cNvGrpSpPr/>
+        <p:nvPr/>
+      </p:nvGrpSpPr>
+      <p:grpSpPr>
+        <a:xfrm>
+          <a:off x="0" y="0"/>
+          <a:ext cx="0" cy="0"/>
+          <a:chOff x="0" y="0"/>
+          <a:chExt cx="0" cy="0"/>
+        </a:xfrm>
+      </p:grpSpPr>
+      <p:sp>
+        <p:nvSpPr>
+          <p:cNvPr id="2" name="Title 1"/>
+          <p:cNvSpPr>
+            <a:spLocks noGrp="1"/>
+          </p:cNvSpPr>
+          <p:nvPr>
+            <p:ph type="title"/>
+          </p:nvPr>
+        </p:nvSpPr>
+        <p:spPr/>
+        <p:txBody>
+          <a:bodyPr/>
+          <a:lstStyle/>
+          <a:p>
+            <a:r>
+              <a:rPr lang="en-US" dirty="0" smtClean="0"/>
+              <a:t>Add Executable Targets</a:t>
+            </a:r>
+            <a:endParaRPr lang="en-US" dirty="0"/>
+          </a:p>
+        </p:txBody>
+      </p:sp>
+      <p:sp>
+        <p:nvSpPr>
+          <p:cNvPr id="3" name="Text Placeholder 2"/>
+          <p:cNvSpPr>
+            <a:spLocks noGrp="1"/>
+          </p:cNvSpPr>
+          <p:nvPr>
+            <p:ph type="body" idx="1"/>
+          </p:nvPr>
+        </p:nvSpPr>
+        <p:spPr/>
+        <p:txBody>
+          <a:bodyPr/>
+          <a:lstStyle/>
+          <a:p>
+            <a:r>
+              <a:rPr lang="en-US" dirty="0" smtClean="0"/>
+              <a:t>How do I get my </a:t>
+            </a:r>
+            <a:r>
+              <a:rPr lang="en-US" dirty="0" err="1" smtClean="0"/>
+              <a:t>executables</a:t>
+            </a:r>
+            <a:r>
+              <a:rPr lang="en-US" dirty="0" smtClean="0"/>
+              <a:t> build?</a:t>
+            </a:r>
+            <a:endParaRPr lang="en-US" dirty="0"/>
+          </a:p>
+        </p:txBody>
+      </p:sp>
+      <p:sp>
+        <p:nvSpPr>
+          <p:cNvPr id="4" name="Date Placeholder 3"/>
+          <p:cNvSpPr>
+            <a:spLocks noGrp="1"/>
+          </p:cNvSpPr>
+          <p:nvPr>
+            <p:ph type="dt" sz="half" idx="2"/>
+          </p:nvPr>
+        </p:nvSpPr>
+        <p:spPr/>
+        <p:txBody>
+          <a:bodyPr/>
+          <a:lstStyle/>
+          <a:p>
+            <a:r>
+              <a:rPr lang="en-US" smtClean="0"/>
+              <a:t>10/21/2011</a:t>
+            </a:r>
+            <a:endParaRPr lang="en-US" dirty="0"/>
+          </a:p>
+        </p:txBody>
+      </p:sp>
+      <p:sp>
+        <p:nvSpPr>
+          <p:cNvPr id="5" name="Footer Placeholder 4"/>
+          <p:cNvSpPr>
+            <a:spLocks noGrp="1"/>
+          </p:cNvSpPr>
+          <p:nvPr>
+            <p:ph type="ftr" sz="quarter" idx="3"/>
+          </p:nvPr>
+        </p:nvSpPr>
+        <p:spPr/>
+        <p:txBody>
+          <a:bodyPr/>
+          <a:lstStyle/>
+          <a:p>
+            <a:r>
+              <a:rPr lang="en-US" smtClean="0"/>
+              <a:t>Getting Started        Copyright (c) 2011 University of Pennsylvania. All rights reserved.</a:t>
+            </a:r>
+            <a:endParaRPr lang="en-US" dirty="0"/>
+          </a:p>
+        </p:txBody>
+      </p:sp>
+      <p:sp>
+        <p:nvSpPr>
+          <p:cNvPr id="6" name="Slide Number Placeholder 5"/>
+          <p:cNvSpPr>
+            <a:spLocks noGrp="1"/>
+          </p:cNvSpPr>
+          <p:nvPr>
+            <p:ph type="sldNum" sz="quarter" idx="4"/>
+          </p:nvPr>
+        </p:nvSpPr>
+        <p:spPr/>
+        <p:txBody>
+          <a:bodyPr/>
+          <a:lstStyle/>
+          <a:p>
+            <a:fld id="{93682E96-E16A-4EC4-A9C4-BF3FFE98BFA7}" type="slidenum">
+              <a:rPr lang="en-US" smtClean="0"/>
+              <a:pPr/>
+              <a:t>19</a:t>
+            </a:fld>
+            <a:endParaRPr lang="en-US"/>
+          </a:p>
+        </p:txBody>
+      </p:sp>
+    </p:spTree>
+    <p:extLst>
+      <p:ext uri="{BB962C8B-B14F-4D97-AF65-F5344CB8AC3E}">
+        <p14:creationId xmlns:p14="http://schemas.microsoft.com/office/powerpoint/2010/main" val="881334260"/>
+      </p:ext>
+    </p:extLst>
+  </p:cSld>
+  <p:clrMapOvr>
+    <a:masterClrMapping/>
+  </p:clrMapOvr>
+  <p:timing>
+    <p:tnLst>
+      <p:par>
+        <p:cTn id="1" dur="indefinite" restart="never" nodeType="tmRoot"/>
+      </p:par>
+    </p:tnLst>
+  </p:timing>
+</p:sld>
+</file>
+
 <file path=ppt/slides/slide2.xml><?xml version="1.0" encoding="utf-8"?>
 <p:sld xmlns:a="http://schemas.openxmlformats.org/drawingml/2006/main" xmlns:r="http://schemas.openxmlformats.org/officeDocument/2006/relationships" xmlns:p="http://schemas.openxmlformats.org/presentationml/2006/main">
   <p:cSld>
@@ -9128,15 +10700,20 @@
           <a:p>
             <a:r>
               <a:rPr lang="en-US" dirty="0" smtClean="0"/>
-              <a:t>Modify an Existing Project</a:t>
-            </a:r>
-            <a:endParaRPr lang="en-US" dirty="0" smtClean="0"/>
-          </a:p>
-          <a:p>
-            <a:endParaRPr lang="en-US" dirty="0" smtClean="0"/>
-          </a:p>
-          <a:p>
-            <a:endParaRPr lang="en-US" dirty="0" smtClean="0"/>
+              <a:t>Add Executable Targets</a:t>
+            </a:r>
+          </a:p>
+          <a:p>
+            <a:r>
+              <a:rPr lang="en-US" dirty="0" smtClean="0"/>
+              <a:t>Add Library Targets</a:t>
+            </a:r>
+          </a:p>
+          <a:p>
+            <a:r>
+              <a:rPr lang="en-US" dirty="0" smtClean="0"/>
+              <a:t>Build the Project</a:t>
+            </a:r>
           </a:p>
         </p:txBody>
       </p:sp>
@@ -9364,6 +10941,5134 @@
                                           <p:spTgt spid="5">
                                             <p:txEl>
                                               <p:pRg st="2" end="2"/>
+                                            </p:txEl>
+                                          </p:spTgt>
+                                        </p:tgtEl>
+                                      </p:cBhvr>
+                                    </p:animEffect>
+                                  </p:childTnLst>
+                                </p:cTn>
+                              </p:par>
+                              <p:par>
+                                <p:cTn id="14" presetID="10" presetClass="entr" presetSubtype="0" fill="hold" nodeType="withEffect">
+                                  <p:stCondLst>
+                                    <p:cond delay="0"/>
+                                  </p:stCondLst>
+                                  <p:childTnLst>
+                                    <p:set>
+                                      <p:cBhvr>
+                                        <p:cTn id="15" dur="1" fill="hold">
+                                          <p:stCondLst>
+                                            <p:cond delay="0"/>
+                                          </p:stCondLst>
+                                        </p:cTn>
+                                        <p:tgtEl>
+                                          <p:spTgt spid="5">
+                                            <p:txEl>
+                                              <p:pRg st="3" end="3"/>
+                                            </p:txEl>
+                                          </p:spTgt>
+                                        </p:tgtEl>
+                                        <p:attrNameLst>
+                                          <p:attrName>style.visibility</p:attrName>
+                                        </p:attrNameLst>
+                                      </p:cBhvr>
+                                      <p:to>
+                                        <p:strVal val="visible"/>
+                                      </p:to>
+                                    </p:set>
+                                    <p:animEffect transition="in" filter="fade">
+                                      <p:cBhvr>
+                                        <p:cTn id="16" dur="500"/>
+                                        <p:tgtEl>
+                                          <p:spTgt spid="5">
+                                            <p:txEl>
+                                              <p:pRg st="3" end="3"/>
+                                            </p:txEl>
+                                          </p:spTgt>
+                                        </p:tgtEl>
+                                      </p:cBhvr>
+                                    </p:animEffect>
+                                  </p:childTnLst>
+                                </p:cTn>
+                              </p:par>
+                              <p:par>
+                                <p:cTn id="17" presetID="10" presetClass="entr" presetSubtype="0" fill="hold" nodeType="withEffect">
+                                  <p:stCondLst>
+                                    <p:cond delay="0"/>
+                                  </p:stCondLst>
+                                  <p:childTnLst>
+                                    <p:set>
+                                      <p:cBhvr>
+                                        <p:cTn id="18" dur="1" fill="hold">
+                                          <p:stCondLst>
+                                            <p:cond delay="0"/>
+                                          </p:stCondLst>
+                                        </p:cTn>
+                                        <p:tgtEl>
+                                          <p:spTgt spid="5">
+                                            <p:txEl>
+                                              <p:pRg st="4" end="4"/>
+                                            </p:txEl>
+                                          </p:spTgt>
+                                        </p:tgtEl>
+                                        <p:attrNameLst>
+                                          <p:attrName>style.visibility</p:attrName>
+                                        </p:attrNameLst>
+                                      </p:cBhvr>
+                                      <p:to>
+                                        <p:strVal val="visible"/>
+                                      </p:to>
+                                    </p:set>
+                                    <p:animEffect transition="in" filter="fade">
+                                      <p:cBhvr>
+                                        <p:cTn id="19" dur="500"/>
+                                        <p:tgtEl>
+                                          <p:spTgt spid="5">
+                                            <p:txEl>
+                                              <p:pRg st="4" end="4"/>
+                                            </p:txEl>
+                                          </p:spTgt>
+                                        </p:tgtEl>
+                                      </p:cBhvr>
+                                    </p:animEffect>
+                                  </p:childTnLst>
+                                </p:cTn>
+                              </p:par>
+                            </p:childTnLst>
+                          </p:cTn>
+                        </p:par>
+                      </p:childTnLst>
+                    </p:cTn>
+                  </p:par>
+                </p:childTnLst>
+              </p:cTn>
+              <p:prevCondLst>
+                <p:cond evt="onPrev" delay="0">
+                  <p:tgtEl>
+                    <p:sldTgt/>
+                  </p:tgtEl>
+                </p:cond>
+              </p:prevCondLst>
+              <p:nextCondLst>
+                <p:cond evt="onNext" delay="0">
+                  <p:tgtEl>
+                    <p:sldTgt/>
+                  </p:tgtEl>
+                </p:cond>
+              </p:nextCondLst>
+            </p:seq>
+          </p:childTnLst>
+        </p:cTn>
+      </p:par>
+    </p:tnLst>
+  </p:timing>
+</p:sld>
+</file>
+
+<file path=ppt/slides/slide20.xml><?xml version="1.0" encoding="utf-8"?>
+<p:sld xmlns:a="http://schemas.openxmlformats.org/drawingml/2006/main" xmlns:r="http://schemas.openxmlformats.org/officeDocument/2006/relationships" xmlns:p="http://schemas.openxmlformats.org/presentationml/2006/main">
+  <p:cSld>
+    <p:spTree>
+      <p:nvGrpSpPr>
+        <p:cNvPr id="1" name=""/>
+        <p:cNvGrpSpPr/>
+        <p:nvPr/>
+      </p:nvGrpSpPr>
+      <p:grpSpPr>
+        <a:xfrm>
+          <a:off x="0" y="0"/>
+          <a:ext cx="0" cy="0"/>
+          <a:chOff x="0" y="0"/>
+          <a:chExt cx="0" cy="0"/>
+        </a:xfrm>
+      </p:grpSpPr>
+      <p:sp>
+        <p:nvSpPr>
+          <p:cNvPr id="2" name="Title 1"/>
+          <p:cNvSpPr>
+            <a:spLocks noGrp="1"/>
+          </p:cNvSpPr>
+          <p:nvPr>
+            <p:ph type="title"/>
+          </p:nvPr>
+        </p:nvSpPr>
+        <p:spPr/>
+        <p:txBody>
+          <a:bodyPr/>
+          <a:lstStyle/>
+          <a:p>
+            <a:r>
+              <a:rPr lang="en-US" dirty="0" err="1" smtClean="0"/>
+              <a:t>Executables</a:t>
+            </a:r>
+            <a:endParaRPr lang="en-US" dirty="0"/>
+          </a:p>
+        </p:txBody>
+      </p:sp>
+      <p:sp>
+        <p:nvSpPr>
+          <p:cNvPr id="4" name="Date Placeholder 3"/>
+          <p:cNvSpPr>
+            <a:spLocks noGrp="1"/>
+          </p:cNvSpPr>
+          <p:nvPr>
+            <p:ph type="dt" sz="half" idx="2"/>
+          </p:nvPr>
+        </p:nvSpPr>
+        <p:spPr/>
+        <p:txBody>
+          <a:bodyPr/>
+          <a:lstStyle/>
+          <a:p>
+            <a:r>
+              <a:rPr lang="en-US" smtClean="0"/>
+              <a:t>10/21/2011</a:t>
+            </a:r>
+            <a:endParaRPr lang="en-US" dirty="0"/>
+          </a:p>
+        </p:txBody>
+      </p:sp>
+      <p:sp>
+        <p:nvSpPr>
+          <p:cNvPr id="5" name="Footer Placeholder 4"/>
+          <p:cNvSpPr>
+            <a:spLocks noGrp="1"/>
+          </p:cNvSpPr>
+          <p:nvPr>
+            <p:ph type="ftr" sz="quarter" idx="3"/>
+          </p:nvPr>
+        </p:nvSpPr>
+        <p:spPr/>
+        <p:txBody>
+          <a:bodyPr/>
+          <a:lstStyle/>
+          <a:p>
+            <a:r>
+              <a:rPr lang="en-US" smtClean="0"/>
+              <a:t>Getting Started        Copyright (c) 2011 University of Pennsylvania. All rights reserved.</a:t>
+            </a:r>
+            <a:endParaRPr lang="en-US" dirty="0"/>
+          </a:p>
+        </p:txBody>
+      </p:sp>
+      <p:sp>
+        <p:nvSpPr>
+          <p:cNvPr id="6" name="Slide Number Placeholder 5"/>
+          <p:cNvSpPr>
+            <a:spLocks noGrp="1"/>
+          </p:cNvSpPr>
+          <p:nvPr>
+            <p:ph type="sldNum" sz="quarter" idx="4"/>
+          </p:nvPr>
+        </p:nvSpPr>
+        <p:spPr/>
+        <p:txBody>
+          <a:bodyPr/>
+          <a:lstStyle/>
+          <a:p>
+            <a:fld id="{93682E96-E16A-4EC4-A9C4-BF3FFE98BFA7}" type="slidenum">
+              <a:rPr lang="en-US" smtClean="0"/>
+              <a:pPr/>
+              <a:t>20</a:t>
+            </a:fld>
+            <a:endParaRPr lang="en-US"/>
+          </a:p>
+        </p:txBody>
+      </p:sp>
+      <p:sp>
+        <p:nvSpPr>
+          <p:cNvPr id="7" name="Content Placeholder 2"/>
+          <p:cNvSpPr>
+            <a:spLocks noGrp="1"/>
+          </p:cNvSpPr>
+          <p:nvPr>
+            <p:ph idx="1"/>
+          </p:nvPr>
+        </p:nvSpPr>
+        <p:spPr/>
+        <p:txBody>
+          <a:bodyPr>
+            <a:normAutofit fontScale="92500" lnSpcReduction="10000"/>
+          </a:bodyPr>
+          <a:lstStyle/>
+          <a:p>
+            <a:r>
+              <a:rPr lang="en-US" sz="2400" dirty="0" err="1" smtClean="0"/>
+              <a:t>Executables</a:t>
+            </a:r>
+            <a:r>
+              <a:rPr lang="en-US" sz="2400" dirty="0" smtClean="0"/>
+              <a:t> are either binary files built from C++ or MATLAB sources or script files interpreted by a command interpreter such as Python, Perl, or BASH.</a:t>
+            </a:r>
+          </a:p>
+          <a:p>
+            <a:endParaRPr lang="en-US" sz="2400" dirty="0" smtClean="0"/>
+          </a:p>
+          <a:p>
+            <a:r>
+              <a:rPr lang="en-US" sz="2400" dirty="0" smtClean="0"/>
+              <a:t>We distinguish between two kinds of </a:t>
+            </a:r>
+            <a:r>
+              <a:rPr lang="en-US" sz="2400" dirty="0" err="1" smtClean="0"/>
+              <a:t>executables</a:t>
+            </a:r>
+            <a:r>
+              <a:rPr lang="en-US" sz="2400" dirty="0" smtClean="0"/>
+              <a:t>:</a:t>
+            </a:r>
+          </a:p>
+          <a:p>
+            <a:pPr lvl="1"/>
+            <a:r>
+              <a:rPr lang="en-US" sz="2000" dirty="0" smtClean="0"/>
+              <a:t>main </a:t>
+            </a:r>
+            <a:r>
+              <a:rPr lang="en-US" sz="2000" dirty="0" err="1" smtClean="0"/>
+              <a:t>executables</a:t>
+            </a:r>
+            <a:endParaRPr lang="en-US" sz="2000" dirty="0"/>
+          </a:p>
+          <a:p>
+            <a:pPr lvl="1"/>
+            <a:r>
+              <a:rPr lang="en-US" sz="2000" dirty="0" smtClean="0"/>
+              <a:t>auxiliary </a:t>
+            </a:r>
+            <a:r>
+              <a:rPr lang="en-US" sz="2000" dirty="0" err="1" smtClean="0"/>
+              <a:t>executables</a:t>
+            </a:r>
+            <a:endParaRPr lang="en-US" sz="2000" dirty="0" smtClean="0"/>
+          </a:p>
+          <a:p>
+            <a:pPr lvl="1"/>
+            <a:endParaRPr lang="en-US" sz="2000" dirty="0" smtClean="0"/>
+          </a:p>
+          <a:p>
+            <a:r>
+              <a:rPr lang="en-US" sz="2400" dirty="0" smtClean="0"/>
+              <a:t>Main </a:t>
+            </a:r>
+            <a:r>
+              <a:rPr lang="en-US" sz="2400" dirty="0" err="1" smtClean="0"/>
+              <a:t>executables</a:t>
+            </a:r>
+            <a:r>
+              <a:rPr lang="en-US" sz="2400" dirty="0" smtClean="0"/>
+              <a:t> are supposed to be used by a user of our software directly. They parse command-line arguments and provide help and version information.</a:t>
+            </a:r>
+          </a:p>
+          <a:p>
+            <a:endParaRPr lang="en-US" sz="2400" dirty="0" smtClean="0"/>
+          </a:p>
+          <a:p>
+            <a:r>
+              <a:rPr lang="en-US" sz="2400" dirty="0" smtClean="0"/>
+              <a:t>Auxiliary </a:t>
+            </a:r>
+            <a:r>
+              <a:rPr lang="en-US" sz="2400" dirty="0" err="1" smtClean="0"/>
+              <a:t>executables</a:t>
+            </a:r>
+            <a:r>
+              <a:rPr lang="en-US" sz="2400" dirty="0" smtClean="0"/>
+              <a:t>, on the other side, are only used by other </a:t>
+            </a:r>
+            <a:r>
+              <a:rPr lang="en-US" sz="2400" dirty="0" err="1" smtClean="0"/>
+              <a:t>executables</a:t>
+            </a:r>
+            <a:r>
+              <a:rPr lang="en-US" sz="2400" dirty="0" smtClean="0"/>
+              <a:t>.</a:t>
+            </a:r>
+          </a:p>
+        </p:txBody>
+      </p:sp>
+    </p:spTree>
+    <p:extLst>
+      <p:ext uri="{BB962C8B-B14F-4D97-AF65-F5344CB8AC3E}">
+        <p14:creationId xmlns:p14="http://schemas.microsoft.com/office/powerpoint/2010/main" val="1480136295"/>
+      </p:ext>
+    </p:extLst>
+  </p:cSld>
+  <p:clrMapOvr>
+    <a:masterClrMapping/>
+  </p:clrMapOvr>
+  <p:timing>
+    <p:tnLst>
+      <p:par>
+        <p:cTn id="1" dur="indefinite" restart="never" nodeType="tmRoot">
+          <p:childTnLst>
+            <p:seq concurrent="1" nextAc="seek">
+              <p:cTn id="2" dur="indefinite" nodeType="mainSeq">
+                <p:childTnLst>
+                  <p:par>
+                    <p:cTn id="3" fill="hold">
+                      <p:stCondLst>
+                        <p:cond delay="indefinite"/>
+                      </p:stCondLst>
+                      <p:childTnLst>
+                        <p:par>
+                          <p:cTn id="4" fill="hold">
+                            <p:stCondLst>
+                              <p:cond delay="0"/>
+                            </p:stCondLst>
+                            <p:childTnLst>
+                              <p:par>
+                                <p:cTn id="5" presetID="10" presetClass="entr" presetSubtype="0" fill="hold" nodeType="clickEffect">
+                                  <p:stCondLst>
+                                    <p:cond delay="0"/>
+                                  </p:stCondLst>
+                                  <p:childTnLst>
+                                    <p:set>
+                                      <p:cBhvr>
+                                        <p:cTn id="6" dur="1" fill="hold">
+                                          <p:stCondLst>
+                                            <p:cond delay="0"/>
+                                          </p:stCondLst>
+                                        </p:cTn>
+                                        <p:tgtEl>
+                                          <p:spTgt spid="7">
+                                            <p:txEl>
+                                              <p:pRg st="2" end="2"/>
+                                            </p:txEl>
+                                          </p:spTgt>
+                                        </p:tgtEl>
+                                        <p:attrNameLst>
+                                          <p:attrName>style.visibility</p:attrName>
+                                        </p:attrNameLst>
+                                      </p:cBhvr>
+                                      <p:to>
+                                        <p:strVal val="visible"/>
+                                      </p:to>
+                                    </p:set>
+                                    <p:animEffect transition="in" filter="fade">
+                                      <p:cBhvr>
+                                        <p:cTn id="7" dur="500"/>
+                                        <p:tgtEl>
+                                          <p:spTgt spid="7">
+                                            <p:txEl>
+                                              <p:pRg st="2" end="2"/>
+                                            </p:txEl>
+                                          </p:spTgt>
+                                        </p:tgtEl>
+                                      </p:cBhvr>
+                                    </p:animEffect>
+                                  </p:childTnLst>
+                                </p:cTn>
+                              </p:par>
+                            </p:childTnLst>
+                          </p:cTn>
+                        </p:par>
+                      </p:childTnLst>
+                    </p:cTn>
+                  </p:par>
+                  <p:par>
+                    <p:cTn id="8" fill="hold">
+                      <p:stCondLst>
+                        <p:cond delay="indefinite"/>
+                      </p:stCondLst>
+                      <p:childTnLst>
+                        <p:par>
+                          <p:cTn id="9" fill="hold">
+                            <p:stCondLst>
+                              <p:cond delay="0"/>
+                            </p:stCondLst>
+                            <p:childTnLst>
+                              <p:par>
+                                <p:cTn id="10" presetID="10" presetClass="entr" presetSubtype="0" fill="hold" nodeType="clickEffect">
+                                  <p:stCondLst>
+                                    <p:cond delay="0"/>
+                                  </p:stCondLst>
+                                  <p:childTnLst>
+                                    <p:set>
+                                      <p:cBhvr>
+                                        <p:cTn id="11" dur="1" fill="hold">
+                                          <p:stCondLst>
+                                            <p:cond delay="0"/>
+                                          </p:stCondLst>
+                                        </p:cTn>
+                                        <p:tgtEl>
+                                          <p:spTgt spid="7">
+                                            <p:txEl>
+                                              <p:pRg st="3" end="3"/>
+                                            </p:txEl>
+                                          </p:spTgt>
+                                        </p:tgtEl>
+                                        <p:attrNameLst>
+                                          <p:attrName>style.visibility</p:attrName>
+                                        </p:attrNameLst>
+                                      </p:cBhvr>
+                                      <p:to>
+                                        <p:strVal val="visible"/>
+                                      </p:to>
+                                    </p:set>
+                                    <p:animEffect transition="in" filter="fade">
+                                      <p:cBhvr>
+                                        <p:cTn id="12" dur="500"/>
+                                        <p:tgtEl>
+                                          <p:spTgt spid="7">
+                                            <p:txEl>
+                                              <p:pRg st="3" end="3"/>
+                                            </p:txEl>
+                                          </p:spTgt>
+                                        </p:tgtEl>
+                                      </p:cBhvr>
+                                    </p:animEffect>
+                                  </p:childTnLst>
+                                </p:cTn>
+                              </p:par>
+                            </p:childTnLst>
+                          </p:cTn>
+                        </p:par>
+                      </p:childTnLst>
+                    </p:cTn>
+                  </p:par>
+                  <p:par>
+                    <p:cTn id="13" fill="hold">
+                      <p:stCondLst>
+                        <p:cond delay="indefinite"/>
+                      </p:stCondLst>
+                      <p:childTnLst>
+                        <p:par>
+                          <p:cTn id="14" fill="hold">
+                            <p:stCondLst>
+                              <p:cond delay="0"/>
+                            </p:stCondLst>
+                            <p:childTnLst>
+                              <p:par>
+                                <p:cTn id="15" presetID="10" presetClass="entr" presetSubtype="0" fill="hold" nodeType="clickEffect">
+                                  <p:stCondLst>
+                                    <p:cond delay="0"/>
+                                  </p:stCondLst>
+                                  <p:childTnLst>
+                                    <p:set>
+                                      <p:cBhvr>
+                                        <p:cTn id="16" dur="1" fill="hold">
+                                          <p:stCondLst>
+                                            <p:cond delay="0"/>
+                                          </p:stCondLst>
+                                        </p:cTn>
+                                        <p:tgtEl>
+                                          <p:spTgt spid="7">
+                                            <p:txEl>
+                                              <p:pRg st="4" end="4"/>
+                                            </p:txEl>
+                                          </p:spTgt>
+                                        </p:tgtEl>
+                                        <p:attrNameLst>
+                                          <p:attrName>style.visibility</p:attrName>
+                                        </p:attrNameLst>
+                                      </p:cBhvr>
+                                      <p:to>
+                                        <p:strVal val="visible"/>
+                                      </p:to>
+                                    </p:set>
+                                    <p:animEffect transition="in" filter="fade">
+                                      <p:cBhvr>
+                                        <p:cTn id="17" dur="500"/>
+                                        <p:tgtEl>
+                                          <p:spTgt spid="7">
+                                            <p:txEl>
+                                              <p:pRg st="4" end="4"/>
+                                            </p:txEl>
+                                          </p:spTgt>
+                                        </p:tgtEl>
+                                      </p:cBhvr>
+                                    </p:animEffect>
+                                  </p:childTnLst>
+                                </p:cTn>
+                              </p:par>
+                            </p:childTnLst>
+                          </p:cTn>
+                        </p:par>
+                      </p:childTnLst>
+                    </p:cTn>
+                  </p:par>
+                  <p:par>
+                    <p:cTn id="18" fill="hold">
+                      <p:stCondLst>
+                        <p:cond delay="indefinite"/>
+                      </p:stCondLst>
+                      <p:childTnLst>
+                        <p:par>
+                          <p:cTn id="19" fill="hold">
+                            <p:stCondLst>
+                              <p:cond delay="0"/>
+                            </p:stCondLst>
+                            <p:childTnLst>
+                              <p:par>
+                                <p:cTn id="20" presetID="10" presetClass="entr" presetSubtype="0" fill="hold" nodeType="clickEffect">
+                                  <p:stCondLst>
+                                    <p:cond delay="0"/>
+                                  </p:stCondLst>
+                                  <p:childTnLst>
+                                    <p:set>
+                                      <p:cBhvr>
+                                        <p:cTn id="21" dur="1" fill="hold">
+                                          <p:stCondLst>
+                                            <p:cond delay="0"/>
+                                          </p:stCondLst>
+                                        </p:cTn>
+                                        <p:tgtEl>
+                                          <p:spTgt spid="7">
+                                            <p:txEl>
+                                              <p:pRg st="6" end="6"/>
+                                            </p:txEl>
+                                          </p:spTgt>
+                                        </p:tgtEl>
+                                        <p:attrNameLst>
+                                          <p:attrName>style.visibility</p:attrName>
+                                        </p:attrNameLst>
+                                      </p:cBhvr>
+                                      <p:to>
+                                        <p:strVal val="visible"/>
+                                      </p:to>
+                                    </p:set>
+                                    <p:animEffect transition="in" filter="fade">
+                                      <p:cBhvr>
+                                        <p:cTn id="22" dur="500"/>
+                                        <p:tgtEl>
+                                          <p:spTgt spid="7">
+                                            <p:txEl>
+                                              <p:pRg st="6" end="6"/>
+                                            </p:txEl>
+                                          </p:spTgt>
+                                        </p:tgtEl>
+                                      </p:cBhvr>
+                                    </p:animEffect>
+                                  </p:childTnLst>
+                                </p:cTn>
+                              </p:par>
+                            </p:childTnLst>
+                          </p:cTn>
+                        </p:par>
+                      </p:childTnLst>
+                    </p:cTn>
+                  </p:par>
+                  <p:par>
+                    <p:cTn id="23" fill="hold">
+                      <p:stCondLst>
+                        <p:cond delay="indefinite"/>
+                      </p:stCondLst>
+                      <p:childTnLst>
+                        <p:par>
+                          <p:cTn id="24" fill="hold">
+                            <p:stCondLst>
+                              <p:cond delay="0"/>
+                            </p:stCondLst>
+                            <p:childTnLst>
+                              <p:par>
+                                <p:cTn id="25" presetID="10" presetClass="entr" presetSubtype="0" fill="hold" nodeType="clickEffect">
+                                  <p:stCondLst>
+                                    <p:cond delay="0"/>
+                                  </p:stCondLst>
+                                  <p:childTnLst>
+                                    <p:set>
+                                      <p:cBhvr>
+                                        <p:cTn id="26" dur="1" fill="hold">
+                                          <p:stCondLst>
+                                            <p:cond delay="0"/>
+                                          </p:stCondLst>
+                                        </p:cTn>
+                                        <p:tgtEl>
+                                          <p:spTgt spid="7">
+                                            <p:txEl>
+                                              <p:pRg st="8" end="8"/>
+                                            </p:txEl>
+                                          </p:spTgt>
+                                        </p:tgtEl>
+                                        <p:attrNameLst>
+                                          <p:attrName>style.visibility</p:attrName>
+                                        </p:attrNameLst>
+                                      </p:cBhvr>
+                                      <p:to>
+                                        <p:strVal val="visible"/>
+                                      </p:to>
+                                    </p:set>
+                                    <p:animEffect transition="in" filter="fade">
+                                      <p:cBhvr>
+                                        <p:cTn id="27" dur="500"/>
+                                        <p:tgtEl>
+                                          <p:spTgt spid="7">
+                                            <p:txEl>
+                                              <p:pRg st="8" end="8"/>
+                                            </p:txEl>
+                                          </p:spTgt>
+                                        </p:tgtEl>
+                                      </p:cBhvr>
+                                    </p:animEffect>
+                                  </p:childTnLst>
+                                </p:cTn>
+                              </p:par>
+                            </p:childTnLst>
+                          </p:cTn>
+                        </p:par>
+                      </p:childTnLst>
+                    </p:cTn>
+                  </p:par>
+                  <p:par>
+                    <p:cTn id="28" fill="hold">
+                      <p:stCondLst>
+                        <p:cond delay="indefinite"/>
+                      </p:stCondLst>
+                      <p:childTnLst>
+                        <p:par>
+                          <p:cTn id="29" fill="hold">
+                            <p:stCondLst>
+                              <p:cond delay="0"/>
+                            </p:stCondLst>
+                            <p:childTnLst>
+                              <p:par>
+                                <p:cTn id="30" presetID="10" presetClass="entr" presetSubtype="0" fill="hold" nodeType="clickEffect">
+                                  <p:stCondLst>
+                                    <p:cond delay="0"/>
+                                  </p:stCondLst>
+                                  <p:childTnLst>
+                                    <p:set>
+                                      <p:cBhvr>
+                                        <p:cTn id="31" dur="1" fill="hold">
+                                          <p:stCondLst>
+                                            <p:cond delay="0"/>
+                                          </p:stCondLst>
+                                        </p:cTn>
+                                        <p:tgtEl>
+                                          <p:spTgt spid="7">
+                                            <p:txEl>
+                                              <p:pRg st="0" end="0"/>
+                                            </p:txEl>
+                                          </p:spTgt>
+                                        </p:tgtEl>
+                                        <p:attrNameLst>
+                                          <p:attrName>style.visibility</p:attrName>
+                                        </p:attrNameLst>
+                                      </p:cBhvr>
+                                      <p:to>
+                                        <p:strVal val="visible"/>
+                                      </p:to>
+                                    </p:set>
+                                    <p:animEffect transition="in" filter="fade">
+                                      <p:cBhvr>
+                                        <p:cTn id="32" dur="500"/>
+                                        <p:tgtEl>
+                                          <p:spTgt spid="7">
+                                            <p:txEl>
+                                              <p:pRg st="0" end="0"/>
+                                            </p:txEl>
+                                          </p:spTgt>
+                                        </p:tgtEl>
+                                      </p:cBhvr>
+                                    </p:animEffect>
+                                  </p:childTnLst>
+                                </p:cTn>
+                              </p:par>
+                            </p:childTnLst>
+                          </p:cTn>
+                        </p:par>
+                      </p:childTnLst>
+                    </p:cTn>
+                  </p:par>
+                </p:childTnLst>
+              </p:cTn>
+              <p:prevCondLst>
+                <p:cond evt="onPrev" delay="0">
+                  <p:tgtEl>
+                    <p:sldTgt/>
+                  </p:tgtEl>
+                </p:cond>
+              </p:prevCondLst>
+              <p:nextCondLst>
+                <p:cond evt="onNext" delay="0">
+                  <p:tgtEl>
+                    <p:sldTgt/>
+                  </p:tgtEl>
+                </p:cond>
+              </p:nextCondLst>
+            </p:seq>
+          </p:childTnLst>
+        </p:cTn>
+      </p:par>
+    </p:tnLst>
+  </p:timing>
+</p:sld>
+</file>
+
+<file path=ppt/slides/slide21.xml><?xml version="1.0" encoding="utf-8"?>
+<p:sld xmlns:a="http://schemas.openxmlformats.org/drawingml/2006/main" xmlns:r="http://schemas.openxmlformats.org/officeDocument/2006/relationships" xmlns:p="http://schemas.openxmlformats.org/presentationml/2006/main">
+  <p:cSld>
+    <p:spTree>
+      <p:nvGrpSpPr>
+        <p:cNvPr id="1" name=""/>
+        <p:cNvGrpSpPr/>
+        <p:nvPr/>
+      </p:nvGrpSpPr>
+      <p:grpSpPr>
+        <a:xfrm>
+          <a:off x="0" y="0"/>
+          <a:ext cx="0" cy="0"/>
+          <a:chOff x="0" y="0"/>
+          <a:chExt cx="0" cy="0"/>
+        </a:xfrm>
+      </p:grpSpPr>
+      <p:sp>
+        <p:nvSpPr>
+          <p:cNvPr id="2" name="Title 1"/>
+          <p:cNvSpPr>
+            <a:spLocks noGrp="1"/>
+          </p:cNvSpPr>
+          <p:nvPr>
+            <p:ph type="title"/>
+          </p:nvPr>
+        </p:nvSpPr>
+        <p:spPr/>
+        <p:txBody>
+          <a:bodyPr/>
+          <a:lstStyle/>
+          <a:p>
+            <a:r>
+              <a:rPr lang="en-US" dirty="0" smtClean="0"/>
+              <a:t>Add Executable Target</a:t>
+            </a:r>
+            <a:endParaRPr lang="en-US" dirty="0"/>
+          </a:p>
+        </p:txBody>
+      </p:sp>
+      <p:sp>
+        <p:nvSpPr>
+          <p:cNvPr id="4" name="Date Placeholder 3"/>
+          <p:cNvSpPr>
+            <a:spLocks noGrp="1"/>
+          </p:cNvSpPr>
+          <p:nvPr>
+            <p:ph type="dt" sz="half" idx="2"/>
+          </p:nvPr>
+        </p:nvSpPr>
+        <p:spPr/>
+        <p:txBody>
+          <a:bodyPr/>
+          <a:lstStyle/>
+          <a:p>
+            <a:r>
+              <a:rPr lang="en-US" smtClean="0"/>
+              <a:t>10/21/2011</a:t>
+            </a:r>
+            <a:endParaRPr lang="en-US" dirty="0"/>
+          </a:p>
+        </p:txBody>
+      </p:sp>
+      <p:sp>
+        <p:nvSpPr>
+          <p:cNvPr id="5" name="Footer Placeholder 4"/>
+          <p:cNvSpPr>
+            <a:spLocks noGrp="1"/>
+          </p:cNvSpPr>
+          <p:nvPr>
+            <p:ph type="ftr" sz="quarter" idx="3"/>
+          </p:nvPr>
+        </p:nvSpPr>
+        <p:spPr/>
+        <p:txBody>
+          <a:bodyPr/>
+          <a:lstStyle/>
+          <a:p>
+            <a:r>
+              <a:rPr lang="en-US" smtClean="0"/>
+              <a:t>Getting Started        Copyright (c) 2011 University of Pennsylvania. All rights reserved.</a:t>
+            </a:r>
+            <a:endParaRPr lang="en-US" dirty="0"/>
+          </a:p>
+        </p:txBody>
+      </p:sp>
+      <p:sp>
+        <p:nvSpPr>
+          <p:cNvPr id="6" name="Slide Number Placeholder 5"/>
+          <p:cNvSpPr>
+            <a:spLocks noGrp="1"/>
+          </p:cNvSpPr>
+          <p:nvPr>
+            <p:ph type="sldNum" sz="quarter" idx="4"/>
+          </p:nvPr>
+        </p:nvSpPr>
+        <p:spPr/>
+        <p:txBody>
+          <a:bodyPr/>
+          <a:lstStyle/>
+          <a:p>
+            <a:fld id="{93682E96-E16A-4EC4-A9C4-BF3FFE98BFA7}" type="slidenum">
+              <a:rPr lang="en-US" smtClean="0"/>
+              <a:pPr/>
+              <a:t>21</a:t>
+            </a:fld>
+            <a:endParaRPr lang="en-US"/>
+          </a:p>
+        </p:txBody>
+      </p:sp>
+      <p:sp>
+        <p:nvSpPr>
+          <p:cNvPr id="7" name="Content Placeholder 2"/>
+          <p:cNvSpPr>
+            <a:spLocks noGrp="1"/>
+          </p:cNvSpPr>
+          <p:nvPr>
+            <p:ph idx="1"/>
+          </p:nvPr>
+        </p:nvSpPr>
+        <p:spPr/>
+        <p:txBody>
+          <a:bodyPr>
+            <a:normAutofit lnSpcReduction="10000"/>
+          </a:bodyPr>
+          <a:lstStyle/>
+          <a:p>
+            <a:r>
+              <a:rPr lang="en-US" sz="2400" dirty="0" smtClean="0"/>
+              <a:t>Copy the source files of your </a:t>
+            </a:r>
+            <a:r>
+              <a:rPr lang="en-US" sz="2400" dirty="0" err="1" smtClean="0"/>
+              <a:t>executables</a:t>
+            </a:r>
+            <a:r>
+              <a:rPr lang="en-US" sz="2400" dirty="0" smtClean="0"/>
+              <a:t> to the </a:t>
+            </a:r>
+            <a:r>
+              <a:rPr lang="en-US" sz="2400" dirty="0" err="1" smtClean="0">
+                <a:latin typeface="Courier New" pitchFamily="49" charset="0"/>
+                <a:cs typeface="Courier New" pitchFamily="49" charset="0"/>
+              </a:rPr>
+              <a:t>src</a:t>
+            </a:r>
+            <a:r>
+              <a:rPr lang="en-US" sz="2400" dirty="0" smtClean="0">
+                <a:latin typeface="Courier New" pitchFamily="49" charset="0"/>
+                <a:cs typeface="Courier New" pitchFamily="49" charset="0"/>
+              </a:rPr>
+              <a:t>/</a:t>
+            </a:r>
+            <a:r>
+              <a:rPr lang="en-US" sz="2400" dirty="0" smtClean="0"/>
+              <a:t> subdirectory of your project. You can create further subdirectories within this directory if it helps to better organize your source files.</a:t>
+            </a:r>
+          </a:p>
+          <a:p>
+            <a:endParaRPr lang="en-US" sz="2400" dirty="0" smtClean="0"/>
+          </a:p>
+          <a:p>
+            <a:r>
+              <a:rPr lang="en-US" sz="2400" dirty="0" smtClean="0"/>
+              <a:t>Edit the </a:t>
+            </a:r>
+            <a:r>
+              <a:rPr lang="en-US" sz="2400" dirty="0" err="1" smtClean="0">
+                <a:latin typeface="Courier New" pitchFamily="49" charset="0"/>
+                <a:cs typeface="Courier New" pitchFamily="49" charset="0"/>
+              </a:rPr>
+              <a:t>src</a:t>
+            </a:r>
+            <a:r>
+              <a:rPr lang="en-US" sz="2400" dirty="0" smtClean="0">
+                <a:latin typeface="Courier New" pitchFamily="49" charset="0"/>
+                <a:cs typeface="Courier New" pitchFamily="49" charset="0"/>
+              </a:rPr>
+              <a:t>/CMakeLists.txt</a:t>
+            </a:r>
+            <a:r>
+              <a:rPr lang="en-US" sz="2400" dirty="0" smtClean="0"/>
+              <a:t> file to add an executable build target which will build the executable file.</a:t>
+            </a:r>
+          </a:p>
+          <a:p>
+            <a:endParaRPr lang="en-US" sz="2400" dirty="0"/>
+          </a:p>
+          <a:p>
+            <a:pPr lvl="1"/>
+            <a:r>
+              <a:rPr lang="en-US" sz="2000" dirty="0" smtClean="0"/>
+              <a:t>Use the </a:t>
+            </a:r>
+            <a:r>
+              <a:rPr lang="en-US" sz="2000" dirty="0" err="1" smtClean="0">
+                <a:latin typeface="Courier New" pitchFamily="49" charset="0"/>
+                <a:cs typeface="Courier New" pitchFamily="49" charset="0"/>
+                <a:hlinkClick r:id="rId3"/>
+              </a:rPr>
+              <a:t>basis_add_executable</a:t>
+            </a:r>
+            <a:r>
+              <a:rPr lang="en-US" sz="2000" dirty="0" smtClean="0">
+                <a:latin typeface="Courier New" pitchFamily="49" charset="0"/>
+                <a:cs typeface="Courier New" pitchFamily="49" charset="0"/>
+                <a:hlinkClick r:id="rId3"/>
+              </a:rPr>
+              <a:t>()</a:t>
+            </a:r>
+            <a:r>
+              <a:rPr lang="en-US" sz="2000" dirty="0" smtClean="0">
+                <a:hlinkClick r:id="rId3"/>
+              </a:rPr>
+              <a:t> </a:t>
+            </a:r>
+            <a:r>
+              <a:rPr lang="en-US" sz="2000" dirty="0" err="1" smtClean="0"/>
+              <a:t>CMake</a:t>
+            </a:r>
+            <a:r>
+              <a:rPr lang="en-US" sz="2000" dirty="0" smtClean="0"/>
+              <a:t> function to add a new executable target.</a:t>
+            </a:r>
+          </a:p>
+          <a:p>
+            <a:endParaRPr lang="en-US" sz="2400" dirty="0" smtClean="0"/>
+          </a:p>
+          <a:p>
+            <a:pPr lvl="1"/>
+            <a:r>
+              <a:rPr lang="en-US" sz="2000" dirty="0" smtClean="0"/>
+              <a:t>Link dependencies can be specified using the </a:t>
+            </a:r>
+            <a:r>
+              <a:rPr lang="en-US" sz="2000" dirty="0" err="1" smtClean="0">
+                <a:latin typeface="Courier New" pitchFamily="49" charset="0"/>
+                <a:cs typeface="Courier New" pitchFamily="49" charset="0"/>
+                <a:hlinkClick r:id="rId4"/>
+              </a:rPr>
+              <a:t>basis_target_link_libraries</a:t>
+            </a:r>
+            <a:r>
+              <a:rPr lang="en-US" sz="2000" dirty="0" smtClean="0">
+                <a:latin typeface="Courier New" pitchFamily="49" charset="0"/>
+                <a:cs typeface="Courier New" pitchFamily="49" charset="0"/>
+                <a:hlinkClick r:id="rId4"/>
+              </a:rPr>
+              <a:t>()</a:t>
+            </a:r>
+            <a:r>
+              <a:rPr lang="en-US" sz="2000" dirty="0" smtClean="0"/>
+              <a:t> </a:t>
+            </a:r>
+            <a:r>
+              <a:rPr lang="en-US" sz="2000" dirty="0" err="1" smtClean="0"/>
+              <a:t>CMake</a:t>
+            </a:r>
+            <a:r>
+              <a:rPr lang="en-US" sz="2000" dirty="0" smtClean="0"/>
+              <a:t> function.</a:t>
+            </a:r>
+          </a:p>
+        </p:txBody>
+      </p:sp>
+    </p:spTree>
+    <p:extLst>
+      <p:ext uri="{BB962C8B-B14F-4D97-AF65-F5344CB8AC3E}">
+        <p14:creationId xmlns:p14="http://schemas.microsoft.com/office/powerpoint/2010/main" val="509087082"/>
+      </p:ext>
+    </p:extLst>
+  </p:cSld>
+  <p:clrMapOvr>
+    <a:masterClrMapping/>
+  </p:clrMapOvr>
+  <p:timing>
+    <p:tnLst>
+      <p:par>
+        <p:cTn id="1" dur="indefinite" restart="never" nodeType="tmRoot">
+          <p:childTnLst>
+            <p:seq concurrent="1" nextAc="seek">
+              <p:cTn id="2" dur="indefinite" nodeType="mainSeq">
+                <p:childTnLst>
+                  <p:par>
+                    <p:cTn id="3" fill="hold">
+                      <p:stCondLst>
+                        <p:cond delay="indefinite"/>
+                      </p:stCondLst>
+                      <p:childTnLst>
+                        <p:par>
+                          <p:cTn id="4" fill="hold">
+                            <p:stCondLst>
+                              <p:cond delay="0"/>
+                            </p:stCondLst>
+                            <p:childTnLst>
+                              <p:par>
+                                <p:cTn id="5" presetID="10" presetClass="entr" presetSubtype="0" fill="hold" nodeType="clickEffect">
+                                  <p:stCondLst>
+                                    <p:cond delay="0"/>
+                                  </p:stCondLst>
+                                  <p:childTnLst>
+                                    <p:set>
+                                      <p:cBhvr>
+                                        <p:cTn id="6" dur="1" fill="hold">
+                                          <p:stCondLst>
+                                            <p:cond delay="0"/>
+                                          </p:stCondLst>
+                                        </p:cTn>
+                                        <p:tgtEl>
+                                          <p:spTgt spid="7">
+                                            <p:txEl>
+                                              <p:pRg st="0" end="0"/>
+                                            </p:txEl>
+                                          </p:spTgt>
+                                        </p:tgtEl>
+                                        <p:attrNameLst>
+                                          <p:attrName>style.visibility</p:attrName>
+                                        </p:attrNameLst>
+                                      </p:cBhvr>
+                                      <p:to>
+                                        <p:strVal val="visible"/>
+                                      </p:to>
+                                    </p:set>
+                                    <p:animEffect transition="in" filter="fade">
+                                      <p:cBhvr>
+                                        <p:cTn id="7" dur="500"/>
+                                        <p:tgtEl>
+                                          <p:spTgt spid="7">
+                                            <p:txEl>
+                                              <p:pRg st="0" end="0"/>
+                                            </p:txEl>
+                                          </p:spTgt>
+                                        </p:tgtEl>
+                                      </p:cBhvr>
+                                    </p:animEffect>
+                                  </p:childTnLst>
+                                </p:cTn>
+                              </p:par>
+                            </p:childTnLst>
+                          </p:cTn>
+                        </p:par>
+                      </p:childTnLst>
+                    </p:cTn>
+                  </p:par>
+                  <p:par>
+                    <p:cTn id="8" fill="hold">
+                      <p:stCondLst>
+                        <p:cond delay="indefinite"/>
+                      </p:stCondLst>
+                      <p:childTnLst>
+                        <p:par>
+                          <p:cTn id="9" fill="hold">
+                            <p:stCondLst>
+                              <p:cond delay="0"/>
+                            </p:stCondLst>
+                            <p:childTnLst>
+                              <p:par>
+                                <p:cTn id="10" presetID="10" presetClass="entr" presetSubtype="0" fill="hold" nodeType="clickEffect">
+                                  <p:stCondLst>
+                                    <p:cond delay="0"/>
+                                  </p:stCondLst>
+                                  <p:childTnLst>
+                                    <p:set>
+                                      <p:cBhvr>
+                                        <p:cTn id="11" dur="1" fill="hold">
+                                          <p:stCondLst>
+                                            <p:cond delay="0"/>
+                                          </p:stCondLst>
+                                        </p:cTn>
+                                        <p:tgtEl>
+                                          <p:spTgt spid="7">
+                                            <p:txEl>
+                                              <p:pRg st="2" end="2"/>
+                                            </p:txEl>
+                                          </p:spTgt>
+                                        </p:tgtEl>
+                                        <p:attrNameLst>
+                                          <p:attrName>style.visibility</p:attrName>
+                                        </p:attrNameLst>
+                                      </p:cBhvr>
+                                      <p:to>
+                                        <p:strVal val="visible"/>
+                                      </p:to>
+                                    </p:set>
+                                    <p:animEffect transition="in" filter="fade">
+                                      <p:cBhvr>
+                                        <p:cTn id="12" dur="500"/>
+                                        <p:tgtEl>
+                                          <p:spTgt spid="7">
+                                            <p:txEl>
+                                              <p:pRg st="2" end="2"/>
+                                            </p:txEl>
+                                          </p:spTgt>
+                                        </p:tgtEl>
+                                      </p:cBhvr>
+                                    </p:animEffect>
+                                  </p:childTnLst>
+                                </p:cTn>
+                              </p:par>
+                            </p:childTnLst>
+                          </p:cTn>
+                        </p:par>
+                      </p:childTnLst>
+                    </p:cTn>
+                  </p:par>
+                  <p:par>
+                    <p:cTn id="13" fill="hold">
+                      <p:stCondLst>
+                        <p:cond delay="indefinite"/>
+                      </p:stCondLst>
+                      <p:childTnLst>
+                        <p:par>
+                          <p:cTn id="14" fill="hold">
+                            <p:stCondLst>
+                              <p:cond delay="0"/>
+                            </p:stCondLst>
+                            <p:childTnLst>
+                              <p:par>
+                                <p:cTn id="15" presetID="10" presetClass="entr" presetSubtype="0" fill="hold" nodeType="clickEffect">
+                                  <p:stCondLst>
+                                    <p:cond delay="0"/>
+                                  </p:stCondLst>
+                                  <p:childTnLst>
+                                    <p:set>
+                                      <p:cBhvr>
+                                        <p:cTn id="16" dur="1" fill="hold">
+                                          <p:stCondLst>
+                                            <p:cond delay="0"/>
+                                          </p:stCondLst>
+                                        </p:cTn>
+                                        <p:tgtEl>
+                                          <p:spTgt spid="7">
+                                            <p:txEl>
+                                              <p:pRg st="4" end="4"/>
+                                            </p:txEl>
+                                          </p:spTgt>
+                                        </p:tgtEl>
+                                        <p:attrNameLst>
+                                          <p:attrName>style.visibility</p:attrName>
+                                        </p:attrNameLst>
+                                      </p:cBhvr>
+                                      <p:to>
+                                        <p:strVal val="visible"/>
+                                      </p:to>
+                                    </p:set>
+                                    <p:animEffect transition="in" filter="fade">
+                                      <p:cBhvr>
+                                        <p:cTn id="17" dur="500"/>
+                                        <p:tgtEl>
+                                          <p:spTgt spid="7">
+                                            <p:txEl>
+                                              <p:pRg st="4" end="4"/>
+                                            </p:txEl>
+                                          </p:spTgt>
+                                        </p:tgtEl>
+                                      </p:cBhvr>
+                                    </p:animEffect>
+                                  </p:childTnLst>
+                                </p:cTn>
+                              </p:par>
+                            </p:childTnLst>
+                          </p:cTn>
+                        </p:par>
+                      </p:childTnLst>
+                    </p:cTn>
+                  </p:par>
+                  <p:par>
+                    <p:cTn id="18" fill="hold">
+                      <p:stCondLst>
+                        <p:cond delay="indefinite"/>
+                      </p:stCondLst>
+                      <p:childTnLst>
+                        <p:par>
+                          <p:cTn id="19" fill="hold">
+                            <p:stCondLst>
+                              <p:cond delay="0"/>
+                            </p:stCondLst>
+                            <p:childTnLst>
+                              <p:par>
+                                <p:cTn id="20" presetID="10" presetClass="entr" presetSubtype="0" fill="hold" nodeType="clickEffect">
+                                  <p:stCondLst>
+                                    <p:cond delay="0"/>
+                                  </p:stCondLst>
+                                  <p:childTnLst>
+                                    <p:set>
+                                      <p:cBhvr>
+                                        <p:cTn id="21" dur="1" fill="hold">
+                                          <p:stCondLst>
+                                            <p:cond delay="0"/>
+                                          </p:stCondLst>
+                                        </p:cTn>
+                                        <p:tgtEl>
+                                          <p:spTgt spid="7">
+                                            <p:txEl>
+                                              <p:pRg st="6" end="6"/>
+                                            </p:txEl>
+                                          </p:spTgt>
+                                        </p:tgtEl>
+                                        <p:attrNameLst>
+                                          <p:attrName>style.visibility</p:attrName>
+                                        </p:attrNameLst>
+                                      </p:cBhvr>
+                                      <p:to>
+                                        <p:strVal val="visible"/>
+                                      </p:to>
+                                    </p:set>
+                                    <p:animEffect transition="in" filter="fade">
+                                      <p:cBhvr>
+                                        <p:cTn id="22" dur="500"/>
+                                        <p:tgtEl>
+                                          <p:spTgt spid="7">
+                                            <p:txEl>
+                                              <p:pRg st="6" end="6"/>
+                                            </p:txEl>
+                                          </p:spTgt>
+                                        </p:tgtEl>
+                                      </p:cBhvr>
+                                    </p:animEffect>
+                                  </p:childTnLst>
+                                </p:cTn>
+                              </p:par>
+                            </p:childTnLst>
+                          </p:cTn>
+                        </p:par>
+                      </p:childTnLst>
+                    </p:cTn>
+                  </p:par>
+                </p:childTnLst>
+              </p:cTn>
+              <p:prevCondLst>
+                <p:cond evt="onPrev" delay="0">
+                  <p:tgtEl>
+                    <p:sldTgt/>
+                  </p:tgtEl>
+                </p:cond>
+              </p:prevCondLst>
+              <p:nextCondLst>
+                <p:cond evt="onNext" delay="0">
+                  <p:tgtEl>
+                    <p:sldTgt/>
+                  </p:tgtEl>
+                </p:cond>
+              </p:nextCondLst>
+            </p:seq>
+          </p:childTnLst>
+        </p:cTn>
+      </p:par>
+    </p:tnLst>
+  </p:timing>
+</p:sld>
+</file>
+
+<file path=ppt/slides/slide22.xml><?xml version="1.0" encoding="utf-8"?>
+<p:sld xmlns:a="http://schemas.openxmlformats.org/drawingml/2006/main" xmlns:r="http://schemas.openxmlformats.org/officeDocument/2006/relationships" xmlns:p="http://schemas.openxmlformats.org/presentationml/2006/main">
+  <p:cSld>
+    <p:spTree>
+      <p:nvGrpSpPr>
+        <p:cNvPr id="1" name=""/>
+        <p:cNvGrpSpPr/>
+        <p:nvPr/>
+      </p:nvGrpSpPr>
+      <p:grpSpPr>
+        <a:xfrm>
+          <a:off x="0" y="0"/>
+          <a:ext cx="0" cy="0"/>
+          <a:chOff x="0" y="0"/>
+          <a:chExt cx="0" cy="0"/>
+        </a:xfrm>
+      </p:grpSpPr>
+      <p:sp>
+        <p:nvSpPr>
+          <p:cNvPr id="2" name="Title 1"/>
+          <p:cNvSpPr>
+            <a:spLocks noGrp="1"/>
+          </p:cNvSpPr>
+          <p:nvPr>
+            <p:ph type="title"/>
+          </p:nvPr>
+        </p:nvSpPr>
+        <p:spPr/>
+        <p:txBody>
+          <a:bodyPr/>
+          <a:lstStyle/>
+          <a:p>
+            <a:r>
+              <a:rPr lang="en-US" dirty="0" smtClean="0"/>
+              <a:t>Add Executable Target</a:t>
+            </a:r>
+            <a:endParaRPr lang="en-US" dirty="0"/>
+          </a:p>
+        </p:txBody>
+      </p:sp>
+      <p:sp>
+        <p:nvSpPr>
+          <p:cNvPr id="4" name="Date Placeholder 3"/>
+          <p:cNvSpPr>
+            <a:spLocks noGrp="1"/>
+          </p:cNvSpPr>
+          <p:nvPr>
+            <p:ph type="dt" sz="half" idx="2"/>
+          </p:nvPr>
+        </p:nvSpPr>
+        <p:spPr/>
+        <p:txBody>
+          <a:bodyPr/>
+          <a:lstStyle/>
+          <a:p>
+            <a:r>
+              <a:rPr lang="en-US" smtClean="0"/>
+              <a:t>10/21/2011</a:t>
+            </a:r>
+            <a:endParaRPr lang="en-US" dirty="0"/>
+          </a:p>
+        </p:txBody>
+      </p:sp>
+      <p:sp>
+        <p:nvSpPr>
+          <p:cNvPr id="5" name="Footer Placeholder 4"/>
+          <p:cNvSpPr>
+            <a:spLocks noGrp="1"/>
+          </p:cNvSpPr>
+          <p:nvPr>
+            <p:ph type="ftr" sz="quarter" idx="3"/>
+          </p:nvPr>
+        </p:nvSpPr>
+        <p:spPr/>
+        <p:txBody>
+          <a:bodyPr/>
+          <a:lstStyle/>
+          <a:p>
+            <a:r>
+              <a:rPr lang="en-US" smtClean="0"/>
+              <a:t>Getting Started        Copyright (c) 2011 University of Pennsylvania. All rights reserved.</a:t>
+            </a:r>
+            <a:endParaRPr lang="en-US" dirty="0"/>
+          </a:p>
+        </p:txBody>
+      </p:sp>
+      <p:sp>
+        <p:nvSpPr>
+          <p:cNvPr id="6" name="Slide Number Placeholder 5"/>
+          <p:cNvSpPr>
+            <a:spLocks noGrp="1"/>
+          </p:cNvSpPr>
+          <p:nvPr>
+            <p:ph type="sldNum" sz="quarter" idx="4"/>
+          </p:nvPr>
+        </p:nvSpPr>
+        <p:spPr/>
+        <p:txBody>
+          <a:bodyPr/>
+          <a:lstStyle/>
+          <a:p>
+            <a:fld id="{93682E96-E16A-4EC4-A9C4-BF3FFE98BFA7}" type="slidenum">
+              <a:rPr lang="en-US" smtClean="0"/>
+              <a:pPr/>
+              <a:t>22</a:t>
+            </a:fld>
+            <a:endParaRPr lang="en-US"/>
+          </a:p>
+        </p:txBody>
+      </p:sp>
+      <p:sp>
+        <p:nvSpPr>
+          <p:cNvPr id="7" name="Content Placeholder 2"/>
+          <p:cNvSpPr>
+            <a:spLocks noGrp="1"/>
+          </p:cNvSpPr>
+          <p:nvPr>
+            <p:ph idx="1"/>
+          </p:nvPr>
+        </p:nvSpPr>
+        <p:spPr/>
+        <p:txBody>
+          <a:bodyPr>
+            <a:normAutofit/>
+          </a:bodyPr>
+          <a:lstStyle/>
+          <a:p>
+            <a:r>
+              <a:rPr lang="en-US" sz="2400" dirty="0" smtClean="0"/>
+              <a:t>Copy the </a:t>
+            </a:r>
+            <a:r>
+              <a:rPr lang="en-US" sz="2400" dirty="0" smtClean="0">
+                <a:latin typeface="Courier New" pitchFamily="49" charset="0"/>
+                <a:cs typeface="Courier New" pitchFamily="49" charset="0"/>
+              </a:rPr>
+              <a:t>helloc++.cxx</a:t>
+            </a:r>
+            <a:r>
+              <a:rPr lang="en-US" sz="2400" dirty="0" smtClean="0"/>
+              <a:t> file from the </a:t>
+            </a:r>
+            <a:r>
+              <a:rPr lang="en-US" sz="2400" dirty="0" smtClean="0">
+                <a:latin typeface="Courier New" pitchFamily="49" charset="0"/>
+                <a:cs typeface="Courier New" pitchFamily="49" charset="0"/>
+              </a:rPr>
+              <a:t>example/</a:t>
+            </a:r>
+            <a:r>
+              <a:rPr lang="en-US" sz="2400" dirty="0" err="1" smtClean="0">
+                <a:latin typeface="Courier New" pitchFamily="49" charset="0"/>
+                <a:cs typeface="Courier New" pitchFamily="49" charset="0"/>
+              </a:rPr>
+              <a:t>ressources</a:t>
+            </a:r>
+            <a:r>
+              <a:rPr lang="en-US" sz="2400" dirty="0" smtClean="0">
+                <a:latin typeface="Courier New" pitchFamily="49" charset="0"/>
+                <a:cs typeface="Courier New" pitchFamily="49" charset="0"/>
+              </a:rPr>
+              <a:t>/</a:t>
+            </a:r>
+            <a:r>
+              <a:rPr lang="en-US" sz="2400" dirty="0" smtClean="0">
+                <a:cs typeface="Courier New" pitchFamily="49" charset="0"/>
+              </a:rPr>
+              <a:t> directory of the BASIS installation to the </a:t>
+            </a:r>
+            <a:r>
+              <a:rPr lang="en-US" sz="2400" dirty="0" err="1" smtClean="0">
+                <a:latin typeface="Courier New" pitchFamily="49" charset="0"/>
+                <a:cs typeface="Courier New" pitchFamily="49" charset="0"/>
+              </a:rPr>
+              <a:t>src</a:t>
+            </a:r>
+            <a:r>
+              <a:rPr lang="en-US" sz="2400" dirty="0" smtClean="0">
+                <a:latin typeface="Courier New" pitchFamily="49" charset="0"/>
+                <a:cs typeface="Courier New" pitchFamily="49" charset="0"/>
+              </a:rPr>
+              <a:t>/</a:t>
+            </a:r>
+            <a:r>
+              <a:rPr lang="en-US" sz="2400" dirty="0" smtClean="0">
+                <a:cs typeface="Courier New" pitchFamily="49" charset="0"/>
+              </a:rPr>
+              <a:t> subdirectory of your project:</a:t>
+            </a:r>
+          </a:p>
+          <a:p>
+            <a:endParaRPr lang="en-US" sz="2400" dirty="0" smtClean="0">
+              <a:cs typeface="Courier New" pitchFamily="49" charset="0"/>
+            </a:endParaRPr>
+          </a:p>
+          <a:p>
+            <a:pPr lvl="1">
+              <a:buFont typeface="Wingdings" pitchFamily="2" charset="2"/>
+              <a:buChar char="Ø"/>
+            </a:pPr>
+            <a:r>
+              <a:rPr lang="en-US" sz="2000" dirty="0" smtClean="0">
+                <a:latin typeface="Courier New" pitchFamily="49" charset="0"/>
+                <a:cs typeface="Courier New" pitchFamily="49" charset="0"/>
+              </a:rPr>
+              <a:t>cd ~/local/</a:t>
+            </a:r>
+            <a:r>
+              <a:rPr lang="en-US" sz="2000" dirty="0" err="1" smtClean="0">
+                <a:latin typeface="Courier New" pitchFamily="49" charset="0"/>
+                <a:cs typeface="Courier New" pitchFamily="49" charset="0"/>
+              </a:rPr>
+              <a:t>src</a:t>
+            </a:r>
+            <a:r>
+              <a:rPr lang="en-US" sz="2000" dirty="0" smtClean="0">
+                <a:latin typeface="Courier New" pitchFamily="49" charset="0"/>
+                <a:cs typeface="Courier New" pitchFamily="49" charset="0"/>
+              </a:rPr>
+              <a:t>/</a:t>
+            </a:r>
+            <a:r>
+              <a:rPr lang="en-US" sz="2000" dirty="0" err="1" smtClean="0">
+                <a:latin typeface="Courier New" pitchFamily="49" charset="0"/>
+                <a:cs typeface="Courier New" pitchFamily="49" charset="0"/>
+              </a:rPr>
+              <a:t>HelloBasis</a:t>
+            </a:r>
+            <a:r>
+              <a:rPr lang="en-US" sz="2000" dirty="0" smtClean="0">
+                <a:latin typeface="Courier New" pitchFamily="49" charset="0"/>
+                <a:cs typeface="Courier New" pitchFamily="49" charset="0"/>
+              </a:rPr>
+              <a:t>/</a:t>
+            </a:r>
+            <a:r>
+              <a:rPr lang="en-US" sz="2000" dirty="0" err="1" smtClean="0">
+                <a:latin typeface="Courier New" pitchFamily="49" charset="0"/>
+                <a:cs typeface="Courier New" pitchFamily="49" charset="0"/>
+              </a:rPr>
+              <a:t>src</a:t>
+            </a:r>
+            <a:endParaRPr lang="en-US" sz="2000" dirty="0" smtClean="0">
+              <a:latin typeface="Courier New" pitchFamily="49" charset="0"/>
+              <a:cs typeface="Courier New" pitchFamily="49" charset="0"/>
+            </a:endParaRPr>
+          </a:p>
+          <a:p>
+            <a:pPr lvl="1">
+              <a:buFont typeface="Wingdings" pitchFamily="2" charset="2"/>
+              <a:buChar char="Ø"/>
+            </a:pPr>
+            <a:r>
+              <a:rPr lang="en-US" sz="2000" dirty="0" err="1" smtClean="0">
+                <a:latin typeface="Courier New" pitchFamily="49" charset="0"/>
+                <a:cs typeface="Courier New" pitchFamily="49" charset="0"/>
+              </a:rPr>
+              <a:t>cp</a:t>
+            </a:r>
+            <a:r>
+              <a:rPr lang="en-US" sz="2000" dirty="0" smtClean="0">
+                <a:latin typeface="Courier New" pitchFamily="49" charset="0"/>
+                <a:cs typeface="Courier New" pitchFamily="49" charset="0"/>
+              </a:rPr>
+              <a:t> $BASIS_RSC_DIR/helloc++.cxx .</a:t>
+            </a:r>
+            <a:endParaRPr lang="en-US" sz="2000" dirty="0">
+              <a:latin typeface="Courier New" pitchFamily="49" charset="0"/>
+              <a:cs typeface="Courier New" pitchFamily="49" charset="0"/>
+            </a:endParaRPr>
+          </a:p>
+          <a:p>
+            <a:endParaRPr lang="en-US" sz="2400" dirty="0" smtClean="0">
+              <a:cs typeface="Courier New" pitchFamily="49" charset="0"/>
+            </a:endParaRPr>
+          </a:p>
+          <a:p>
+            <a:r>
+              <a:rPr lang="en-US" sz="2400" dirty="0" smtClean="0">
+                <a:cs typeface="Courier New" pitchFamily="49" charset="0"/>
+              </a:rPr>
+              <a:t>Edit the </a:t>
+            </a:r>
+            <a:r>
+              <a:rPr lang="en-US" sz="2400" dirty="0" smtClean="0">
+                <a:latin typeface="Courier New" pitchFamily="49" charset="0"/>
+                <a:cs typeface="Courier New" pitchFamily="49" charset="0"/>
+              </a:rPr>
+              <a:t>CMakeLists.txt</a:t>
+            </a:r>
+            <a:r>
+              <a:rPr lang="en-US" sz="2400" dirty="0" smtClean="0">
+                <a:cs typeface="Courier New" pitchFamily="49" charset="0"/>
+              </a:rPr>
+              <a:t> file in this directory and add the following lines under the section “executable target(s)”:</a:t>
+            </a:r>
+          </a:p>
+          <a:p>
+            <a:endParaRPr lang="en-US" sz="2400" dirty="0" smtClean="0">
+              <a:cs typeface="Courier New" pitchFamily="49" charset="0"/>
+            </a:endParaRPr>
+          </a:p>
+          <a:p>
+            <a:pPr lvl="1"/>
+            <a:r>
+              <a:rPr lang="en-US" sz="2000" dirty="0" err="1" smtClean="0">
+                <a:latin typeface="Courier New" pitchFamily="49" charset="0"/>
+                <a:cs typeface="Courier New" pitchFamily="49" charset="0"/>
+              </a:rPr>
+              <a:t>basis_add_executable</a:t>
+            </a:r>
+            <a:r>
+              <a:rPr lang="en-US" sz="2000" dirty="0" smtClean="0">
+                <a:latin typeface="Courier New" pitchFamily="49" charset="0"/>
+                <a:cs typeface="Courier New" pitchFamily="49" charset="0"/>
+              </a:rPr>
+              <a:t>(</a:t>
+            </a:r>
+            <a:r>
+              <a:rPr lang="en-US" sz="2000" dirty="0" err="1" smtClean="0">
+                <a:latin typeface="Courier New" pitchFamily="49" charset="0"/>
+                <a:cs typeface="Courier New" pitchFamily="49" charset="0"/>
+              </a:rPr>
+              <a:t>helloc</a:t>
+            </a:r>
+            <a:r>
+              <a:rPr lang="en-US" sz="2000" smtClean="0">
+                <a:latin typeface="Courier New" pitchFamily="49" charset="0"/>
+                <a:cs typeface="Courier New" pitchFamily="49" charset="0"/>
+              </a:rPr>
+              <a:t>++.cxx</a:t>
+            </a:r>
+            <a:r>
+              <a:rPr lang="en-US" sz="2000" dirty="0" smtClean="0">
+                <a:latin typeface="Courier New" pitchFamily="49" charset="0"/>
+                <a:cs typeface="Courier New" pitchFamily="49" charset="0"/>
+              </a:rPr>
+              <a:t>)</a:t>
+            </a:r>
+          </a:p>
+        </p:txBody>
+      </p:sp>
+    </p:spTree>
+    <p:extLst>
+      <p:ext uri="{BB962C8B-B14F-4D97-AF65-F5344CB8AC3E}">
+        <p14:creationId xmlns:p14="http://schemas.microsoft.com/office/powerpoint/2010/main" val="706448121"/>
+      </p:ext>
+    </p:extLst>
+  </p:cSld>
+  <p:clrMapOvr>
+    <a:masterClrMapping/>
+  </p:clrMapOvr>
+  <p:timing>
+    <p:tnLst>
+      <p:par>
+        <p:cTn id="1" dur="indefinite" restart="never" nodeType="tmRoot">
+          <p:childTnLst>
+            <p:seq concurrent="1" nextAc="seek">
+              <p:cTn id="2" dur="indefinite" nodeType="mainSeq">
+                <p:childTnLst>
+                  <p:par>
+                    <p:cTn id="3" fill="hold">
+                      <p:stCondLst>
+                        <p:cond delay="indefinite"/>
+                      </p:stCondLst>
+                      <p:childTnLst>
+                        <p:par>
+                          <p:cTn id="4" fill="hold">
+                            <p:stCondLst>
+                              <p:cond delay="0"/>
+                            </p:stCondLst>
+                            <p:childTnLst>
+                              <p:par>
+                                <p:cTn id="5" presetID="10" presetClass="entr" presetSubtype="0" fill="hold" nodeType="clickEffect">
+                                  <p:stCondLst>
+                                    <p:cond delay="0"/>
+                                  </p:stCondLst>
+                                  <p:childTnLst>
+                                    <p:set>
+                                      <p:cBhvr>
+                                        <p:cTn id="6" dur="1" fill="hold">
+                                          <p:stCondLst>
+                                            <p:cond delay="0"/>
+                                          </p:stCondLst>
+                                        </p:cTn>
+                                        <p:tgtEl>
+                                          <p:spTgt spid="7">
+                                            <p:txEl>
+                                              <p:pRg st="0" end="0"/>
+                                            </p:txEl>
+                                          </p:spTgt>
+                                        </p:tgtEl>
+                                        <p:attrNameLst>
+                                          <p:attrName>style.visibility</p:attrName>
+                                        </p:attrNameLst>
+                                      </p:cBhvr>
+                                      <p:to>
+                                        <p:strVal val="visible"/>
+                                      </p:to>
+                                    </p:set>
+                                    <p:animEffect transition="in" filter="fade">
+                                      <p:cBhvr>
+                                        <p:cTn id="7" dur="500"/>
+                                        <p:tgtEl>
+                                          <p:spTgt spid="7">
+                                            <p:txEl>
+                                              <p:pRg st="0" end="0"/>
+                                            </p:txEl>
+                                          </p:spTgt>
+                                        </p:tgtEl>
+                                      </p:cBhvr>
+                                    </p:animEffect>
+                                  </p:childTnLst>
+                                </p:cTn>
+                              </p:par>
+                            </p:childTnLst>
+                          </p:cTn>
+                        </p:par>
+                      </p:childTnLst>
+                    </p:cTn>
+                  </p:par>
+                  <p:par>
+                    <p:cTn id="8" fill="hold">
+                      <p:stCondLst>
+                        <p:cond delay="indefinite"/>
+                      </p:stCondLst>
+                      <p:childTnLst>
+                        <p:par>
+                          <p:cTn id="9" fill="hold">
+                            <p:stCondLst>
+                              <p:cond delay="0"/>
+                            </p:stCondLst>
+                            <p:childTnLst>
+                              <p:par>
+                                <p:cTn id="10" presetID="10" presetClass="entr" presetSubtype="0" fill="hold" nodeType="clickEffect">
+                                  <p:stCondLst>
+                                    <p:cond delay="0"/>
+                                  </p:stCondLst>
+                                  <p:childTnLst>
+                                    <p:set>
+                                      <p:cBhvr>
+                                        <p:cTn id="11" dur="1" fill="hold">
+                                          <p:stCondLst>
+                                            <p:cond delay="0"/>
+                                          </p:stCondLst>
+                                        </p:cTn>
+                                        <p:tgtEl>
+                                          <p:spTgt spid="7">
+                                            <p:txEl>
+                                              <p:pRg st="2" end="2"/>
+                                            </p:txEl>
+                                          </p:spTgt>
+                                        </p:tgtEl>
+                                        <p:attrNameLst>
+                                          <p:attrName>style.visibility</p:attrName>
+                                        </p:attrNameLst>
+                                      </p:cBhvr>
+                                      <p:to>
+                                        <p:strVal val="visible"/>
+                                      </p:to>
+                                    </p:set>
+                                    <p:animEffect transition="in" filter="fade">
+                                      <p:cBhvr>
+                                        <p:cTn id="12" dur="500"/>
+                                        <p:tgtEl>
+                                          <p:spTgt spid="7">
+                                            <p:txEl>
+                                              <p:pRg st="2" end="2"/>
+                                            </p:txEl>
+                                          </p:spTgt>
+                                        </p:tgtEl>
+                                      </p:cBhvr>
+                                    </p:animEffect>
+                                  </p:childTnLst>
+                                </p:cTn>
+                              </p:par>
+                            </p:childTnLst>
+                          </p:cTn>
+                        </p:par>
+                      </p:childTnLst>
+                    </p:cTn>
+                  </p:par>
+                  <p:par>
+                    <p:cTn id="13" fill="hold">
+                      <p:stCondLst>
+                        <p:cond delay="indefinite"/>
+                      </p:stCondLst>
+                      <p:childTnLst>
+                        <p:par>
+                          <p:cTn id="14" fill="hold">
+                            <p:stCondLst>
+                              <p:cond delay="0"/>
+                            </p:stCondLst>
+                            <p:childTnLst>
+                              <p:par>
+                                <p:cTn id="15" presetID="10" presetClass="entr" presetSubtype="0" fill="hold" nodeType="clickEffect">
+                                  <p:stCondLst>
+                                    <p:cond delay="0"/>
+                                  </p:stCondLst>
+                                  <p:childTnLst>
+                                    <p:set>
+                                      <p:cBhvr>
+                                        <p:cTn id="16" dur="1" fill="hold">
+                                          <p:stCondLst>
+                                            <p:cond delay="0"/>
+                                          </p:stCondLst>
+                                        </p:cTn>
+                                        <p:tgtEl>
+                                          <p:spTgt spid="7">
+                                            <p:txEl>
+                                              <p:pRg st="3" end="3"/>
+                                            </p:txEl>
+                                          </p:spTgt>
+                                        </p:tgtEl>
+                                        <p:attrNameLst>
+                                          <p:attrName>style.visibility</p:attrName>
+                                        </p:attrNameLst>
+                                      </p:cBhvr>
+                                      <p:to>
+                                        <p:strVal val="visible"/>
+                                      </p:to>
+                                    </p:set>
+                                    <p:animEffect transition="in" filter="fade">
+                                      <p:cBhvr>
+                                        <p:cTn id="17" dur="500"/>
+                                        <p:tgtEl>
+                                          <p:spTgt spid="7">
+                                            <p:txEl>
+                                              <p:pRg st="3" end="3"/>
+                                            </p:txEl>
+                                          </p:spTgt>
+                                        </p:tgtEl>
+                                      </p:cBhvr>
+                                    </p:animEffect>
+                                  </p:childTnLst>
+                                </p:cTn>
+                              </p:par>
+                            </p:childTnLst>
+                          </p:cTn>
+                        </p:par>
+                      </p:childTnLst>
+                    </p:cTn>
+                  </p:par>
+                  <p:par>
+                    <p:cTn id="18" fill="hold">
+                      <p:stCondLst>
+                        <p:cond delay="indefinite"/>
+                      </p:stCondLst>
+                      <p:childTnLst>
+                        <p:par>
+                          <p:cTn id="19" fill="hold">
+                            <p:stCondLst>
+                              <p:cond delay="0"/>
+                            </p:stCondLst>
+                            <p:childTnLst>
+                              <p:par>
+                                <p:cTn id="20" presetID="10" presetClass="entr" presetSubtype="0" fill="hold" nodeType="clickEffect">
+                                  <p:stCondLst>
+                                    <p:cond delay="0"/>
+                                  </p:stCondLst>
+                                  <p:childTnLst>
+                                    <p:set>
+                                      <p:cBhvr>
+                                        <p:cTn id="21" dur="1" fill="hold">
+                                          <p:stCondLst>
+                                            <p:cond delay="0"/>
+                                          </p:stCondLst>
+                                        </p:cTn>
+                                        <p:tgtEl>
+                                          <p:spTgt spid="7">
+                                            <p:txEl>
+                                              <p:pRg st="5" end="5"/>
+                                            </p:txEl>
+                                          </p:spTgt>
+                                        </p:tgtEl>
+                                        <p:attrNameLst>
+                                          <p:attrName>style.visibility</p:attrName>
+                                        </p:attrNameLst>
+                                      </p:cBhvr>
+                                      <p:to>
+                                        <p:strVal val="visible"/>
+                                      </p:to>
+                                    </p:set>
+                                    <p:animEffect transition="in" filter="fade">
+                                      <p:cBhvr>
+                                        <p:cTn id="22" dur="500"/>
+                                        <p:tgtEl>
+                                          <p:spTgt spid="7">
+                                            <p:txEl>
+                                              <p:pRg st="5" end="5"/>
+                                            </p:txEl>
+                                          </p:spTgt>
+                                        </p:tgtEl>
+                                      </p:cBhvr>
+                                    </p:animEffect>
+                                  </p:childTnLst>
+                                </p:cTn>
+                              </p:par>
+                            </p:childTnLst>
+                          </p:cTn>
+                        </p:par>
+                      </p:childTnLst>
+                    </p:cTn>
+                  </p:par>
+                  <p:par>
+                    <p:cTn id="23" fill="hold">
+                      <p:stCondLst>
+                        <p:cond delay="indefinite"/>
+                      </p:stCondLst>
+                      <p:childTnLst>
+                        <p:par>
+                          <p:cTn id="24" fill="hold">
+                            <p:stCondLst>
+                              <p:cond delay="0"/>
+                            </p:stCondLst>
+                            <p:childTnLst>
+                              <p:par>
+                                <p:cTn id="25" presetID="10" presetClass="entr" presetSubtype="0" fill="hold" nodeType="clickEffect">
+                                  <p:stCondLst>
+                                    <p:cond delay="0"/>
+                                  </p:stCondLst>
+                                  <p:childTnLst>
+                                    <p:set>
+                                      <p:cBhvr>
+                                        <p:cTn id="26" dur="1" fill="hold">
+                                          <p:stCondLst>
+                                            <p:cond delay="0"/>
+                                          </p:stCondLst>
+                                        </p:cTn>
+                                        <p:tgtEl>
+                                          <p:spTgt spid="7">
+                                            <p:txEl>
+                                              <p:pRg st="7" end="7"/>
+                                            </p:txEl>
+                                          </p:spTgt>
+                                        </p:tgtEl>
+                                        <p:attrNameLst>
+                                          <p:attrName>style.visibility</p:attrName>
+                                        </p:attrNameLst>
+                                      </p:cBhvr>
+                                      <p:to>
+                                        <p:strVal val="visible"/>
+                                      </p:to>
+                                    </p:set>
+                                    <p:animEffect transition="in" filter="fade">
+                                      <p:cBhvr>
+                                        <p:cTn id="27" dur="500"/>
+                                        <p:tgtEl>
+                                          <p:spTgt spid="7">
+                                            <p:txEl>
+                                              <p:pRg st="7" end="7"/>
+                                            </p:txEl>
+                                          </p:spTgt>
+                                        </p:tgtEl>
+                                      </p:cBhvr>
+                                    </p:animEffect>
+                                  </p:childTnLst>
+                                </p:cTn>
+                              </p:par>
+                            </p:childTnLst>
+                          </p:cTn>
+                        </p:par>
+                      </p:childTnLst>
+                    </p:cTn>
+                  </p:par>
+                </p:childTnLst>
+              </p:cTn>
+              <p:prevCondLst>
+                <p:cond evt="onPrev" delay="0">
+                  <p:tgtEl>
+                    <p:sldTgt/>
+                  </p:tgtEl>
+                </p:cond>
+              </p:prevCondLst>
+              <p:nextCondLst>
+                <p:cond evt="onNext" delay="0">
+                  <p:tgtEl>
+                    <p:sldTgt/>
+                  </p:tgtEl>
+                </p:cond>
+              </p:nextCondLst>
+            </p:seq>
+          </p:childTnLst>
+        </p:cTn>
+      </p:par>
+    </p:tnLst>
+  </p:timing>
+</p:sld>
+</file>
+
+<file path=ppt/slides/slide23.xml><?xml version="1.0" encoding="utf-8"?>
+<p:sld xmlns:a="http://schemas.openxmlformats.org/drawingml/2006/main" xmlns:r="http://schemas.openxmlformats.org/officeDocument/2006/relationships" xmlns:p="http://schemas.openxmlformats.org/presentationml/2006/main">
+  <p:cSld>
+    <p:spTree>
+      <p:nvGrpSpPr>
+        <p:cNvPr id="1" name=""/>
+        <p:cNvGrpSpPr/>
+        <p:nvPr/>
+      </p:nvGrpSpPr>
+      <p:grpSpPr>
+        <a:xfrm>
+          <a:off x="0" y="0"/>
+          <a:ext cx="0" cy="0"/>
+          <a:chOff x="0" y="0"/>
+          <a:chExt cx="0" cy="0"/>
+        </a:xfrm>
+      </p:grpSpPr>
+      <p:sp>
+        <p:nvSpPr>
+          <p:cNvPr id="2" name="Title 1"/>
+          <p:cNvSpPr>
+            <a:spLocks noGrp="1"/>
+          </p:cNvSpPr>
+          <p:nvPr>
+            <p:ph type="title"/>
+          </p:nvPr>
+        </p:nvSpPr>
+        <p:spPr/>
+        <p:txBody>
+          <a:bodyPr/>
+          <a:lstStyle/>
+          <a:p>
+            <a:r>
+              <a:rPr lang="en-US" dirty="0" smtClean="0"/>
+              <a:t>Add Executable Target</a:t>
+            </a:r>
+            <a:endParaRPr lang="en-US" dirty="0"/>
+          </a:p>
+        </p:txBody>
+      </p:sp>
+      <p:sp>
+        <p:nvSpPr>
+          <p:cNvPr id="4" name="Date Placeholder 3"/>
+          <p:cNvSpPr>
+            <a:spLocks noGrp="1"/>
+          </p:cNvSpPr>
+          <p:nvPr>
+            <p:ph type="dt" sz="half" idx="2"/>
+          </p:nvPr>
+        </p:nvSpPr>
+        <p:spPr/>
+        <p:txBody>
+          <a:bodyPr/>
+          <a:lstStyle/>
+          <a:p>
+            <a:r>
+              <a:rPr lang="en-US" smtClean="0"/>
+              <a:t>10/21/2011</a:t>
+            </a:r>
+            <a:endParaRPr lang="en-US" dirty="0"/>
+          </a:p>
+        </p:txBody>
+      </p:sp>
+      <p:sp>
+        <p:nvSpPr>
+          <p:cNvPr id="5" name="Footer Placeholder 4"/>
+          <p:cNvSpPr>
+            <a:spLocks noGrp="1"/>
+          </p:cNvSpPr>
+          <p:nvPr>
+            <p:ph type="ftr" sz="quarter" idx="3"/>
+          </p:nvPr>
+        </p:nvSpPr>
+        <p:spPr/>
+        <p:txBody>
+          <a:bodyPr/>
+          <a:lstStyle/>
+          <a:p>
+            <a:r>
+              <a:rPr lang="en-US" smtClean="0"/>
+              <a:t>Getting Started        Copyright (c) 2011 University of Pennsylvania. All rights reserved.</a:t>
+            </a:r>
+            <a:endParaRPr lang="en-US" dirty="0"/>
+          </a:p>
+        </p:txBody>
+      </p:sp>
+      <p:sp>
+        <p:nvSpPr>
+          <p:cNvPr id="6" name="Slide Number Placeholder 5"/>
+          <p:cNvSpPr>
+            <a:spLocks noGrp="1"/>
+          </p:cNvSpPr>
+          <p:nvPr>
+            <p:ph type="sldNum" sz="quarter" idx="4"/>
+          </p:nvPr>
+        </p:nvSpPr>
+        <p:spPr/>
+        <p:txBody>
+          <a:bodyPr/>
+          <a:lstStyle/>
+          <a:p>
+            <a:fld id="{93682E96-E16A-4EC4-A9C4-BF3FFE98BFA7}" type="slidenum">
+              <a:rPr lang="en-US" smtClean="0"/>
+              <a:pPr/>
+              <a:t>23</a:t>
+            </a:fld>
+            <a:endParaRPr lang="en-US"/>
+          </a:p>
+        </p:txBody>
+      </p:sp>
+      <p:sp>
+        <p:nvSpPr>
+          <p:cNvPr id="7" name="Content Placeholder 2"/>
+          <p:cNvSpPr>
+            <a:spLocks noGrp="1"/>
+          </p:cNvSpPr>
+          <p:nvPr>
+            <p:ph idx="1"/>
+          </p:nvPr>
+        </p:nvSpPr>
+        <p:spPr/>
+        <p:txBody>
+          <a:bodyPr>
+            <a:normAutofit fontScale="85000" lnSpcReduction="10000"/>
+          </a:bodyPr>
+          <a:lstStyle/>
+          <a:p>
+            <a:r>
+              <a:rPr lang="en-US" sz="2400" dirty="0" smtClean="0"/>
+              <a:t>Alternatively, you can use the implementations of this Hello World! program in Python, Perl, BASH or MATLAB, respectively, i.e., use the source file </a:t>
+            </a:r>
+            <a:r>
+              <a:rPr lang="en-US" sz="2400" dirty="0" smtClean="0">
+                <a:latin typeface="Courier New" pitchFamily="49" charset="0"/>
+                <a:cs typeface="Courier New" pitchFamily="49" charset="0"/>
+              </a:rPr>
+              <a:t>hellopython.py</a:t>
+            </a:r>
+            <a:r>
+              <a:rPr lang="en-US" sz="2400" dirty="0" smtClean="0"/>
+              <a:t>, </a:t>
+            </a:r>
+            <a:r>
+              <a:rPr lang="en-US" sz="2400" dirty="0" smtClean="0">
+                <a:latin typeface="Courier New" pitchFamily="49" charset="0"/>
+                <a:cs typeface="Courier New" pitchFamily="49" charset="0"/>
+              </a:rPr>
+              <a:t>helloperl.pl</a:t>
+            </a:r>
+            <a:r>
+              <a:rPr lang="en-US" sz="2400" dirty="0" smtClean="0"/>
+              <a:t>, </a:t>
+            </a:r>
+            <a:r>
+              <a:rPr lang="en-US" sz="2400" dirty="0" smtClean="0">
+                <a:latin typeface="Courier New" pitchFamily="49" charset="0"/>
+                <a:cs typeface="Courier New" pitchFamily="49" charset="0"/>
+              </a:rPr>
+              <a:t>hellobash.sh</a:t>
+            </a:r>
+            <a:r>
+              <a:rPr lang="en-US" sz="2400" dirty="0" smtClean="0"/>
+              <a:t>, or </a:t>
+            </a:r>
+            <a:r>
+              <a:rPr lang="en-US" sz="2400" dirty="0" err="1" smtClean="0">
+                <a:latin typeface="Courier New" pitchFamily="49" charset="0"/>
+                <a:cs typeface="Courier New" pitchFamily="49" charset="0"/>
+              </a:rPr>
+              <a:t>hellomatlab.m</a:t>
+            </a:r>
+            <a:r>
+              <a:rPr lang="en-US" sz="2400" dirty="0" smtClean="0"/>
+              <a:t>, respectively.</a:t>
+            </a:r>
+          </a:p>
+          <a:p>
+            <a:endParaRPr lang="en-US" sz="2400" dirty="0" smtClean="0"/>
+          </a:p>
+          <a:p>
+            <a:r>
+              <a:rPr lang="en-US" sz="2400" dirty="0" smtClean="0"/>
+              <a:t>In case of MATLAB, we also need to add a dependency on MATLAB before we can build </a:t>
+            </a:r>
+            <a:r>
+              <a:rPr lang="en-US" sz="2400" dirty="0" err="1" smtClean="0"/>
+              <a:t>executables</a:t>
+            </a:r>
+            <a:r>
+              <a:rPr lang="en-US" sz="2400" dirty="0" smtClean="0"/>
+              <a:t> using the MATLAB Compiler.</a:t>
+            </a:r>
+          </a:p>
+          <a:p>
+            <a:endParaRPr lang="en-US" sz="2400" dirty="0">
+              <a:latin typeface="Courier New" pitchFamily="49" charset="0"/>
+              <a:cs typeface="Courier New" pitchFamily="49" charset="0"/>
+            </a:endParaRPr>
+          </a:p>
+          <a:p>
+            <a:r>
+              <a:rPr lang="en-US" sz="2400" dirty="0" smtClean="0">
+                <a:cs typeface="Courier New" pitchFamily="49" charset="0"/>
+              </a:rPr>
+              <a:t>If you have MATLAB with a license for the MATLAB Compiler available on your system, follow the steps on the next slide, otherwise you may skip these.</a:t>
+            </a:r>
+          </a:p>
+          <a:p>
+            <a:endParaRPr lang="en-US" sz="2400" dirty="0">
+              <a:cs typeface="Courier New" pitchFamily="49" charset="0"/>
+            </a:endParaRPr>
+          </a:p>
+          <a:p>
+            <a:r>
+              <a:rPr lang="en-US" sz="2400" dirty="0" smtClean="0">
+                <a:cs typeface="Courier New" pitchFamily="49" charset="0"/>
+              </a:rPr>
+              <a:t>Note, however, the use of the </a:t>
+            </a:r>
+            <a:r>
+              <a:rPr lang="en-US" sz="2400" dirty="0" smtClean="0">
+                <a:latin typeface="Courier New" pitchFamily="49" charset="0"/>
+                <a:cs typeface="Courier New" pitchFamily="49" charset="0"/>
+              </a:rPr>
+              <a:t>--</a:t>
+            </a:r>
+            <a:r>
+              <a:rPr lang="en-US" sz="2400" dirty="0" err="1" smtClean="0">
+                <a:latin typeface="Courier New" pitchFamily="49" charset="0"/>
+                <a:cs typeface="Courier New" pitchFamily="49" charset="0"/>
+              </a:rPr>
+              <a:t>useopt</a:t>
+            </a:r>
+            <a:r>
+              <a:rPr lang="en-US" sz="2400" dirty="0" smtClean="0">
+                <a:cs typeface="Courier New" pitchFamily="49" charset="0"/>
+              </a:rPr>
+              <a:t> option to </a:t>
+            </a:r>
+            <a:r>
+              <a:rPr lang="en-US" sz="2400" dirty="0" err="1" smtClean="0">
+                <a:latin typeface="Courier New" pitchFamily="49" charset="0"/>
+                <a:cs typeface="Courier New" pitchFamily="49" charset="0"/>
+              </a:rPr>
+              <a:t>basisproject</a:t>
+            </a:r>
+            <a:r>
+              <a:rPr lang="en-US" sz="2400" dirty="0" smtClean="0">
+                <a:cs typeface="Courier New" pitchFamily="49" charset="0"/>
+              </a:rPr>
+              <a:t> and </a:t>
+            </a:r>
+            <a:r>
+              <a:rPr lang="en-US" sz="2400" dirty="0" smtClean="0">
+                <a:latin typeface="Courier New" pitchFamily="49" charset="0"/>
+                <a:cs typeface="Courier New" pitchFamily="49" charset="0"/>
+              </a:rPr>
+              <a:t>MATLAB_MCC_EXECUTABLE</a:t>
+            </a:r>
+            <a:r>
+              <a:rPr lang="en-US" sz="2400" dirty="0" smtClean="0">
+                <a:cs typeface="Courier New" pitchFamily="49" charset="0"/>
+              </a:rPr>
+              <a:t> variable. Thus, if the MATLAB Compiler is not installed on your system, this executable target will simply not be build.</a:t>
+            </a:r>
+          </a:p>
+        </p:txBody>
+      </p:sp>
+    </p:spTree>
+    <p:extLst>
+      <p:ext uri="{BB962C8B-B14F-4D97-AF65-F5344CB8AC3E}">
+        <p14:creationId xmlns:p14="http://schemas.microsoft.com/office/powerpoint/2010/main" val="3861793514"/>
+      </p:ext>
+    </p:extLst>
+  </p:cSld>
+  <p:clrMapOvr>
+    <a:masterClrMapping/>
+  </p:clrMapOvr>
+  <p:timing>
+    <p:tnLst>
+      <p:par>
+        <p:cTn id="1" dur="indefinite" restart="never" nodeType="tmRoot">
+          <p:childTnLst>
+            <p:seq concurrent="1" nextAc="seek">
+              <p:cTn id="2" dur="indefinite" nodeType="mainSeq">
+                <p:childTnLst>
+                  <p:par>
+                    <p:cTn id="3" fill="hold">
+                      <p:stCondLst>
+                        <p:cond delay="indefinite"/>
+                      </p:stCondLst>
+                      <p:childTnLst>
+                        <p:par>
+                          <p:cTn id="4" fill="hold">
+                            <p:stCondLst>
+                              <p:cond delay="0"/>
+                            </p:stCondLst>
+                            <p:childTnLst>
+                              <p:par>
+                                <p:cTn id="5" presetID="10" presetClass="entr" presetSubtype="0" fill="hold" nodeType="clickEffect">
+                                  <p:stCondLst>
+                                    <p:cond delay="0"/>
+                                  </p:stCondLst>
+                                  <p:childTnLst>
+                                    <p:set>
+                                      <p:cBhvr>
+                                        <p:cTn id="6" dur="1" fill="hold">
+                                          <p:stCondLst>
+                                            <p:cond delay="0"/>
+                                          </p:stCondLst>
+                                        </p:cTn>
+                                        <p:tgtEl>
+                                          <p:spTgt spid="7">
+                                            <p:txEl>
+                                              <p:pRg st="0" end="0"/>
+                                            </p:txEl>
+                                          </p:spTgt>
+                                        </p:tgtEl>
+                                        <p:attrNameLst>
+                                          <p:attrName>style.visibility</p:attrName>
+                                        </p:attrNameLst>
+                                      </p:cBhvr>
+                                      <p:to>
+                                        <p:strVal val="visible"/>
+                                      </p:to>
+                                    </p:set>
+                                    <p:animEffect transition="in" filter="fade">
+                                      <p:cBhvr>
+                                        <p:cTn id="7" dur="500"/>
+                                        <p:tgtEl>
+                                          <p:spTgt spid="7">
+                                            <p:txEl>
+                                              <p:pRg st="0" end="0"/>
+                                            </p:txEl>
+                                          </p:spTgt>
+                                        </p:tgtEl>
+                                      </p:cBhvr>
+                                    </p:animEffect>
+                                  </p:childTnLst>
+                                </p:cTn>
+                              </p:par>
+                            </p:childTnLst>
+                          </p:cTn>
+                        </p:par>
+                      </p:childTnLst>
+                    </p:cTn>
+                  </p:par>
+                  <p:par>
+                    <p:cTn id="8" fill="hold">
+                      <p:stCondLst>
+                        <p:cond delay="indefinite"/>
+                      </p:stCondLst>
+                      <p:childTnLst>
+                        <p:par>
+                          <p:cTn id="9" fill="hold">
+                            <p:stCondLst>
+                              <p:cond delay="0"/>
+                            </p:stCondLst>
+                            <p:childTnLst>
+                              <p:par>
+                                <p:cTn id="10" presetID="10" presetClass="entr" presetSubtype="0" fill="hold" nodeType="clickEffect">
+                                  <p:stCondLst>
+                                    <p:cond delay="0"/>
+                                  </p:stCondLst>
+                                  <p:childTnLst>
+                                    <p:set>
+                                      <p:cBhvr>
+                                        <p:cTn id="11" dur="1" fill="hold">
+                                          <p:stCondLst>
+                                            <p:cond delay="0"/>
+                                          </p:stCondLst>
+                                        </p:cTn>
+                                        <p:tgtEl>
+                                          <p:spTgt spid="7">
+                                            <p:txEl>
+                                              <p:pRg st="2" end="2"/>
+                                            </p:txEl>
+                                          </p:spTgt>
+                                        </p:tgtEl>
+                                        <p:attrNameLst>
+                                          <p:attrName>style.visibility</p:attrName>
+                                        </p:attrNameLst>
+                                      </p:cBhvr>
+                                      <p:to>
+                                        <p:strVal val="visible"/>
+                                      </p:to>
+                                    </p:set>
+                                    <p:animEffect transition="in" filter="fade">
+                                      <p:cBhvr>
+                                        <p:cTn id="12" dur="500"/>
+                                        <p:tgtEl>
+                                          <p:spTgt spid="7">
+                                            <p:txEl>
+                                              <p:pRg st="2" end="2"/>
+                                            </p:txEl>
+                                          </p:spTgt>
+                                        </p:tgtEl>
+                                      </p:cBhvr>
+                                    </p:animEffect>
+                                  </p:childTnLst>
+                                </p:cTn>
+                              </p:par>
+                            </p:childTnLst>
+                          </p:cTn>
+                        </p:par>
+                      </p:childTnLst>
+                    </p:cTn>
+                  </p:par>
+                  <p:par>
+                    <p:cTn id="13" fill="hold">
+                      <p:stCondLst>
+                        <p:cond delay="indefinite"/>
+                      </p:stCondLst>
+                      <p:childTnLst>
+                        <p:par>
+                          <p:cTn id="14" fill="hold">
+                            <p:stCondLst>
+                              <p:cond delay="0"/>
+                            </p:stCondLst>
+                            <p:childTnLst>
+                              <p:par>
+                                <p:cTn id="15" presetID="10" presetClass="entr" presetSubtype="0" fill="hold" nodeType="clickEffect">
+                                  <p:stCondLst>
+                                    <p:cond delay="0"/>
+                                  </p:stCondLst>
+                                  <p:childTnLst>
+                                    <p:set>
+                                      <p:cBhvr>
+                                        <p:cTn id="16" dur="1" fill="hold">
+                                          <p:stCondLst>
+                                            <p:cond delay="0"/>
+                                          </p:stCondLst>
+                                        </p:cTn>
+                                        <p:tgtEl>
+                                          <p:spTgt spid="7">
+                                            <p:txEl>
+                                              <p:pRg st="4" end="4"/>
+                                            </p:txEl>
+                                          </p:spTgt>
+                                        </p:tgtEl>
+                                        <p:attrNameLst>
+                                          <p:attrName>style.visibility</p:attrName>
+                                        </p:attrNameLst>
+                                      </p:cBhvr>
+                                      <p:to>
+                                        <p:strVal val="visible"/>
+                                      </p:to>
+                                    </p:set>
+                                    <p:animEffect transition="in" filter="fade">
+                                      <p:cBhvr>
+                                        <p:cTn id="17" dur="500"/>
+                                        <p:tgtEl>
+                                          <p:spTgt spid="7">
+                                            <p:txEl>
+                                              <p:pRg st="4" end="4"/>
+                                            </p:txEl>
+                                          </p:spTgt>
+                                        </p:tgtEl>
+                                      </p:cBhvr>
+                                    </p:animEffect>
+                                  </p:childTnLst>
+                                </p:cTn>
+                              </p:par>
+                            </p:childTnLst>
+                          </p:cTn>
+                        </p:par>
+                      </p:childTnLst>
+                    </p:cTn>
+                  </p:par>
+                  <p:par>
+                    <p:cTn id="18" fill="hold">
+                      <p:stCondLst>
+                        <p:cond delay="indefinite"/>
+                      </p:stCondLst>
+                      <p:childTnLst>
+                        <p:par>
+                          <p:cTn id="19" fill="hold">
+                            <p:stCondLst>
+                              <p:cond delay="0"/>
+                            </p:stCondLst>
+                            <p:childTnLst>
+                              <p:par>
+                                <p:cTn id="20" presetID="10" presetClass="entr" presetSubtype="0" fill="hold" nodeType="clickEffect">
+                                  <p:stCondLst>
+                                    <p:cond delay="0"/>
+                                  </p:stCondLst>
+                                  <p:childTnLst>
+                                    <p:set>
+                                      <p:cBhvr>
+                                        <p:cTn id="21" dur="1" fill="hold">
+                                          <p:stCondLst>
+                                            <p:cond delay="0"/>
+                                          </p:stCondLst>
+                                        </p:cTn>
+                                        <p:tgtEl>
+                                          <p:spTgt spid="7">
+                                            <p:txEl>
+                                              <p:pRg st="6" end="6"/>
+                                            </p:txEl>
+                                          </p:spTgt>
+                                        </p:tgtEl>
+                                        <p:attrNameLst>
+                                          <p:attrName>style.visibility</p:attrName>
+                                        </p:attrNameLst>
+                                      </p:cBhvr>
+                                      <p:to>
+                                        <p:strVal val="visible"/>
+                                      </p:to>
+                                    </p:set>
+                                    <p:animEffect transition="in" filter="fade">
+                                      <p:cBhvr>
+                                        <p:cTn id="22" dur="500"/>
+                                        <p:tgtEl>
+                                          <p:spTgt spid="7">
+                                            <p:txEl>
+                                              <p:pRg st="6" end="6"/>
+                                            </p:txEl>
+                                          </p:spTgt>
+                                        </p:tgtEl>
+                                      </p:cBhvr>
+                                    </p:animEffect>
+                                  </p:childTnLst>
+                                </p:cTn>
+                              </p:par>
+                            </p:childTnLst>
+                          </p:cTn>
+                        </p:par>
+                      </p:childTnLst>
+                    </p:cTn>
+                  </p:par>
+                </p:childTnLst>
+              </p:cTn>
+              <p:prevCondLst>
+                <p:cond evt="onPrev" delay="0">
+                  <p:tgtEl>
+                    <p:sldTgt/>
+                  </p:tgtEl>
+                </p:cond>
+              </p:prevCondLst>
+              <p:nextCondLst>
+                <p:cond evt="onNext" delay="0">
+                  <p:tgtEl>
+                    <p:sldTgt/>
+                  </p:tgtEl>
+                </p:cond>
+              </p:nextCondLst>
+            </p:seq>
+          </p:childTnLst>
+        </p:cTn>
+      </p:par>
+    </p:tnLst>
+  </p:timing>
+</p:sld>
+</file>
+
+<file path=ppt/slides/slide24.xml><?xml version="1.0" encoding="utf-8"?>
+<p:sld xmlns:a="http://schemas.openxmlformats.org/drawingml/2006/main" xmlns:r="http://schemas.openxmlformats.org/officeDocument/2006/relationships" xmlns:p="http://schemas.openxmlformats.org/presentationml/2006/main">
+  <p:cSld>
+    <p:spTree>
+      <p:nvGrpSpPr>
+        <p:cNvPr id="1" name=""/>
+        <p:cNvGrpSpPr/>
+        <p:nvPr/>
+      </p:nvGrpSpPr>
+      <p:grpSpPr>
+        <a:xfrm>
+          <a:off x="0" y="0"/>
+          <a:ext cx="0" cy="0"/>
+          <a:chOff x="0" y="0"/>
+          <a:chExt cx="0" cy="0"/>
+        </a:xfrm>
+      </p:grpSpPr>
+      <p:sp>
+        <p:nvSpPr>
+          <p:cNvPr id="2" name="Title 1"/>
+          <p:cNvSpPr>
+            <a:spLocks noGrp="1"/>
+          </p:cNvSpPr>
+          <p:nvPr>
+            <p:ph type="title"/>
+          </p:nvPr>
+        </p:nvSpPr>
+        <p:spPr/>
+        <p:txBody>
+          <a:bodyPr/>
+          <a:lstStyle/>
+          <a:p>
+            <a:r>
+              <a:rPr lang="en-US" dirty="0" smtClean="0"/>
+              <a:t>Add Executable Target</a:t>
+            </a:r>
+            <a:endParaRPr lang="en-US" dirty="0"/>
+          </a:p>
+        </p:txBody>
+      </p:sp>
+      <p:sp>
+        <p:nvSpPr>
+          <p:cNvPr id="4" name="Date Placeholder 3"/>
+          <p:cNvSpPr>
+            <a:spLocks noGrp="1"/>
+          </p:cNvSpPr>
+          <p:nvPr>
+            <p:ph type="dt" sz="half" idx="2"/>
+          </p:nvPr>
+        </p:nvSpPr>
+        <p:spPr/>
+        <p:txBody>
+          <a:bodyPr/>
+          <a:lstStyle/>
+          <a:p>
+            <a:r>
+              <a:rPr lang="en-US" smtClean="0"/>
+              <a:t>10/21/2011</a:t>
+            </a:r>
+            <a:endParaRPr lang="en-US" dirty="0"/>
+          </a:p>
+        </p:txBody>
+      </p:sp>
+      <p:sp>
+        <p:nvSpPr>
+          <p:cNvPr id="5" name="Footer Placeholder 4"/>
+          <p:cNvSpPr>
+            <a:spLocks noGrp="1"/>
+          </p:cNvSpPr>
+          <p:nvPr>
+            <p:ph type="ftr" sz="quarter" idx="3"/>
+          </p:nvPr>
+        </p:nvSpPr>
+        <p:spPr/>
+        <p:txBody>
+          <a:bodyPr/>
+          <a:lstStyle/>
+          <a:p>
+            <a:r>
+              <a:rPr lang="en-US" smtClean="0"/>
+              <a:t>Getting Started        Copyright (c) 2011 University of Pennsylvania. All rights reserved.</a:t>
+            </a:r>
+            <a:endParaRPr lang="en-US" dirty="0"/>
+          </a:p>
+        </p:txBody>
+      </p:sp>
+      <p:sp>
+        <p:nvSpPr>
+          <p:cNvPr id="6" name="Slide Number Placeholder 5"/>
+          <p:cNvSpPr>
+            <a:spLocks noGrp="1"/>
+          </p:cNvSpPr>
+          <p:nvPr>
+            <p:ph type="sldNum" sz="quarter" idx="4"/>
+          </p:nvPr>
+        </p:nvSpPr>
+        <p:spPr/>
+        <p:txBody>
+          <a:bodyPr/>
+          <a:lstStyle/>
+          <a:p>
+            <a:fld id="{93682E96-E16A-4EC4-A9C4-BF3FFE98BFA7}" type="slidenum">
+              <a:rPr lang="en-US" smtClean="0"/>
+              <a:pPr/>
+              <a:t>24</a:t>
+            </a:fld>
+            <a:endParaRPr lang="en-US"/>
+          </a:p>
+        </p:txBody>
+      </p:sp>
+      <p:sp>
+        <p:nvSpPr>
+          <p:cNvPr id="7" name="Content Placeholder 2"/>
+          <p:cNvSpPr>
+            <a:spLocks noGrp="1"/>
+          </p:cNvSpPr>
+          <p:nvPr>
+            <p:ph idx="1"/>
+          </p:nvPr>
+        </p:nvSpPr>
+        <p:spPr/>
+        <p:txBody>
+          <a:bodyPr>
+            <a:normAutofit fontScale="85000" lnSpcReduction="20000"/>
+          </a:bodyPr>
+          <a:lstStyle/>
+          <a:p>
+            <a:r>
+              <a:rPr lang="en-US" sz="2400" dirty="0" smtClean="0"/>
+              <a:t>Add MATLAB as dependency:</a:t>
+            </a:r>
+          </a:p>
+          <a:p>
+            <a:pPr lvl="1">
+              <a:buFont typeface="Wingdings" pitchFamily="2" charset="2"/>
+              <a:buChar char="Ø"/>
+              <a:tabLst>
+                <a:tab pos="1371600" algn="l"/>
+              </a:tabLst>
+            </a:pPr>
+            <a:r>
+              <a:rPr lang="en-US" sz="2000" dirty="0" err="1" smtClean="0">
+                <a:latin typeface="Courier New" pitchFamily="49" charset="0"/>
+                <a:cs typeface="Courier New" pitchFamily="49" charset="0"/>
+              </a:rPr>
+              <a:t>basisproject</a:t>
+            </a:r>
+            <a:r>
+              <a:rPr lang="en-US" sz="2000" dirty="0" smtClean="0">
+                <a:latin typeface="Courier New" pitchFamily="49" charset="0"/>
+                <a:cs typeface="Courier New" pitchFamily="49" charset="0"/>
+              </a:rPr>
+              <a:t> --root ~/local/</a:t>
+            </a:r>
+            <a:r>
+              <a:rPr lang="en-US" sz="2000" dirty="0" err="1" smtClean="0">
+                <a:latin typeface="Courier New" pitchFamily="49" charset="0"/>
+                <a:cs typeface="Courier New" pitchFamily="49" charset="0"/>
+              </a:rPr>
+              <a:t>src</a:t>
+            </a:r>
+            <a:r>
+              <a:rPr lang="en-US" sz="2000" dirty="0" smtClean="0">
+                <a:latin typeface="Courier New" pitchFamily="49" charset="0"/>
+                <a:cs typeface="Courier New" pitchFamily="49" charset="0"/>
+              </a:rPr>
+              <a:t>/</a:t>
+            </a:r>
+            <a:r>
+              <a:rPr lang="en-US" sz="2000" dirty="0" err="1" smtClean="0">
+                <a:latin typeface="Courier New" pitchFamily="49" charset="0"/>
+                <a:cs typeface="Courier New" pitchFamily="49" charset="0"/>
+              </a:rPr>
+              <a:t>HelloBasis</a:t>
+            </a:r>
+            <a:r>
+              <a:rPr lang="en-US" sz="2000" dirty="0">
+                <a:latin typeface="Courier New" pitchFamily="49" charset="0"/>
+                <a:cs typeface="Courier New" pitchFamily="49" charset="0"/>
+              </a:rPr>
+              <a:t/>
+            </a:r>
+            <a:br>
+              <a:rPr lang="en-US" sz="2000" dirty="0">
+                <a:latin typeface="Courier New" pitchFamily="49" charset="0"/>
+                <a:cs typeface="Courier New" pitchFamily="49" charset="0"/>
+              </a:rPr>
+            </a:br>
+            <a:r>
+              <a:rPr lang="en-US" sz="2000" dirty="0" smtClean="0">
+                <a:latin typeface="Courier New" pitchFamily="49" charset="0"/>
+                <a:cs typeface="Courier New" pitchFamily="49" charset="0"/>
+              </a:rPr>
+              <a:t>	--</a:t>
+            </a:r>
+            <a:r>
+              <a:rPr lang="en-US" sz="2000" dirty="0" err="1" smtClean="0">
+                <a:latin typeface="Courier New" pitchFamily="49" charset="0"/>
+                <a:cs typeface="Courier New" pitchFamily="49" charset="0"/>
+              </a:rPr>
+              <a:t>useopt</a:t>
+            </a:r>
+            <a:r>
+              <a:rPr lang="en-US" sz="2000" dirty="0" smtClean="0">
+                <a:latin typeface="Courier New" pitchFamily="49" charset="0"/>
+                <a:cs typeface="Courier New" pitchFamily="49" charset="0"/>
+              </a:rPr>
+              <a:t> MATLAB</a:t>
+            </a:r>
+          </a:p>
+          <a:p>
+            <a:pPr lvl="1"/>
+            <a:endParaRPr lang="en-US" sz="2000" dirty="0" smtClean="0"/>
+          </a:p>
+          <a:p>
+            <a:r>
+              <a:rPr lang="en-US" sz="2400" dirty="0" smtClean="0"/>
+              <a:t>Copy the </a:t>
+            </a:r>
+            <a:r>
+              <a:rPr lang="en-US" sz="2400" dirty="0" err="1" smtClean="0">
+                <a:latin typeface="Courier New" pitchFamily="49" charset="0"/>
+                <a:cs typeface="Courier New" pitchFamily="49" charset="0"/>
+              </a:rPr>
+              <a:t>hellobasis.m</a:t>
+            </a:r>
+            <a:r>
+              <a:rPr lang="en-US" sz="2400" dirty="0" smtClean="0"/>
+              <a:t> file from the </a:t>
+            </a:r>
+            <a:r>
+              <a:rPr lang="en-US" sz="2400" dirty="0" smtClean="0">
+                <a:latin typeface="Courier New" pitchFamily="49" charset="0"/>
+                <a:cs typeface="Courier New" pitchFamily="49" charset="0"/>
+              </a:rPr>
+              <a:t>example/</a:t>
+            </a:r>
+            <a:r>
+              <a:rPr lang="en-US" sz="2400" dirty="0" err="1" smtClean="0">
+                <a:latin typeface="Courier New" pitchFamily="49" charset="0"/>
+                <a:cs typeface="Courier New" pitchFamily="49" charset="0"/>
+              </a:rPr>
+              <a:t>ressources</a:t>
+            </a:r>
+            <a:r>
+              <a:rPr lang="en-US" sz="2400" dirty="0" smtClean="0">
+                <a:latin typeface="Courier New" pitchFamily="49" charset="0"/>
+                <a:cs typeface="Courier New" pitchFamily="49" charset="0"/>
+              </a:rPr>
+              <a:t>/</a:t>
+            </a:r>
+            <a:r>
+              <a:rPr lang="en-US" sz="2400" dirty="0" smtClean="0">
+                <a:cs typeface="Courier New" pitchFamily="49" charset="0"/>
+              </a:rPr>
+              <a:t> directory of the BASIS installation to the </a:t>
+            </a:r>
+            <a:r>
+              <a:rPr lang="en-US" sz="2400" dirty="0" err="1" smtClean="0">
+                <a:latin typeface="Courier New" pitchFamily="49" charset="0"/>
+                <a:cs typeface="Courier New" pitchFamily="49" charset="0"/>
+              </a:rPr>
+              <a:t>src</a:t>
+            </a:r>
+            <a:r>
+              <a:rPr lang="en-US" sz="2400" dirty="0" smtClean="0">
+                <a:latin typeface="Courier New" pitchFamily="49" charset="0"/>
+                <a:cs typeface="Courier New" pitchFamily="49" charset="0"/>
+              </a:rPr>
+              <a:t>/</a:t>
+            </a:r>
+            <a:r>
+              <a:rPr lang="en-US" sz="2400" dirty="0" smtClean="0">
+                <a:cs typeface="Courier New" pitchFamily="49" charset="0"/>
+              </a:rPr>
+              <a:t> subdirectory of your project:</a:t>
+            </a:r>
+          </a:p>
+          <a:p>
+            <a:endParaRPr lang="en-US" sz="2400" dirty="0" smtClean="0">
+              <a:cs typeface="Courier New" pitchFamily="49" charset="0"/>
+            </a:endParaRPr>
+          </a:p>
+          <a:p>
+            <a:pPr lvl="1">
+              <a:buFont typeface="Wingdings" pitchFamily="2" charset="2"/>
+              <a:buChar char="Ø"/>
+            </a:pPr>
+            <a:r>
+              <a:rPr lang="en-US" sz="2000" dirty="0" smtClean="0">
+                <a:latin typeface="Courier New" pitchFamily="49" charset="0"/>
+                <a:cs typeface="Courier New" pitchFamily="49" charset="0"/>
+              </a:rPr>
+              <a:t>cd ~/local/</a:t>
+            </a:r>
+            <a:r>
+              <a:rPr lang="en-US" sz="2000" dirty="0" err="1" smtClean="0">
+                <a:latin typeface="Courier New" pitchFamily="49" charset="0"/>
+                <a:cs typeface="Courier New" pitchFamily="49" charset="0"/>
+              </a:rPr>
+              <a:t>src</a:t>
+            </a:r>
+            <a:r>
+              <a:rPr lang="en-US" sz="2000" dirty="0" smtClean="0">
+                <a:latin typeface="Courier New" pitchFamily="49" charset="0"/>
+                <a:cs typeface="Courier New" pitchFamily="49" charset="0"/>
+              </a:rPr>
+              <a:t>/</a:t>
+            </a:r>
+            <a:r>
+              <a:rPr lang="en-US" sz="2000" dirty="0" err="1" smtClean="0">
+                <a:latin typeface="Courier New" pitchFamily="49" charset="0"/>
+                <a:cs typeface="Courier New" pitchFamily="49" charset="0"/>
+              </a:rPr>
+              <a:t>HelloBasis</a:t>
+            </a:r>
+            <a:r>
+              <a:rPr lang="en-US" sz="2000" dirty="0" smtClean="0">
+                <a:latin typeface="Courier New" pitchFamily="49" charset="0"/>
+                <a:cs typeface="Courier New" pitchFamily="49" charset="0"/>
+              </a:rPr>
+              <a:t>/</a:t>
+            </a:r>
+            <a:r>
+              <a:rPr lang="en-US" sz="2000" dirty="0" err="1" smtClean="0">
+                <a:latin typeface="Courier New" pitchFamily="49" charset="0"/>
+                <a:cs typeface="Courier New" pitchFamily="49" charset="0"/>
+              </a:rPr>
+              <a:t>src</a:t>
+            </a:r>
+            <a:endParaRPr lang="en-US" sz="2000" dirty="0" smtClean="0">
+              <a:latin typeface="Courier New" pitchFamily="49" charset="0"/>
+              <a:cs typeface="Courier New" pitchFamily="49" charset="0"/>
+            </a:endParaRPr>
+          </a:p>
+          <a:p>
+            <a:pPr lvl="1">
+              <a:buFont typeface="Wingdings" pitchFamily="2" charset="2"/>
+              <a:buChar char="Ø"/>
+            </a:pPr>
+            <a:r>
+              <a:rPr lang="en-US" sz="2000" dirty="0" err="1" smtClean="0">
+                <a:latin typeface="Courier New" pitchFamily="49" charset="0"/>
+                <a:cs typeface="Courier New" pitchFamily="49" charset="0"/>
+              </a:rPr>
+              <a:t>cp</a:t>
+            </a:r>
+            <a:r>
+              <a:rPr lang="en-US" sz="2000" dirty="0" smtClean="0">
+                <a:latin typeface="Courier New" pitchFamily="49" charset="0"/>
+                <a:cs typeface="Courier New" pitchFamily="49" charset="0"/>
+              </a:rPr>
+              <a:t> $BASIS_RSC_DIR/</a:t>
+            </a:r>
+            <a:r>
+              <a:rPr lang="en-US" sz="2000" dirty="0" err="1" smtClean="0">
+                <a:latin typeface="Courier New" pitchFamily="49" charset="0"/>
+                <a:cs typeface="Courier New" pitchFamily="49" charset="0"/>
+              </a:rPr>
+              <a:t>hellomatlab.m</a:t>
+            </a:r>
+            <a:r>
+              <a:rPr lang="en-US" sz="2000" dirty="0" smtClean="0">
+                <a:latin typeface="Courier New" pitchFamily="49" charset="0"/>
+                <a:cs typeface="Courier New" pitchFamily="49" charset="0"/>
+              </a:rPr>
+              <a:t> .</a:t>
+            </a:r>
+            <a:endParaRPr lang="en-US" sz="2000" dirty="0">
+              <a:latin typeface="Courier New" pitchFamily="49" charset="0"/>
+              <a:cs typeface="Courier New" pitchFamily="49" charset="0"/>
+            </a:endParaRPr>
+          </a:p>
+          <a:p>
+            <a:endParaRPr lang="en-US" sz="2400" dirty="0" smtClean="0">
+              <a:cs typeface="Courier New" pitchFamily="49" charset="0"/>
+            </a:endParaRPr>
+          </a:p>
+          <a:p>
+            <a:r>
+              <a:rPr lang="en-US" sz="2400" dirty="0" smtClean="0">
+                <a:cs typeface="Courier New" pitchFamily="49" charset="0"/>
+              </a:rPr>
+              <a:t>Edit the </a:t>
+            </a:r>
+            <a:r>
+              <a:rPr lang="en-US" sz="2400" dirty="0" smtClean="0">
+                <a:latin typeface="Courier New" pitchFamily="49" charset="0"/>
+                <a:cs typeface="Courier New" pitchFamily="49" charset="0"/>
+              </a:rPr>
+              <a:t>CMakeLists.txt</a:t>
+            </a:r>
+            <a:r>
+              <a:rPr lang="en-US" sz="2400" dirty="0" smtClean="0">
+                <a:cs typeface="Courier New" pitchFamily="49" charset="0"/>
+              </a:rPr>
+              <a:t> file in this directory and add the following lines under the section “executable target(s)”:</a:t>
+            </a:r>
+          </a:p>
+          <a:p>
+            <a:endParaRPr lang="en-US" sz="2400" dirty="0" smtClean="0">
+              <a:cs typeface="Courier New" pitchFamily="49" charset="0"/>
+            </a:endParaRPr>
+          </a:p>
+          <a:p>
+            <a:pPr lvl="1"/>
+            <a:r>
+              <a:rPr lang="en-US" sz="2000" dirty="0" smtClean="0">
+                <a:latin typeface="Courier New" pitchFamily="49" charset="0"/>
+                <a:cs typeface="Courier New" pitchFamily="49" charset="0"/>
+              </a:rPr>
+              <a:t>if (MATLAB_MCC_EXECUTABLE)</a:t>
+            </a:r>
+          </a:p>
+          <a:p>
+            <a:pPr lvl="1"/>
+            <a:r>
+              <a:rPr lang="en-US" sz="2000" dirty="0">
+                <a:latin typeface="Courier New" pitchFamily="49" charset="0"/>
+                <a:cs typeface="Courier New" pitchFamily="49" charset="0"/>
+              </a:rPr>
+              <a:t> </a:t>
+            </a:r>
+            <a:r>
+              <a:rPr lang="en-US" sz="2000" dirty="0" smtClean="0">
+                <a:latin typeface="Courier New" pitchFamily="49" charset="0"/>
+                <a:cs typeface="Courier New" pitchFamily="49" charset="0"/>
+              </a:rPr>
+              <a:t>   </a:t>
+            </a:r>
+            <a:r>
+              <a:rPr lang="en-US" sz="2000" dirty="0" err="1" smtClean="0">
+                <a:latin typeface="Courier New" pitchFamily="49" charset="0"/>
+                <a:cs typeface="Courier New" pitchFamily="49" charset="0"/>
+              </a:rPr>
+              <a:t>basis_add_executable</a:t>
+            </a:r>
+            <a:r>
+              <a:rPr lang="en-US" sz="2000" dirty="0" smtClean="0">
+                <a:latin typeface="Courier New" pitchFamily="49" charset="0"/>
+                <a:cs typeface="Courier New" pitchFamily="49" charset="0"/>
+              </a:rPr>
+              <a:t>(</a:t>
+            </a:r>
+            <a:r>
+              <a:rPr lang="en-US" sz="2000" dirty="0" err="1" smtClean="0">
+                <a:latin typeface="Courier New" pitchFamily="49" charset="0"/>
+                <a:cs typeface="Courier New" pitchFamily="49" charset="0"/>
+              </a:rPr>
+              <a:t>hellomatlab.m</a:t>
+            </a:r>
+            <a:r>
+              <a:rPr lang="en-US" sz="2000" dirty="0" smtClean="0">
+                <a:latin typeface="Courier New" pitchFamily="49" charset="0"/>
+                <a:cs typeface="Courier New" pitchFamily="49" charset="0"/>
+              </a:rPr>
+              <a:t>)</a:t>
+            </a:r>
+          </a:p>
+          <a:p>
+            <a:pPr lvl="1"/>
+            <a:r>
+              <a:rPr lang="en-US" sz="2000" dirty="0" err="1" smtClean="0">
+                <a:latin typeface="Courier New" pitchFamily="49" charset="0"/>
+                <a:cs typeface="Courier New" pitchFamily="49" charset="0"/>
+              </a:rPr>
+              <a:t>endif</a:t>
+            </a:r>
+            <a:r>
+              <a:rPr lang="en-US" sz="2000" dirty="0" smtClean="0">
+                <a:latin typeface="Courier New" pitchFamily="49" charset="0"/>
+                <a:cs typeface="Courier New" pitchFamily="49" charset="0"/>
+              </a:rPr>
+              <a:t> ()</a:t>
+            </a:r>
+          </a:p>
+        </p:txBody>
+      </p:sp>
+    </p:spTree>
+    <p:extLst>
+      <p:ext uri="{BB962C8B-B14F-4D97-AF65-F5344CB8AC3E}">
+        <p14:creationId xmlns:p14="http://schemas.microsoft.com/office/powerpoint/2010/main" val="1771896664"/>
+      </p:ext>
+    </p:extLst>
+  </p:cSld>
+  <p:clrMapOvr>
+    <a:masterClrMapping/>
+  </p:clrMapOvr>
+  <p:timing>
+    <p:tnLst>
+      <p:par>
+        <p:cTn id="1" dur="indefinite" restart="never" nodeType="tmRoot">
+          <p:childTnLst>
+            <p:seq concurrent="1" nextAc="seek">
+              <p:cTn id="2" dur="indefinite" nodeType="mainSeq">
+                <p:childTnLst>
+                  <p:par>
+                    <p:cTn id="3" fill="hold">
+                      <p:stCondLst>
+                        <p:cond delay="indefinite"/>
+                      </p:stCondLst>
+                      <p:childTnLst>
+                        <p:par>
+                          <p:cTn id="4" fill="hold">
+                            <p:stCondLst>
+                              <p:cond delay="0"/>
+                            </p:stCondLst>
+                            <p:childTnLst>
+                              <p:par>
+                                <p:cTn id="5" presetID="10" presetClass="entr" presetSubtype="0" fill="hold" nodeType="clickEffect">
+                                  <p:stCondLst>
+                                    <p:cond delay="0"/>
+                                  </p:stCondLst>
+                                  <p:childTnLst>
+                                    <p:set>
+                                      <p:cBhvr>
+                                        <p:cTn id="6" dur="1" fill="hold">
+                                          <p:stCondLst>
+                                            <p:cond delay="0"/>
+                                          </p:stCondLst>
+                                        </p:cTn>
+                                        <p:tgtEl>
+                                          <p:spTgt spid="7">
+                                            <p:txEl>
+                                              <p:pRg st="3" end="3"/>
+                                            </p:txEl>
+                                          </p:spTgt>
+                                        </p:tgtEl>
+                                        <p:attrNameLst>
+                                          <p:attrName>style.visibility</p:attrName>
+                                        </p:attrNameLst>
+                                      </p:cBhvr>
+                                      <p:to>
+                                        <p:strVal val="visible"/>
+                                      </p:to>
+                                    </p:set>
+                                    <p:animEffect transition="in" filter="fade">
+                                      <p:cBhvr>
+                                        <p:cTn id="7" dur="500"/>
+                                        <p:tgtEl>
+                                          <p:spTgt spid="7">
+                                            <p:txEl>
+                                              <p:pRg st="3" end="3"/>
+                                            </p:txEl>
+                                          </p:spTgt>
+                                        </p:tgtEl>
+                                      </p:cBhvr>
+                                    </p:animEffect>
+                                  </p:childTnLst>
+                                </p:cTn>
+                              </p:par>
+                            </p:childTnLst>
+                          </p:cTn>
+                        </p:par>
+                      </p:childTnLst>
+                    </p:cTn>
+                  </p:par>
+                  <p:par>
+                    <p:cTn id="8" fill="hold">
+                      <p:stCondLst>
+                        <p:cond delay="indefinite"/>
+                      </p:stCondLst>
+                      <p:childTnLst>
+                        <p:par>
+                          <p:cTn id="9" fill="hold">
+                            <p:stCondLst>
+                              <p:cond delay="0"/>
+                            </p:stCondLst>
+                            <p:childTnLst>
+                              <p:par>
+                                <p:cTn id="10" presetID="10" presetClass="entr" presetSubtype="0" fill="hold" nodeType="clickEffect">
+                                  <p:stCondLst>
+                                    <p:cond delay="0"/>
+                                  </p:stCondLst>
+                                  <p:childTnLst>
+                                    <p:set>
+                                      <p:cBhvr>
+                                        <p:cTn id="11" dur="1" fill="hold">
+                                          <p:stCondLst>
+                                            <p:cond delay="0"/>
+                                          </p:stCondLst>
+                                        </p:cTn>
+                                        <p:tgtEl>
+                                          <p:spTgt spid="7">
+                                            <p:txEl>
+                                              <p:pRg st="0" end="0"/>
+                                            </p:txEl>
+                                          </p:spTgt>
+                                        </p:tgtEl>
+                                        <p:attrNameLst>
+                                          <p:attrName>style.visibility</p:attrName>
+                                        </p:attrNameLst>
+                                      </p:cBhvr>
+                                      <p:to>
+                                        <p:strVal val="visible"/>
+                                      </p:to>
+                                    </p:set>
+                                    <p:animEffect transition="in" filter="fade">
+                                      <p:cBhvr>
+                                        <p:cTn id="12" dur="500"/>
+                                        <p:tgtEl>
+                                          <p:spTgt spid="7">
+                                            <p:txEl>
+                                              <p:pRg st="0" end="0"/>
+                                            </p:txEl>
+                                          </p:spTgt>
+                                        </p:tgtEl>
+                                      </p:cBhvr>
+                                    </p:animEffect>
+                                  </p:childTnLst>
+                                </p:cTn>
+                              </p:par>
+                            </p:childTnLst>
+                          </p:cTn>
+                        </p:par>
+                      </p:childTnLst>
+                    </p:cTn>
+                  </p:par>
+                  <p:par>
+                    <p:cTn id="13" fill="hold">
+                      <p:stCondLst>
+                        <p:cond delay="indefinite"/>
+                      </p:stCondLst>
+                      <p:childTnLst>
+                        <p:par>
+                          <p:cTn id="14" fill="hold">
+                            <p:stCondLst>
+                              <p:cond delay="0"/>
+                            </p:stCondLst>
+                            <p:childTnLst>
+                              <p:par>
+                                <p:cTn id="15" presetID="10" presetClass="entr" presetSubtype="0" fill="hold" nodeType="clickEffect">
+                                  <p:stCondLst>
+                                    <p:cond delay="0"/>
+                                  </p:stCondLst>
+                                  <p:childTnLst>
+                                    <p:set>
+                                      <p:cBhvr>
+                                        <p:cTn id="16" dur="1" fill="hold">
+                                          <p:stCondLst>
+                                            <p:cond delay="0"/>
+                                          </p:stCondLst>
+                                        </p:cTn>
+                                        <p:tgtEl>
+                                          <p:spTgt spid="7">
+                                            <p:txEl>
+                                              <p:pRg st="1" end="1"/>
+                                            </p:txEl>
+                                          </p:spTgt>
+                                        </p:tgtEl>
+                                        <p:attrNameLst>
+                                          <p:attrName>style.visibility</p:attrName>
+                                        </p:attrNameLst>
+                                      </p:cBhvr>
+                                      <p:to>
+                                        <p:strVal val="visible"/>
+                                      </p:to>
+                                    </p:set>
+                                    <p:animEffect transition="in" filter="fade">
+                                      <p:cBhvr>
+                                        <p:cTn id="17" dur="500"/>
+                                        <p:tgtEl>
+                                          <p:spTgt spid="7">
+                                            <p:txEl>
+                                              <p:pRg st="1" end="1"/>
+                                            </p:txEl>
+                                          </p:spTgt>
+                                        </p:tgtEl>
+                                      </p:cBhvr>
+                                    </p:animEffect>
+                                  </p:childTnLst>
+                                </p:cTn>
+                              </p:par>
+                            </p:childTnLst>
+                          </p:cTn>
+                        </p:par>
+                      </p:childTnLst>
+                    </p:cTn>
+                  </p:par>
+                  <p:par>
+                    <p:cTn id="18" fill="hold">
+                      <p:stCondLst>
+                        <p:cond delay="indefinite"/>
+                      </p:stCondLst>
+                      <p:childTnLst>
+                        <p:par>
+                          <p:cTn id="19" fill="hold">
+                            <p:stCondLst>
+                              <p:cond delay="0"/>
+                            </p:stCondLst>
+                            <p:childTnLst>
+                              <p:par>
+                                <p:cTn id="20" presetID="10" presetClass="entr" presetSubtype="0" fill="hold" nodeType="clickEffect">
+                                  <p:stCondLst>
+                                    <p:cond delay="0"/>
+                                  </p:stCondLst>
+                                  <p:childTnLst>
+                                    <p:set>
+                                      <p:cBhvr>
+                                        <p:cTn id="21" dur="1" fill="hold">
+                                          <p:stCondLst>
+                                            <p:cond delay="0"/>
+                                          </p:stCondLst>
+                                        </p:cTn>
+                                        <p:tgtEl>
+                                          <p:spTgt spid="7">
+                                            <p:txEl>
+                                              <p:pRg st="5" end="5"/>
+                                            </p:txEl>
+                                          </p:spTgt>
+                                        </p:tgtEl>
+                                        <p:attrNameLst>
+                                          <p:attrName>style.visibility</p:attrName>
+                                        </p:attrNameLst>
+                                      </p:cBhvr>
+                                      <p:to>
+                                        <p:strVal val="visible"/>
+                                      </p:to>
+                                    </p:set>
+                                    <p:animEffect transition="in" filter="fade">
+                                      <p:cBhvr>
+                                        <p:cTn id="22" dur="500"/>
+                                        <p:tgtEl>
+                                          <p:spTgt spid="7">
+                                            <p:txEl>
+                                              <p:pRg st="5" end="5"/>
+                                            </p:txEl>
+                                          </p:spTgt>
+                                        </p:tgtEl>
+                                      </p:cBhvr>
+                                    </p:animEffect>
+                                  </p:childTnLst>
+                                </p:cTn>
+                              </p:par>
+                            </p:childTnLst>
+                          </p:cTn>
+                        </p:par>
+                      </p:childTnLst>
+                    </p:cTn>
+                  </p:par>
+                  <p:par>
+                    <p:cTn id="23" fill="hold">
+                      <p:stCondLst>
+                        <p:cond delay="indefinite"/>
+                      </p:stCondLst>
+                      <p:childTnLst>
+                        <p:par>
+                          <p:cTn id="24" fill="hold">
+                            <p:stCondLst>
+                              <p:cond delay="0"/>
+                            </p:stCondLst>
+                            <p:childTnLst>
+                              <p:par>
+                                <p:cTn id="25" presetID="10" presetClass="entr" presetSubtype="0" fill="hold" nodeType="clickEffect">
+                                  <p:stCondLst>
+                                    <p:cond delay="0"/>
+                                  </p:stCondLst>
+                                  <p:childTnLst>
+                                    <p:set>
+                                      <p:cBhvr>
+                                        <p:cTn id="26" dur="1" fill="hold">
+                                          <p:stCondLst>
+                                            <p:cond delay="0"/>
+                                          </p:stCondLst>
+                                        </p:cTn>
+                                        <p:tgtEl>
+                                          <p:spTgt spid="7">
+                                            <p:txEl>
+                                              <p:pRg st="6" end="6"/>
+                                            </p:txEl>
+                                          </p:spTgt>
+                                        </p:tgtEl>
+                                        <p:attrNameLst>
+                                          <p:attrName>style.visibility</p:attrName>
+                                        </p:attrNameLst>
+                                      </p:cBhvr>
+                                      <p:to>
+                                        <p:strVal val="visible"/>
+                                      </p:to>
+                                    </p:set>
+                                    <p:animEffect transition="in" filter="fade">
+                                      <p:cBhvr>
+                                        <p:cTn id="27" dur="500"/>
+                                        <p:tgtEl>
+                                          <p:spTgt spid="7">
+                                            <p:txEl>
+                                              <p:pRg st="6" end="6"/>
+                                            </p:txEl>
+                                          </p:spTgt>
+                                        </p:tgtEl>
+                                      </p:cBhvr>
+                                    </p:animEffect>
+                                  </p:childTnLst>
+                                </p:cTn>
+                              </p:par>
+                            </p:childTnLst>
+                          </p:cTn>
+                        </p:par>
+                      </p:childTnLst>
+                    </p:cTn>
+                  </p:par>
+                  <p:par>
+                    <p:cTn id="28" fill="hold">
+                      <p:stCondLst>
+                        <p:cond delay="indefinite"/>
+                      </p:stCondLst>
+                      <p:childTnLst>
+                        <p:par>
+                          <p:cTn id="29" fill="hold">
+                            <p:stCondLst>
+                              <p:cond delay="0"/>
+                            </p:stCondLst>
+                            <p:childTnLst>
+                              <p:par>
+                                <p:cTn id="30" presetID="10" presetClass="entr" presetSubtype="0" fill="hold" nodeType="clickEffect">
+                                  <p:stCondLst>
+                                    <p:cond delay="0"/>
+                                  </p:stCondLst>
+                                  <p:childTnLst>
+                                    <p:set>
+                                      <p:cBhvr>
+                                        <p:cTn id="31" dur="1" fill="hold">
+                                          <p:stCondLst>
+                                            <p:cond delay="0"/>
+                                          </p:stCondLst>
+                                        </p:cTn>
+                                        <p:tgtEl>
+                                          <p:spTgt spid="7">
+                                            <p:txEl>
+                                              <p:pRg st="8" end="8"/>
+                                            </p:txEl>
+                                          </p:spTgt>
+                                        </p:tgtEl>
+                                        <p:attrNameLst>
+                                          <p:attrName>style.visibility</p:attrName>
+                                        </p:attrNameLst>
+                                      </p:cBhvr>
+                                      <p:to>
+                                        <p:strVal val="visible"/>
+                                      </p:to>
+                                    </p:set>
+                                    <p:animEffect transition="in" filter="fade">
+                                      <p:cBhvr>
+                                        <p:cTn id="32" dur="500"/>
+                                        <p:tgtEl>
+                                          <p:spTgt spid="7">
+                                            <p:txEl>
+                                              <p:pRg st="8" end="8"/>
+                                            </p:txEl>
+                                          </p:spTgt>
+                                        </p:tgtEl>
+                                      </p:cBhvr>
+                                    </p:animEffect>
+                                  </p:childTnLst>
+                                </p:cTn>
+                              </p:par>
+                            </p:childTnLst>
+                          </p:cTn>
+                        </p:par>
+                      </p:childTnLst>
+                    </p:cTn>
+                  </p:par>
+                  <p:par>
+                    <p:cTn id="33" fill="hold">
+                      <p:stCondLst>
+                        <p:cond delay="indefinite"/>
+                      </p:stCondLst>
+                      <p:childTnLst>
+                        <p:par>
+                          <p:cTn id="34" fill="hold">
+                            <p:stCondLst>
+                              <p:cond delay="0"/>
+                            </p:stCondLst>
+                            <p:childTnLst>
+                              <p:par>
+                                <p:cTn id="35" presetID="10" presetClass="entr" presetSubtype="0" fill="hold" nodeType="clickEffect">
+                                  <p:stCondLst>
+                                    <p:cond delay="0"/>
+                                  </p:stCondLst>
+                                  <p:childTnLst>
+                                    <p:set>
+                                      <p:cBhvr>
+                                        <p:cTn id="36" dur="1" fill="hold">
+                                          <p:stCondLst>
+                                            <p:cond delay="0"/>
+                                          </p:stCondLst>
+                                        </p:cTn>
+                                        <p:tgtEl>
+                                          <p:spTgt spid="7">
+                                            <p:txEl>
+                                              <p:pRg st="10" end="10"/>
+                                            </p:txEl>
+                                          </p:spTgt>
+                                        </p:tgtEl>
+                                        <p:attrNameLst>
+                                          <p:attrName>style.visibility</p:attrName>
+                                        </p:attrNameLst>
+                                      </p:cBhvr>
+                                      <p:to>
+                                        <p:strVal val="visible"/>
+                                      </p:to>
+                                    </p:set>
+                                    <p:animEffect transition="in" filter="fade">
+                                      <p:cBhvr>
+                                        <p:cTn id="37" dur="500"/>
+                                        <p:tgtEl>
+                                          <p:spTgt spid="7">
+                                            <p:txEl>
+                                              <p:pRg st="10" end="10"/>
+                                            </p:txEl>
+                                          </p:spTgt>
+                                        </p:tgtEl>
+                                      </p:cBhvr>
+                                    </p:animEffect>
+                                  </p:childTnLst>
+                                </p:cTn>
+                              </p:par>
+                            </p:childTnLst>
+                          </p:cTn>
+                        </p:par>
+                      </p:childTnLst>
+                    </p:cTn>
+                  </p:par>
+                  <p:par>
+                    <p:cTn id="38" fill="hold">
+                      <p:stCondLst>
+                        <p:cond delay="indefinite"/>
+                      </p:stCondLst>
+                      <p:childTnLst>
+                        <p:par>
+                          <p:cTn id="39" fill="hold">
+                            <p:stCondLst>
+                              <p:cond delay="0"/>
+                            </p:stCondLst>
+                            <p:childTnLst>
+                              <p:par>
+                                <p:cTn id="40" presetID="10" presetClass="entr" presetSubtype="0" fill="hold" nodeType="clickEffect">
+                                  <p:stCondLst>
+                                    <p:cond delay="0"/>
+                                  </p:stCondLst>
+                                  <p:childTnLst>
+                                    <p:set>
+                                      <p:cBhvr>
+                                        <p:cTn id="41" dur="1" fill="hold">
+                                          <p:stCondLst>
+                                            <p:cond delay="0"/>
+                                          </p:stCondLst>
+                                        </p:cTn>
+                                        <p:tgtEl>
+                                          <p:spTgt spid="7">
+                                            <p:txEl>
+                                              <p:pRg st="11" end="11"/>
+                                            </p:txEl>
+                                          </p:spTgt>
+                                        </p:tgtEl>
+                                        <p:attrNameLst>
+                                          <p:attrName>style.visibility</p:attrName>
+                                        </p:attrNameLst>
+                                      </p:cBhvr>
+                                      <p:to>
+                                        <p:strVal val="visible"/>
+                                      </p:to>
+                                    </p:set>
+                                    <p:animEffect transition="in" filter="fade">
+                                      <p:cBhvr>
+                                        <p:cTn id="42" dur="500"/>
+                                        <p:tgtEl>
+                                          <p:spTgt spid="7">
+                                            <p:txEl>
+                                              <p:pRg st="11" end="11"/>
+                                            </p:txEl>
+                                          </p:spTgt>
+                                        </p:tgtEl>
+                                      </p:cBhvr>
+                                    </p:animEffect>
+                                  </p:childTnLst>
+                                </p:cTn>
+                              </p:par>
+                            </p:childTnLst>
+                          </p:cTn>
+                        </p:par>
+                      </p:childTnLst>
+                    </p:cTn>
+                  </p:par>
+                  <p:par>
+                    <p:cTn id="43" fill="hold">
+                      <p:stCondLst>
+                        <p:cond delay="indefinite"/>
+                      </p:stCondLst>
+                      <p:childTnLst>
+                        <p:par>
+                          <p:cTn id="44" fill="hold">
+                            <p:stCondLst>
+                              <p:cond delay="0"/>
+                            </p:stCondLst>
+                            <p:childTnLst>
+                              <p:par>
+                                <p:cTn id="45" presetID="10" presetClass="entr" presetSubtype="0" fill="hold" nodeType="clickEffect">
+                                  <p:stCondLst>
+                                    <p:cond delay="0"/>
+                                  </p:stCondLst>
+                                  <p:childTnLst>
+                                    <p:set>
+                                      <p:cBhvr>
+                                        <p:cTn id="46" dur="1" fill="hold">
+                                          <p:stCondLst>
+                                            <p:cond delay="0"/>
+                                          </p:stCondLst>
+                                        </p:cTn>
+                                        <p:tgtEl>
+                                          <p:spTgt spid="7">
+                                            <p:txEl>
+                                              <p:pRg st="12" end="12"/>
+                                            </p:txEl>
+                                          </p:spTgt>
+                                        </p:tgtEl>
+                                        <p:attrNameLst>
+                                          <p:attrName>style.visibility</p:attrName>
+                                        </p:attrNameLst>
+                                      </p:cBhvr>
+                                      <p:to>
+                                        <p:strVal val="visible"/>
+                                      </p:to>
+                                    </p:set>
+                                    <p:animEffect transition="in" filter="fade">
+                                      <p:cBhvr>
+                                        <p:cTn id="47" dur="500"/>
+                                        <p:tgtEl>
+                                          <p:spTgt spid="7">
+                                            <p:txEl>
+                                              <p:pRg st="12" end="12"/>
+                                            </p:txEl>
+                                          </p:spTgt>
+                                        </p:tgtEl>
+                                      </p:cBhvr>
+                                    </p:animEffect>
+                                  </p:childTnLst>
+                                </p:cTn>
+                              </p:par>
+                            </p:childTnLst>
+                          </p:cTn>
+                        </p:par>
+                      </p:childTnLst>
+                    </p:cTn>
+                  </p:par>
+                </p:childTnLst>
+              </p:cTn>
+              <p:prevCondLst>
+                <p:cond evt="onPrev" delay="0">
+                  <p:tgtEl>
+                    <p:sldTgt/>
+                  </p:tgtEl>
+                </p:cond>
+              </p:prevCondLst>
+              <p:nextCondLst>
+                <p:cond evt="onNext" delay="0">
+                  <p:tgtEl>
+                    <p:sldTgt/>
+                  </p:tgtEl>
+                </p:cond>
+              </p:nextCondLst>
+            </p:seq>
+          </p:childTnLst>
+        </p:cTn>
+      </p:par>
+    </p:tnLst>
+  </p:timing>
+</p:sld>
+</file>
+
+<file path=ppt/slides/slide25.xml><?xml version="1.0" encoding="utf-8"?>
+<p:sld xmlns:a="http://schemas.openxmlformats.org/drawingml/2006/main" xmlns:r="http://schemas.openxmlformats.org/officeDocument/2006/relationships" xmlns:p="http://schemas.openxmlformats.org/presentationml/2006/main">
+  <p:cSld>
+    <p:spTree>
+      <p:nvGrpSpPr>
+        <p:cNvPr id="1" name=""/>
+        <p:cNvGrpSpPr/>
+        <p:nvPr/>
+      </p:nvGrpSpPr>
+      <p:grpSpPr>
+        <a:xfrm>
+          <a:off x="0" y="0"/>
+          <a:ext cx="0" cy="0"/>
+          <a:chOff x="0" y="0"/>
+          <a:chExt cx="0" cy="0"/>
+        </a:xfrm>
+      </p:grpSpPr>
+      <p:sp>
+        <p:nvSpPr>
+          <p:cNvPr id="2" name="Title 1"/>
+          <p:cNvSpPr>
+            <a:spLocks noGrp="1"/>
+          </p:cNvSpPr>
+          <p:nvPr>
+            <p:ph type="title"/>
+          </p:nvPr>
+        </p:nvSpPr>
+        <p:spPr/>
+        <p:txBody>
+          <a:bodyPr/>
+          <a:lstStyle/>
+          <a:p>
+            <a:r>
+              <a:rPr lang="en-US" dirty="0" smtClean="0"/>
+              <a:t>Build the Project</a:t>
+            </a:r>
+            <a:endParaRPr lang="en-US" dirty="0"/>
+          </a:p>
+        </p:txBody>
+      </p:sp>
+      <p:sp>
+        <p:nvSpPr>
+          <p:cNvPr id="3" name="Text Placeholder 2"/>
+          <p:cNvSpPr>
+            <a:spLocks noGrp="1"/>
+          </p:cNvSpPr>
+          <p:nvPr>
+            <p:ph type="body" idx="1"/>
+          </p:nvPr>
+        </p:nvSpPr>
+        <p:spPr/>
+        <p:txBody>
+          <a:bodyPr/>
+          <a:lstStyle/>
+          <a:p>
+            <a:r>
+              <a:rPr lang="en-US" dirty="0" smtClean="0"/>
+              <a:t>Fine, so how do I build my BASIS project?</a:t>
+            </a:r>
+            <a:endParaRPr lang="en-US" dirty="0"/>
+          </a:p>
+        </p:txBody>
+      </p:sp>
+      <p:sp>
+        <p:nvSpPr>
+          <p:cNvPr id="4" name="Date Placeholder 3"/>
+          <p:cNvSpPr>
+            <a:spLocks noGrp="1"/>
+          </p:cNvSpPr>
+          <p:nvPr>
+            <p:ph type="dt" sz="half" idx="2"/>
+          </p:nvPr>
+        </p:nvSpPr>
+        <p:spPr/>
+        <p:txBody>
+          <a:bodyPr/>
+          <a:lstStyle/>
+          <a:p>
+            <a:r>
+              <a:rPr lang="en-US" smtClean="0"/>
+              <a:t>10/21/2011</a:t>
+            </a:r>
+            <a:endParaRPr lang="en-US" dirty="0"/>
+          </a:p>
+        </p:txBody>
+      </p:sp>
+      <p:sp>
+        <p:nvSpPr>
+          <p:cNvPr id="5" name="Footer Placeholder 4"/>
+          <p:cNvSpPr>
+            <a:spLocks noGrp="1"/>
+          </p:cNvSpPr>
+          <p:nvPr>
+            <p:ph type="ftr" sz="quarter" idx="3"/>
+          </p:nvPr>
+        </p:nvSpPr>
+        <p:spPr/>
+        <p:txBody>
+          <a:bodyPr/>
+          <a:lstStyle/>
+          <a:p>
+            <a:r>
+              <a:rPr lang="en-US" smtClean="0"/>
+              <a:t>Getting Started        Copyright (c) 2011 University of Pennsylvania. All rights reserved.</a:t>
+            </a:r>
+            <a:endParaRPr lang="en-US" dirty="0"/>
+          </a:p>
+        </p:txBody>
+      </p:sp>
+      <p:sp>
+        <p:nvSpPr>
+          <p:cNvPr id="6" name="Slide Number Placeholder 5"/>
+          <p:cNvSpPr>
+            <a:spLocks noGrp="1"/>
+          </p:cNvSpPr>
+          <p:nvPr>
+            <p:ph type="sldNum" sz="quarter" idx="4"/>
+          </p:nvPr>
+        </p:nvSpPr>
+        <p:spPr/>
+        <p:txBody>
+          <a:bodyPr/>
+          <a:lstStyle/>
+          <a:p>
+            <a:fld id="{93682E96-E16A-4EC4-A9C4-BF3FFE98BFA7}" type="slidenum">
+              <a:rPr lang="en-US" smtClean="0"/>
+              <a:pPr/>
+              <a:t>25</a:t>
+            </a:fld>
+            <a:endParaRPr lang="en-US"/>
+          </a:p>
+        </p:txBody>
+      </p:sp>
+    </p:spTree>
+    <p:extLst>
+      <p:ext uri="{BB962C8B-B14F-4D97-AF65-F5344CB8AC3E}">
+        <p14:creationId xmlns:p14="http://schemas.microsoft.com/office/powerpoint/2010/main" val="1322351228"/>
+      </p:ext>
+    </p:extLst>
+  </p:cSld>
+  <p:clrMapOvr>
+    <a:masterClrMapping/>
+  </p:clrMapOvr>
+  <p:timing>
+    <p:tnLst>
+      <p:par>
+        <p:cTn id="1" dur="indefinite" restart="never" nodeType="tmRoot"/>
+      </p:par>
+    </p:tnLst>
+  </p:timing>
+</p:sld>
+</file>
+
+<file path=ppt/slides/slide26.xml><?xml version="1.0" encoding="utf-8"?>
+<p:sld xmlns:a="http://schemas.openxmlformats.org/drawingml/2006/main" xmlns:r="http://schemas.openxmlformats.org/officeDocument/2006/relationships" xmlns:p="http://schemas.openxmlformats.org/presentationml/2006/main">
+  <p:cSld>
+    <p:spTree>
+      <p:nvGrpSpPr>
+        <p:cNvPr id="1" name=""/>
+        <p:cNvGrpSpPr/>
+        <p:nvPr/>
+      </p:nvGrpSpPr>
+      <p:grpSpPr>
+        <a:xfrm>
+          <a:off x="0" y="0"/>
+          <a:ext cx="0" cy="0"/>
+          <a:chOff x="0" y="0"/>
+          <a:chExt cx="0" cy="0"/>
+        </a:xfrm>
+      </p:grpSpPr>
+      <p:sp>
+        <p:nvSpPr>
+          <p:cNvPr id="2" name="Title 1"/>
+          <p:cNvSpPr>
+            <a:spLocks noGrp="1"/>
+          </p:cNvSpPr>
+          <p:nvPr>
+            <p:ph type="title"/>
+          </p:nvPr>
+        </p:nvSpPr>
+        <p:spPr/>
+        <p:txBody>
+          <a:bodyPr/>
+          <a:lstStyle/>
+          <a:p>
+            <a:r>
+              <a:rPr lang="en-US" dirty="0" smtClean="0"/>
+              <a:t>Build the Project</a:t>
+            </a:r>
+            <a:endParaRPr lang="en-US" dirty="0"/>
+          </a:p>
+        </p:txBody>
+      </p:sp>
+      <p:sp>
+        <p:nvSpPr>
+          <p:cNvPr id="4" name="Date Placeholder 3"/>
+          <p:cNvSpPr>
+            <a:spLocks noGrp="1"/>
+          </p:cNvSpPr>
+          <p:nvPr>
+            <p:ph type="dt" sz="half" idx="2"/>
+          </p:nvPr>
+        </p:nvSpPr>
+        <p:spPr/>
+        <p:txBody>
+          <a:bodyPr/>
+          <a:lstStyle/>
+          <a:p>
+            <a:r>
+              <a:rPr lang="en-US" smtClean="0"/>
+              <a:t>10/21/2011</a:t>
+            </a:r>
+            <a:endParaRPr lang="en-US" dirty="0"/>
+          </a:p>
+        </p:txBody>
+      </p:sp>
+      <p:sp>
+        <p:nvSpPr>
+          <p:cNvPr id="5" name="Footer Placeholder 4"/>
+          <p:cNvSpPr>
+            <a:spLocks noGrp="1"/>
+          </p:cNvSpPr>
+          <p:nvPr>
+            <p:ph type="ftr" sz="quarter" idx="3"/>
+          </p:nvPr>
+        </p:nvSpPr>
+        <p:spPr/>
+        <p:txBody>
+          <a:bodyPr/>
+          <a:lstStyle/>
+          <a:p>
+            <a:r>
+              <a:rPr lang="en-US" smtClean="0"/>
+              <a:t>Getting Started        Copyright (c) 2011 University of Pennsylvania. All rights reserved.</a:t>
+            </a:r>
+            <a:endParaRPr lang="en-US" dirty="0"/>
+          </a:p>
+        </p:txBody>
+      </p:sp>
+      <p:sp>
+        <p:nvSpPr>
+          <p:cNvPr id="6" name="Slide Number Placeholder 5"/>
+          <p:cNvSpPr>
+            <a:spLocks noGrp="1"/>
+          </p:cNvSpPr>
+          <p:nvPr>
+            <p:ph type="sldNum" sz="quarter" idx="4"/>
+          </p:nvPr>
+        </p:nvSpPr>
+        <p:spPr/>
+        <p:txBody>
+          <a:bodyPr/>
+          <a:lstStyle/>
+          <a:p>
+            <a:fld id="{93682E96-E16A-4EC4-A9C4-BF3FFE98BFA7}" type="slidenum">
+              <a:rPr lang="en-US" smtClean="0"/>
+              <a:pPr/>
+              <a:t>26</a:t>
+            </a:fld>
+            <a:endParaRPr lang="en-US"/>
+          </a:p>
+        </p:txBody>
+      </p:sp>
+      <p:sp>
+        <p:nvSpPr>
+          <p:cNvPr id="7" name="Content Placeholder 2"/>
+          <p:cNvSpPr>
+            <a:spLocks noGrp="1"/>
+          </p:cNvSpPr>
+          <p:nvPr>
+            <p:ph idx="1"/>
+          </p:nvPr>
+        </p:nvSpPr>
+        <p:spPr/>
+        <p:txBody>
+          <a:bodyPr>
+            <a:normAutofit/>
+          </a:bodyPr>
+          <a:lstStyle/>
+          <a:p>
+            <a:r>
+              <a:rPr lang="en-US" sz="2400" dirty="0" smtClean="0"/>
+              <a:t>As noted earlier, the build of any BASIS project is similar to the build of BASIS itself. The main steps are indeed identical for just any </a:t>
+            </a:r>
+            <a:r>
+              <a:rPr lang="en-US" sz="2400" dirty="0" err="1" smtClean="0"/>
+              <a:t>CMake</a:t>
+            </a:r>
+            <a:r>
+              <a:rPr lang="en-US" sz="2400" dirty="0" smtClean="0"/>
+              <a:t>-based project.</a:t>
+            </a:r>
+          </a:p>
+          <a:p>
+            <a:endParaRPr lang="en-US" sz="2400" dirty="0">
+              <a:latin typeface="Courier New" pitchFamily="49" charset="0"/>
+              <a:cs typeface="Courier New" pitchFamily="49" charset="0"/>
+            </a:endParaRPr>
+          </a:p>
+          <a:p>
+            <a:r>
+              <a:rPr lang="en-US" sz="2400" dirty="0" smtClean="0">
+                <a:cs typeface="Courier New" pitchFamily="49" charset="0"/>
+              </a:rPr>
+              <a:t>These common steps of creating a separate build directory, running </a:t>
+            </a:r>
+            <a:r>
+              <a:rPr lang="en-US" sz="2400" dirty="0" err="1" smtClean="0">
+                <a:cs typeface="Courier New" pitchFamily="49" charset="0"/>
+              </a:rPr>
+              <a:t>CMake</a:t>
+            </a:r>
+            <a:r>
+              <a:rPr lang="en-US" sz="2400" dirty="0" smtClean="0">
+                <a:cs typeface="Courier New" pitchFamily="49" charset="0"/>
+              </a:rPr>
+              <a:t> to configure the build system, and building the software, are described in the </a:t>
+            </a:r>
+            <a:r>
+              <a:rPr lang="en-US" sz="2400" dirty="0" smtClean="0">
+                <a:latin typeface="Courier New" pitchFamily="49" charset="0"/>
+                <a:cs typeface="Courier New" pitchFamily="49" charset="0"/>
+              </a:rPr>
+              <a:t>INSTALL-basis.txt</a:t>
+            </a:r>
+            <a:r>
+              <a:rPr lang="en-US" sz="2400" dirty="0" smtClean="0">
+                <a:cs typeface="Courier New" pitchFamily="49" charset="0"/>
+              </a:rPr>
+              <a:t> document which is part of BASIS.</a:t>
+            </a:r>
+            <a:endParaRPr lang="en-US" sz="2000" dirty="0" smtClean="0">
+              <a:cs typeface="Courier New" pitchFamily="49" charset="0"/>
+            </a:endParaRPr>
+          </a:p>
+        </p:txBody>
+      </p:sp>
+    </p:spTree>
+    <p:extLst>
+      <p:ext uri="{BB962C8B-B14F-4D97-AF65-F5344CB8AC3E}">
+        <p14:creationId xmlns:p14="http://schemas.microsoft.com/office/powerpoint/2010/main" val="631294952"/>
+      </p:ext>
+    </p:extLst>
+  </p:cSld>
+  <p:clrMapOvr>
+    <a:masterClrMapping/>
+  </p:clrMapOvr>
+  <p:timing>
+    <p:tnLst>
+      <p:par>
+        <p:cTn id="1" dur="indefinite" restart="never" nodeType="tmRoot">
+          <p:childTnLst>
+            <p:seq concurrent="1" nextAc="seek">
+              <p:cTn id="2" dur="indefinite" nodeType="mainSeq">
+                <p:childTnLst>
+                  <p:par>
+                    <p:cTn id="3" fill="hold">
+                      <p:stCondLst>
+                        <p:cond delay="indefinite"/>
+                      </p:stCondLst>
+                      <p:childTnLst>
+                        <p:par>
+                          <p:cTn id="4" fill="hold">
+                            <p:stCondLst>
+                              <p:cond delay="0"/>
+                            </p:stCondLst>
+                            <p:childTnLst>
+                              <p:par>
+                                <p:cTn id="5" presetID="10" presetClass="entr" presetSubtype="0" fill="hold" nodeType="clickEffect">
+                                  <p:stCondLst>
+                                    <p:cond delay="0"/>
+                                  </p:stCondLst>
+                                  <p:childTnLst>
+                                    <p:set>
+                                      <p:cBhvr>
+                                        <p:cTn id="6" dur="1" fill="hold">
+                                          <p:stCondLst>
+                                            <p:cond delay="0"/>
+                                          </p:stCondLst>
+                                        </p:cTn>
+                                        <p:tgtEl>
+                                          <p:spTgt spid="7">
+                                            <p:txEl>
+                                              <p:pRg st="0" end="0"/>
+                                            </p:txEl>
+                                          </p:spTgt>
+                                        </p:tgtEl>
+                                        <p:attrNameLst>
+                                          <p:attrName>style.visibility</p:attrName>
+                                        </p:attrNameLst>
+                                      </p:cBhvr>
+                                      <p:to>
+                                        <p:strVal val="visible"/>
+                                      </p:to>
+                                    </p:set>
+                                    <p:animEffect transition="in" filter="fade">
+                                      <p:cBhvr>
+                                        <p:cTn id="7" dur="500"/>
+                                        <p:tgtEl>
+                                          <p:spTgt spid="7">
+                                            <p:txEl>
+                                              <p:pRg st="0" end="0"/>
+                                            </p:txEl>
+                                          </p:spTgt>
+                                        </p:tgtEl>
+                                      </p:cBhvr>
+                                    </p:animEffect>
+                                  </p:childTnLst>
+                                </p:cTn>
+                              </p:par>
+                            </p:childTnLst>
+                          </p:cTn>
+                        </p:par>
+                      </p:childTnLst>
+                    </p:cTn>
+                  </p:par>
+                  <p:par>
+                    <p:cTn id="8" fill="hold">
+                      <p:stCondLst>
+                        <p:cond delay="indefinite"/>
+                      </p:stCondLst>
+                      <p:childTnLst>
+                        <p:par>
+                          <p:cTn id="9" fill="hold">
+                            <p:stCondLst>
+                              <p:cond delay="0"/>
+                            </p:stCondLst>
+                            <p:childTnLst>
+                              <p:par>
+                                <p:cTn id="10" presetID="10" presetClass="entr" presetSubtype="0" fill="hold" nodeType="clickEffect">
+                                  <p:stCondLst>
+                                    <p:cond delay="0"/>
+                                  </p:stCondLst>
+                                  <p:childTnLst>
+                                    <p:set>
+                                      <p:cBhvr>
+                                        <p:cTn id="11" dur="1" fill="hold">
+                                          <p:stCondLst>
+                                            <p:cond delay="0"/>
+                                          </p:stCondLst>
+                                        </p:cTn>
+                                        <p:tgtEl>
+                                          <p:spTgt spid="7">
+                                            <p:txEl>
+                                              <p:pRg st="2" end="2"/>
+                                            </p:txEl>
+                                          </p:spTgt>
+                                        </p:tgtEl>
+                                        <p:attrNameLst>
+                                          <p:attrName>style.visibility</p:attrName>
+                                        </p:attrNameLst>
+                                      </p:cBhvr>
+                                      <p:to>
+                                        <p:strVal val="visible"/>
+                                      </p:to>
+                                    </p:set>
+                                    <p:animEffect transition="in" filter="fade">
+                                      <p:cBhvr>
+                                        <p:cTn id="12" dur="500"/>
+                                        <p:tgtEl>
+                                          <p:spTgt spid="7">
+                                            <p:txEl>
+                                              <p:pRg st="2" end="2"/>
+                                            </p:txEl>
+                                          </p:spTgt>
+                                        </p:tgtEl>
+                                      </p:cBhvr>
+                                    </p:animEffect>
+                                  </p:childTnLst>
+                                </p:cTn>
+                              </p:par>
+                            </p:childTnLst>
+                          </p:cTn>
+                        </p:par>
+                      </p:childTnLst>
+                    </p:cTn>
+                  </p:par>
+                </p:childTnLst>
+              </p:cTn>
+              <p:prevCondLst>
+                <p:cond evt="onPrev" delay="0">
+                  <p:tgtEl>
+                    <p:sldTgt/>
+                  </p:tgtEl>
+                </p:cond>
+              </p:prevCondLst>
+              <p:nextCondLst>
+                <p:cond evt="onNext" delay="0">
+                  <p:tgtEl>
+                    <p:sldTgt/>
+                  </p:tgtEl>
+                </p:cond>
+              </p:nextCondLst>
+            </p:seq>
+          </p:childTnLst>
+        </p:cTn>
+      </p:par>
+    </p:tnLst>
+  </p:timing>
+</p:sld>
+</file>
+
+<file path=ppt/slides/slide27.xml><?xml version="1.0" encoding="utf-8"?>
+<p:sld xmlns:a="http://schemas.openxmlformats.org/drawingml/2006/main" xmlns:r="http://schemas.openxmlformats.org/officeDocument/2006/relationships" xmlns:p="http://schemas.openxmlformats.org/presentationml/2006/main">
+  <p:cSld>
+    <p:spTree>
+      <p:nvGrpSpPr>
+        <p:cNvPr id="1" name=""/>
+        <p:cNvGrpSpPr/>
+        <p:nvPr/>
+      </p:nvGrpSpPr>
+      <p:grpSpPr>
+        <a:xfrm>
+          <a:off x="0" y="0"/>
+          <a:ext cx="0" cy="0"/>
+          <a:chOff x="0" y="0"/>
+          <a:chExt cx="0" cy="0"/>
+        </a:xfrm>
+      </p:grpSpPr>
+      <p:sp>
+        <p:nvSpPr>
+          <p:cNvPr id="2" name="Title 1"/>
+          <p:cNvSpPr>
+            <a:spLocks noGrp="1"/>
+          </p:cNvSpPr>
+          <p:nvPr>
+            <p:ph type="title"/>
+          </p:nvPr>
+        </p:nvSpPr>
+        <p:spPr/>
+        <p:txBody>
+          <a:bodyPr/>
+          <a:lstStyle/>
+          <a:p>
+            <a:r>
+              <a:rPr lang="en-US" dirty="0" smtClean="0"/>
+              <a:t>Build the Project</a:t>
+            </a:r>
+            <a:endParaRPr lang="en-US" dirty="0"/>
+          </a:p>
+        </p:txBody>
+      </p:sp>
+      <p:sp>
+        <p:nvSpPr>
+          <p:cNvPr id="4" name="Date Placeholder 3"/>
+          <p:cNvSpPr>
+            <a:spLocks noGrp="1"/>
+          </p:cNvSpPr>
+          <p:nvPr>
+            <p:ph type="dt" sz="half" idx="2"/>
+          </p:nvPr>
+        </p:nvSpPr>
+        <p:spPr/>
+        <p:txBody>
+          <a:bodyPr/>
+          <a:lstStyle/>
+          <a:p>
+            <a:r>
+              <a:rPr lang="en-US" smtClean="0"/>
+              <a:t>10/21/2011</a:t>
+            </a:r>
+            <a:endParaRPr lang="en-US" dirty="0"/>
+          </a:p>
+        </p:txBody>
+      </p:sp>
+      <p:sp>
+        <p:nvSpPr>
+          <p:cNvPr id="5" name="Footer Placeholder 4"/>
+          <p:cNvSpPr>
+            <a:spLocks noGrp="1"/>
+          </p:cNvSpPr>
+          <p:nvPr>
+            <p:ph type="ftr" sz="quarter" idx="3"/>
+          </p:nvPr>
+        </p:nvSpPr>
+        <p:spPr/>
+        <p:txBody>
+          <a:bodyPr/>
+          <a:lstStyle/>
+          <a:p>
+            <a:r>
+              <a:rPr lang="en-US" smtClean="0"/>
+              <a:t>Getting Started        Copyright (c) 2011 University of Pennsylvania. All rights reserved.</a:t>
+            </a:r>
+            <a:endParaRPr lang="en-US" dirty="0"/>
+          </a:p>
+        </p:txBody>
+      </p:sp>
+      <p:sp>
+        <p:nvSpPr>
+          <p:cNvPr id="6" name="Slide Number Placeholder 5"/>
+          <p:cNvSpPr>
+            <a:spLocks noGrp="1"/>
+          </p:cNvSpPr>
+          <p:nvPr>
+            <p:ph type="sldNum" sz="quarter" idx="4"/>
+          </p:nvPr>
+        </p:nvSpPr>
+        <p:spPr/>
+        <p:txBody>
+          <a:bodyPr/>
+          <a:lstStyle/>
+          <a:p>
+            <a:fld id="{93682E96-E16A-4EC4-A9C4-BF3FFE98BFA7}" type="slidenum">
+              <a:rPr lang="en-US" smtClean="0"/>
+              <a:pPr/>
+              <a:t>27</a:t>
+            </a:fld>
+            <a:endParaRPr lang="en-US"/>
+          </a:p>
+        </p:txBody>
+      </p:sp>
+      <p:sp>
+        <p:nvSpPr>
+          <p:cNvPr id="7" name="Content Placeholder 2"/>
+          <p:cNvSpPr>
+            <a:spLocks noGrp="1"/>
+          </p:cNvSpPr>
+          <p:nvPr>
+            <p:ph idx="1"/>
+          </p:nvPr>
+        </p:nvSpPr>
+        <p:spPr/>
+        <p:txBody>
+          <a:bodyPr>
+            <a:normAutofit/>
+          </a:bodyPr>
+          <a:lstStyle/>
+          <a:p>
+            <a:r>
+              <a:rPr lang="en-US" sz="2400" dirty="0" smtClean="0"/>
+              <a:t>In order to build our </a:t>
+            </a:r>
+            <a:r>
+              <a:rPr lang="en-US" sz="2400" dirty="0" err="1" smtClean="0">
+                <a:latin typeface="Courier New" pitchFamily="49" charset="0"/>
+                <a:cs typeface="Courier New" pitchFamily="49" charset="0"/>
+              </a:rPr>
+              <a:t>HelloBasis</a:t>
+            </a:r>
+            <a:r>
+              <a:rPr lang="en-US" sz="2400" dirty="0" smtClean="0"/>
+              <a:t> project, do:</a:t>
+            </a:r>
+          </a:p>
+          <a:p>
+            <a:pPr lvl="1">
+              <a:buFont typeface="Wingdings" pitchFamily="2" charset="2"/>
+              <a:buChar char="Ø"/>
+            </a:pPr>
+            <a:r>
+              <a:rPr lang="en-US" sz="1600" dirty="0" err="1">
+                <a:latin typeface="Courier New" pitchFamily="49" charset="0"/>
+                <a:cs typeface="Courier New" pitchFamily="49" charset="0"/>
+              </a:rPr>
+              <a:t>mkdir</a:t>
+            </a:r>
+            <a:r>
+              <a:rPr lang="en-US" sz="1600" dirty="0">
+                <a:latin typeface="Courier New" pitchFamily="49" charset="0"/>
+                <a:cs typeface="Courier New" pitchFamily="49" charset="0"/>
+              </a:rPr>
+              <a:t> </a:t>
+            </a:r>
+            <a:r>
+              <a:rPr lang="en-US" sz="1600" dirty="0" smtClean="0">
+                <a:latin typeface="Courier New" pitchFamily="49" charset="0"/>
+                <a:cs typeface="Courier New" pitchFamily="49" charset="0"/>
+              </a:rPr>
+              <a:t>~/local/</a:t>
+            </a:r>
+            <a:r>
+              <a:rPr lang="en-US" sz="1600" dirty="0" err="1" smtClean="0">
+                <a:latin typeface="Courier New" pitchFamily="49" charset="0"/>
+                <a:cs typeface="Courier New" pitchFamily="49" charset="0"/>
+              </a:rPr>
+              <a:t>src</a:t>
+            </a:r>
+            <a:r>
+              <a:rPr lang="en-US" sz="1600" dirty="0" smtClean="0">
+                <a:latin typeface="Courier New" pitchFamily="49" charset="0"/>
+                <a:cs typeface="Courier New" pitchFamily="49" charset="0"/>
+              </a:rPr>
+              <a:t>/</a:t>
+            </a:r>
+            <a:r>
+              <a:rPr lang="en-US" sz="1600" dirty="0" err="1" smtClean="0">
+                <a:latin typeface="Courier New" pitchFamily="49" charset="0"/>
+                <a:cs typeface="Courier New" pitchFamily="49" charset="0"/>
+              </a:rPr>
+              <a:t>HelloBasis</a:t>
+            </a:r>
+            <a:r>
+              <a:rPr lang="en-US" sz="1600" dirty="0" smtClean="0">
+                <a:latin typeface="Courier New" pitchFamily="49" charset="0"/>
+                <a:cs typeface="Courier New" pitchFamily="49" charset="0"/>
+              </a:rPr>
+              <a:t>-build</a:t>
+            </a:r>
+          </a:p>
+          <a:p>
+            <a:pPr lvl="1">
+              <a:buFont typeface="Wingdings" pitchFamily="2" charset="2"/>
+              <a:buChar char="Ø"/>
+            </a:pPr>
+            <a:r>
+              <a:rPr lang="en-US" sz="1600" dirty="0" smtClean="0">
+                <a:latin typeface="Courier New" pitchFamily="49" charset="0"/>
+                <a:cs typeface="Courier New" pitchFamily="49" charset="0"/>
+              </a:rPr>
+              <a:t>cd ~/local/</a:t>
+            </a:r>
+            <a:r>
+              <a:rPr lang="en-US" sz="1600" dirty="0" err="1" smtClean="0">
+                <a:latin typeface="Courier New" pitchFamily="49" charset="0"/>
+                <a:cs typeface="Courier New" pitchFamily="49" charset="0"/>
+              </a:rPr>
+              <a:t>src</a:t>
+            </a:r>
+            <a:r>
+              <a:rPr lang="en-US" sz="1600" dirty="0" smtClean="0">
+                <a:latin typeface="Courier New" pitchFamily="49" charset="0"/>
+                <a:cs typeface="Courier New" pitchFamily="49" charset="0"/>
+              </a:rPr>
+              <a:t>/</a:t>
+            </a:r>
+            <a:r>
+              <a:rPr lang="en-US" sz="1600" dirty="0" err="1" smtClean="0">
+                <a:latin typeface="Courier New" pitchFamily="49" charset="0"/>
+                <a:cs typeface="Courier New" pitchFamily="49" charset="0"/>
+              </a:rPr>
+              <a:t>HelloBasis</a:t>
+            </a:r>
+            <a:r>
+              <a:rPr lang="en-US" sz="1600" dirty="0" smtClean="0">
+                <a:latin typeface="Courier New" pitchFamily="49" charset="0"/>
+                <a:cs typeface="Courier New" pitchFamily="49" charset="0"/>
+              </a:rPr>
+              <a:t>-build</a:t>
+            </a:r>
+          </a:p>
+          <a:p>
+            <a:pPr lvl="1">
+              <a:buFont typeface="Wingdings" pitchFamily="2" charset="2"/>
+              <a:buChar char="Ø"/>
+            </a:pPr>
+            <a:r>
+              <a:rPr lang="en-US" sz="1600" dirty="0" err="1" smtClean="0">
+                <a:latin typeface="Courier New" pitchFamily="49" charset="0"/>
+                <a:cs typeface="Courier New" pitchFamily="49" charset="0"/>
+              </a:rPr>
+              <a:t>ccmake</a:t>
+            </a:r>
+            <a:r>
+              <a:rPr lang="en-US" sz="1600" dirty="0" smtClean="0">
+                <a:latin typeface="Courier New" pitchFamily="49" charset="0"/>
+                <a:cs typeface="Courier New" pitchFamily="49" charset="0"/>
+              </a:rPr>
+              <a:t> ../</a:t>
+            </a:r>
+            <a:r>
+              <a:rPr lang="en-US" sz="1600" dirty="0" err="1" smtClean="0">
+                <a:latin typeface="Courier New" pitchFamily="49" charset="0"/>
+                <a:cs typeface="Courier New" pitchFamily="49" charset="0"/>
+              </a:rPr>
+              <a:t>HelloBasis</a:t>
+            </a:r>
+            <a:endParaRPr lang="en-US" sz="1600" dirty="0" smtClean="0">
+              <a:latin typeface="Courier New" pitchFamily="49" charset="0"/>
+              <a:cs typeface="Courier New" pitchFamily="49" charset="0"/>
+            </a:endParaRPr>
+          </a:p>
+          <a:p>
+            <a:pPr lvl="1">
+              <a:buFont typeface="Wingdings" pitchFamily="2" charset="2"/>
+              <a:buChar char="Ø"/>
+            </a:pPr>
+            <a:endParaRPr lang="en-US" sz="1600" dirty="0" smtClean="0">
+              <a:latin typeface="Courier New" pitchFamily="49" charset="0"/>
+              <a:cs typeface="Courier New" pitchFamily="49" charset="0"/>
+            </a:endParaRPr>
+          </a:p>
+          <a:p>
+            <a:pPr lvl="1"/>
+            <a:r>
+              <a:rPr lang="en-US" sz="1600" dirty="0" smtClean="0">
+                <a:cs typeface="Courier New" pitchFamily="49" charset="0"/>
+              </a:rPr>
+              <a:t>Hit ‘c’ to configure the project. </a:t>
+            </a:r>
+            <a:r>
+              <a:rPr lang="en-US" sz="1600" dirty="0" err="1" smtClean="0">
+                <a:cs typeface="Courier New" pitchFamily="49" charset="0"/>
+              </a:rPr>
+              <a:t>CMake</a:t>
+            </a:r>
+            <a:r>
+              <a:rPr lang="en-US" sz="1600" dirty="0" smtClean="0">
+                <a:cs typeface="Courier New" pitchFamily="49" charset="0"/>
+              </a:rPr>
+              <a:t> should be able to find your BASIS </a:t>
+            </a:r>
+            <a:r>
+              <a:rPr lang="en-US" sz="1600" dirty="0" err="1" smtClean="0">
+                <a:cs typeface="Courier New" pitchFamily="49" charset="0"/>
+              </a:rPr>
+              <a:t>intallation</a:t>
+            </a:r>
+            <a:r>
+              <a:rPr lang="en-US" sz="1600" dirty="0" smtClean="0">
+                <a:cs typeface="Courier New" pitchFamily="49" charset="0"/>
+              </a:rPr>
+              <a:t> and set </a:t>
+            </a:r>
+            <a:r>
+              <a:rPr lang="en-US" sz="1600" dirty="0" smtClean="0">
+                <a:latin typeface="Courier New" pitchFamily="49" charset="0"/>
+                <a:cs typeface="Courier New" pitchFamily="49" charset="0"/>
+              </a:rPr>
+              <a:t>BASIS_DIR</a:t>
+            </a:r>
+            <a:r>
+              <a:rPr lang="en-US" sz="1600" dirty="0" smtClean="0">
+                <a:cs typeface="Courier New" pitchFamily="49" charset="0"/>
+              </a:rPr>
+              <a:t> to </a:t>
+            </a:r>
+            <a:r>
+              <a:rPr lang="en-US" sz="1600" dirty="0" smtClean="0">
+                <a:latin typeface="Courier New" pitchFamily="49" charset="0"/>
+                <a:cs typeface="Courier New" pitchFamily="49" charset="0"/>
+              </a:rPr>
+              <a:t>~/local/lib/</a:t>
+            </a:r>
+            <a:r>
+              <a:rPr lang="en-US" sz="1600" dirty="0" err="1" smtClean="0">
+                <a:latin typeface="Courier New" pitchFamily="49" charset="0"/>
+                <a:cs typeface="Courier New" pitchFamily="49" charset="0"/>
+              </a:rPr>
+              <a:t>cmake</a:t>
+            </a:r>
+            <a:r>
+              <a:rPr lang="en-US" sz="1600" dirty="0" smtClean="0">
+                <a:latin typeface="Courier New" pitchFamily="49" charset="0"/>
+                <a:cs typeface="Courier New" pitchFamily="49" charset="0"/>
+              </a:rPr>
+              <a:t>/basis</a:t>
+            </a:r>
+            <a:r>
+              <a:rPr lang="en-US" sz="1600" dirty="0" smtClean="0">
+                <a:cs typeface="Courier New" pitchFamily="49" charset="0"/>
+              </a:rPr>
+              <a:t>. If not, you need to set this variable manually. Alternatively, you can set an environment variable named </a:t>
+            </a:r>
+            <a:r>
+              <a:rPr lang="en-US" sz="1600" dirty="0" smtClean="0">
+                <a:latin typeface="Courier New" pitchFamily="49" charset="0"/>
+                <a:cs typeface="Courier New" pitchFamily="49" charset="0"/>
+              </a:rPr>
+              <a:t>BASIS_DIR</a:t>
+            </a:r>
+            <a:r>
+              <a:rPr lang="en-US" sz="1600" dirty="0" smtClean="0">
+                <a:cs typeface="Courier New" pitchFamily="49" charset="0"/>
+              </a:rPr>
+              <a:t> pointing to the directory containing the </a:t>
+            </a:r>
+            <a:r>
+              <a:rPr lang="en-US" sz="1600" dirty="0" err="1" smtClean="0">
+                <a:latin typeface="Courier New" pitchFamily="49" charset="0"/>
+                <a:cs typeface="Courier New" pitchFamily="49" charset="0"/>
+              </a:rPr>
+              <a:t>BASISConfig.cmake</a:t>
+            </a:r>
+            <a:r>
+              <a:rPr lang="en-US" sz="1600" dirty="0" smtClean="0">
+                <a:cs typeface="Courier New" pitchFamily="49" charset="0"/>
+              </a:rPr>
+              <a:t> file.</a:t>
+            </a:r>
+          </a:p>
+          <a:p>
+            <a:pPr lvl="1"/>
+            <a:r>
+              <a:rPr lang="en-US" sz="1600" dirty="0" smtClean="0">
+                <a:cs typeface="Courier New" pitchFamily="49" charset="0"/>
+              </a:rPr>
+              <a:t>Hit ‘g’ to generate the </a:t>
+            </a:r>
+            <a:r>
+              <a:rPr lang="en-US" sz="1600" dirty="0" err="1" smtClean="0">
+                <a:cs typeface="Courier New" pitchFamily="49" charset="0"/>
+              </a:rPr>
+              <a:t>Makefiles</a:t>
+            </a:r>
+            <a:r>
+              <a:rPr lang="en-US" sz="1600" dirty="0" smtClean="0">
+                <a:cs typeface="Courier New" pitchFamily="49" charset="0"/>
+              </a:rPr>
+              <a:t>.</a:t>
+            </a:r>
+          </a:p>
+          <a:p>
+            <a:pPr lvl="1"/>
+            <a:endParaRPr lang="en-US" sz="1600" dirty="0" smtClean="0">
+              <a:cs typeface="Courier New" pitchFamily="49" charset="0"/>
+            </a:endParaRPr>
+          </a:p>
+          <a:p>
+            <a:pPr lvl="1">
+              <a:buFont typeface="Wingdings" pitchFamily="2" charset="2"/>
+              <a:buChar char="Ø"/>
+            </a:pPr>
+            <a:r>
+              <a:rPr lang="en-US" sz="1600" dirty="0" smtClean="0">
+                <a:cs typeface="Courier New" pitchFamily="49" charset="0"/>
+              </a:rPr>
+              <a:t>make</a:t>
+            </a:r>
+          </a:p>
+          <a:p>
+            <a:pPr lvl="1">
+              <a:buFont typeface="Wingdings" pitchFamily="2" charset="2"/>
+              <a:buChar char="Ø"/>
+            </a:pPr>
+            <a:r>
+              <a:rPr lang="en-US" sz="1600" dirty="0" smtClean="0">
+                <a:cs typeface="Courier New" pitchFamily="49" charset="0"/>
+              </a:rPr>
+              <a:t>make install</a:t>
+            </a:r>
+          </a:p>
+          <a:p>
+            <a:pPr lvl="1">
+              <a:buFont typeface="Wingdings" pitchFamily="2" charset="2"/>
+              <a:buChar char="Ø"/>
+            </a:pPr>
+            <a:endParaRPr lang="en-US" sz="1600" dirty="0" smtClean="0">
+              <a:cs typeface="Courier New" pitchFamily="49" charset="0"/>
+            </a:endParaRPr>
+          </a:p>
+          <a:p>
+            <a:pPr lvl="1"/>
+            <a:r>
+              <a:rPr lang="en-US" sz="1600" dirty="0" smtClean="0">
+                <a:cs typeface="Courier New" pitchFamily="49" charset="0"/>
+              </a:rPr>
+              <a:t>The last step of installing the software is not necessarily required to test it.</a:t>
+            </a:r>
+          </a:p>
+        </p:txBody>
+      </p:sp>
+    </p:spTree>
+    <p:extLst>
+      <p:ext uri="{BB962C8B-B14F-4D97-AF65-F5344CB8AC3E}">
+        <p14:creationId xmlns:p14="http://schemas.microsoft.com/office/powerpoint/2010/main" val="1967714574"/>
+      </p:ext>
+    </p:extLst>
+  </p:cSld>
+  <p:clrMapOvr>
+    <a:masterClrMapping/>
+  </p:clrMapOvr>
+  <p:timing>
+    <p:tnLst>
+      <p:par>
+        <p:cTn id="1" dur="indefinite" restart="never" nodeType="tmRoot">
+          <p:childTnLst>
+            <p:seq concurrent="1" nextAc="seek">
+              <p:cTn id="2" dur="indefinite" nodeType="mainSeq">
+                <p:childTnLst>
+                  <p:par>
+                    <p:cTn id="3" fill="hold">
+                      <p:stCondLst>
+                        <p:cond delay="indefinite"/>
+                      </p:stCondLst>
+                      <p:childTnLst>
+                        <p:par>
+                          <p:cTn id="4" fill="hold">
+                            <p:stCondLst>
+                              <p:cond delay="0"/>
+                            </p:stCondLst>
+                            <p:childTnLst>
+                              <p:par>
+                                <p:cTn id="5" presetID="10" presetClass="entr" presetSubtype="0" fill="hold" nodeType="clickEffect">
+                                  <p:stCondLst>
+                                    <p:cond delay="0"/>
+                                  </p:stCondLst>
+                                  <p:childTnLst>
+                                    <p:set>
+                                      <p:cBhvr>
+                                        <p:cTn id="6" dur="1" fill="hold">
+                                          <p:stCondLst>
+                                            <p:cond delay="0"/>
+                                          </p:stCondLst>
+                                        </p:cTn>
+                                        <p:tgtEl>
+                                          <p:spTgt spid="7">
+                                            <p:txEl>
+                                              <p:pRg st="0" end="0"/>
+                                            </p:txEl>
+                                          </p:spTgt>
+                                        </p:tgtEl>
+                                        <p:attrNameLst>
+                                          <p:attrName>style.visibility</p:attrName>
+                                        </p:attrNameLst>
+                                      </p:cBhvr>
+                                      <p:to>
+                                        <p:strVal val="visible"/>
+                                      </p:to>
+                                    </p:set>
+                                    <p:animEffect transition="in" filter="fade">
+                                      <p:cBhvr>
+                                        <p:cTn id="7" dur="500"/>
+                                        <p:tgtEl>
+                                          <p:spTgt spid="7">
+                                            <p:txEl>
+                                              <p:pRg st="0" end="0"/>
+                                            </p:txEl>
+                                          </p:spTgt>
+                                        </p:tgtEl>
+                                      </p:cBhvr>
+                                    </p:animEffect>
+                                  </p:childTnLst>
+                                </p:cTn>
+                              </p:par>
+                            </p:childTnLst>
+                          </p:cTn>
+                        </p:par>
+                      </p:childTnLst>
+                    </p:cTn>
+                  </p:par>
+                  <p:par>
+                    <p:cTn id="8" fill="hold">
+                      <p:stCondLst>
+                        <p:cond delay="indefinite"/>
+                      </p:stCondLst>
+                      <p:childTnLst>
+                        <p:par>
+                          <p:cTn id="9" fill="hold">
+                            <p:stCondLst>
+                              <p:cond delay="0"/>
+                            </p:stCondLst>
+                            <p:childTnLst>
+                              <p:par>
+                                <p:cTn id="10" presetID="10" presetClass="entr" presetSubtype="0" fill="hold" nodeType="clickEffect">
+                                  <p:stCondLst>
+                                    <p:cond delay="0"/>
+                                  </p:stCondLst>
+                                  <p:childTnLst>
+                                    <p:set>
+                                      <p:cBhvr>
+                                        <p:cTn id="11" dur="1" fill="hold">
+                                          <p:stCondLst>
+                                            <p:cond delay="0"/>
+                                          </p:stCondLst>
+                                        </p:cTn>
+                                        <p:tgtEl>
+                                          <p:spTgt spid="7">
+                                            <p:txEl>
+                                              <p:pRg st="1" end="1"/>
+                                            </p:txEl>
+                                          </p:spTgt>
+                                        </p:tgtEl>
+                                        <p:attrNameLst>
+                                          <p:attrName>style.visibility</p:attrName>
+                                        </p:attrNameLst>
+                                      </p:cBhvr>
+                                      <p:to>
+                                        <p:strVal val="visible"/>
+                                      </p:to>
+                                    </p:set>
+                                    <p:animEffect transition="in" filter="fade">
+                                      <p:cBhvr>
+                                        <p:cTn id="12" dur="500"/>
+                                        <p:tgtEl>
+                                          <p:spTgt spid="7">
+                                            <p:txEl>
+                                              <p:pRg st="1" end="1"/>
+                                            </p:txEl>
+                                          </p:spTgt>
+                                        </p:tgtEl>
+                                      </p:cBhvr>
+                                    </p:animEffect>
+                                  </p:childTnLst>
+                                </p:cTn>
+                              </p:par>
+                            </p:childTnLst>
+                          </p:cTn>
+                        </p:par>
+                      </p:childTnLst>
+                    </p:cTn>
+                  </p:par>
+                  <p:par>
+                    <p:cTn id="13" fill="hold">
+                      <p:stCondLst>
+                        <p:cond delay="indefinite"/>
+                      </p:stCondLst>
+                      <p:childTnLst>
+                        <p:par>
+                          <p:cTn id="14" fill="hold">
+                            <p:stCondLst>
+                              <p:cond delay="0"/>
+                            </p:stCondLst>
+                            <p:childTnLst>
+                              <p:par>
+                                <p:cTn id="15" presetID="10" presetClass="entr" presetSubtype="0" fill="hold" nodeType="clickEffect">
+                                  <p:stCondLst>
+                                    <p:cond delay="0"/>
+                                  </p:stCondLst>
+                                  <p:childTnLst>
+                                    <p:set>
+                                      <p:cBhvr>
+                                        <p:cTn id="16" dur="1" fill="hold">
+                                          <p:stCondLst>
+                                            <p:cond delay="0"/>
+                                          </p:stCondLst>
+                                        </p:cTn>
+                                        <p:tgtEl>
+                                          <p:spTgt spid="7">
+                                            <p:txEl>
+                                              <p:pRg st="2" end="2"/>
+                                            </p:txEl>
+                                          </p:spTgt>
+                                        </p:tgtEl>
+                                        <p:attrNameLst>
+                                          <p:attrName>style.visibility</p:attrName>
+                                        </p:attrNameLst>
+                                      </p:cBhvr>
+                                      <p:to>
+                                        <p:strVal val="visible"/>
+                                      </p:to>
+                                    </p:set>
+                                    <p:animEffect transition="in" filter="fade">
+                                      <p:cBhvr>
+                                        <p:cTn id="17" dur="500"/>
+                                        <p:tgtEl>
+                                          <p:spTgt spid="7">
+                                            <p:txEl>
+                                              <p:pRg st="2" end="2"/>
+                                            </p:txEl>
+                                          </p:spTgt>
+                                        </p:tgtEl>
+                                      </p:cBhvr>
+                                    </p:animEffect>
+                                  </p:childTnLst>
+                                </p:cTn>
+                              </p:par>
+                            </p:childTnLst>
+                          </p:cTn>
+                        </p:par>
+                      </p:childTnLst>
+                    </p:cTn>
+                  </p:par>
+                  <p:par>
+                    <p:cTn id="18" fill="hold">
+                      <p:stCondLst>
+                        <p:cond delay="indefinite"/>
+                      </p:stCondLst>
+                      <p:childTnLst>
+                        <p:par>
+                          <p:cTn id="19" fill="hold">
+                            <p:stCondLst>
+                              <p:cond delay="0"/>
+                            </p:stCondLst>
+                            <p:childTnLst>
+                              <p:par>
+                                <p:cTn id="20" presetID="10" presetClass="entr" presetSubtype="0" fill="hold" nodeType="clickEffect">
+                                  <p:stCondLst>
+                                    <p:cond delay="0"/>
+                                  </p:stCondLst>
+                                  <p:childTnLst>
+                                    <p:set>
+                                      <p:cBhvr>
+                                        <p:cTn id="21" dur="1" fill="hold">
+                                          <p:stCondLst>
+                                            <p:cond delay="0"/>
+                                          </p:stCondLst>
+                                        </p:cTn>
+                                        <p:tgtEl>
+                                          <p:spTgt spid="7">
+                                            <p:txEl>
+                                              <p:pRg st="3" end="3"/>
+                                            </p:txEl>
+                                          </p:spTgt>
+                                        </p:tgtEl>
+                                        <p:attrNameLst>
+                                          <p:attrName>style.visibility</p:attrName>
+                                        </p:attrNameLst>
+                                      </p:cBhvr>
+                                      <p:to>
+                                        <p:strVal val="visible"/>
+                                      </p:to>
+                                    </p:set>
+                                    <p:animEffect transition="in" filter="fade">
+                                      <p:cBhvr>
+                                        <p:cTn id="22" dur="500"/>
+                                        <p:tgtEl>
+                                          <p:spTgt spid="7">
+                                            <p:txEl>
+                                              <p:pRg st="3" end="3"/>
+                                            </p:txEl>
+                                          </p:spTgt>
+                                        </p:tgtEl>
+                                      </p:cBhvr>
+                                    </p:animEffect>
+                                  </p:childTnLst>
+                                </p:cTn>
+                              </p:par>
+                            </p:childTnLst>
+                          </p:cTn>
+                        </p:par>
+                      </p:childTnLst>
+                    </p:cTn>
+                  </p:par>
+                  <p:par>
+                    <p:cTn id="23" fill="hold">
+                      <p:stCondLst>
+                        <p:cond delay="indefinite"/>
+                      </p:stCondLst>
+                      <p:childTnLst>
+                        <p:par>
+                          <p:cTn id="24" fill="hold">
+                            <p:stCondLst>
+                              <p:cond delay="0"/>
+                            </p:stCondLst>
+                            <p:childTnLst>
+                              <p:par>
+                                <p:cTn id="25" presetID="10" presetClass="entr" presetSubtype="0" fill="hold" nodeType="clickEffect">
+                                  <p:stCondLst>
+                                    <p:cond delay="0"/>
+                                  </p:stCondLst>
+                                  <p:childTnLst>
+                                    <p:set>
+                                      <p:cBhvr>
+                                        <p:cTn id="26" dur="1" fill="hold">
+                                          <p:stCondLst>
+                                            <p:cond delay="0"/>
+                                          </p:stCondLst>
+                                        </p:cTn>
+                                        <p:tgtEl>
+                                          <p:spTgt spid="7">
+                                            <p:txEl>
+                                              <p:pRg st="5" end="5"/>
+                                            </p:txEl>
+                                          </p:spTgt>
+                                        </p:tgtEl>
+                                        <p:attrNameLst>
+                                          <p:attrName>style.visibility</p:attrName>
+                                        </p:attrNameLst>
+                                      </p:cBhvr>
+                                      <p:to>
+                                        <p:strVal val="visible"/>
+                                      </p:to>
+                                    </p:set>
+                                    <p:animEffect transition="in" filter="fade">
+                                      <p:cBhvr>
+                                        <p:cTn id="27" dur="500"/>
+                                        <p:tgtEl>
+                                          <p:spTgt spid="7">
+                                            <p:txEl>
+                                              <p:pRg st="5" end="5"/>
+                                            </p:txEl>
+                                          </p:spTgt>
+                                        </p:tgtEl>
+                                      </p:cBhvr>
+                                    </p:animEffect>
+                                  </p:childTnLst>
+                                </p:cTn>
+                              </p:par>
+                            </p:childTnLst>
+                          </p:cTn>
+                        </p:par>
+                      </p:childTnLst>
+                    </p:cTn>
+                  </p:par>
+                  <p:par>
+                    <p:cTn id="28" fill="hold">
+                      <p:stCondLst>
+                        <p:cond delay="indefinite"/>
+                      </p:stCondLst>
+                      <p:childTnLst>
+                        <p:par>
+                          <p:cTn id="29" fill="hold">
+                            <p:stCondLst>
+                              <p:cond delay="0"/>
+                            </p:stCondLst>
+                            <p:childTnLst>
+                              <p:par>
+                                <p:cTn id="30" presetID="10" presetClass="entr" presetSubtype="0" fill="hold" nodeType="clickEffect">
+                                  <p:stCondLst>
+                                    <p:cond delay="0"/>
+                                  </p:stCondLst>
+                                  <p:childTnLst>
+                                    <p:set>
+                                      <p:cBhvr>
+                                        <p:cTn id="31" dur="1" fill="hold">
+                                          <p:stCondLst>
+                                            <p:cond delay="0"/>
+                                          </p:stCondLst>
+                                        </p:cTn>
+                                        <p:tgtEl>
+                                          <p:spTgt spid="7">
+                                            <p:txEl>
+                                              <p:pRg st="6" end="6"/>
+                                            </p:txEl>
+                                          </p:spTgt>
+                                        </p:tgtEl>
+                                        <p:attrNameLst>
+                                          <p:attrName>style.visibility</p:attrName>
+                                        </p:attrNameLst>
+                                      </p:cBhvr>
+                                      <p:to>
+                                        <p:strVal val="visible"/>
+                                      </p:to>
+                                    </p:set>
+                                    <p:animEffect transition="in" filter="fade">
+                                      <p:cBhvr>
+                                        <p:cTn id="32" dur="500"/>
+                                        <p:tgtEl>
+                                          <p:spTgt spid="7">
+                                            <p:txEl>
+                                              <p:pRg st="6" end="6"/>
+                                            </p:txEl>
+                                          </p:spTgt>
+                                        </p:tgtEl>
+                                      </p:cBhvr>
+                                    </p:animEffect>
+                                  </p:childTnLst>
+                                </p:cTn>
+                              </p:par>
+                            </p:childTnLst>
+                          </p:cTn>
+                        </p:par>
+                      </p:childTnLst>
+                    </p:cTn>
+                  </p:par>
+                  <p:par>
+                    <p:cTn id="33" fill="hold">
+                      <p:stCondLst>
+                        <p:cond delay="indefinite"/>
+                      </p:stCondLst>
+                      <p:childTnLst>
+                        <p:par>
+                          <p:cTn id="34" fill="hold">
+                            <p:stCondLst>
+                              <p:cond delay="0"/>
+                            </p:stCondLst>
+                            <p:childTnLst>
+                              <p:par>
+                                <p:cTn id="35" presetID="10" presetClass="entr" presetSubtype="0" fill="hold" nodeType="clickEffect">
+                                  <p:stCondLst>
+                                    <p:cond delay="0"/>
+                                  </p:stCondLst>
+                                  <p:childTnLst>
+                                    <p:set>
+                                      <p:cBhvr>
+                                        <p:cTn id="36" dur="1" fill="hold">
+                                          <p:stCondLst>
+                                            <p:cond delay="0"/>
+                                          </p:stCondLst>
+                                        </p:cTn>
+                                        <p:tgtEl>
+                                          <p:spTgt spid="7">
+                                            <p:txEl>
+                                              <p:pRg st="8" end="8"/>
+                                            </p:txEl>
+                                          </p:spTgt>
+                                        </p:tgtEl>
+                                        <p:attrNameLst>
+                                          <p:attrName>style.visibility</p:attrName>
+                                        </p:attrNameLst>
+                                      </p:cBhvr>
+                                      <p:to>
+                                        <p:strVal val="visible"/>
+                                      </p:to>
+                                    </p:set>
+                                    <p:animEffect transition="in" filter="fade">
+                                      <p:cBhvr>
+                                        <p:cTn id="37" dur="500"/>
+                                        <p:tgtEl>
+                                          <p:spTgt spid="7">
+                                            <p:txEl>
+                                              <p:pRg st="8" end="8"/>
+                                            </p:txEl>
+                                          </p:spTgt>
+                                        </p:tgtEl>
+                                      </p:cBhvr>
+                                    </p:animEffect>
+                                  </p:childTnLst>
+                                </p:cTn>
+                              </p:par>
+                            </p:childTnLst>
+                          </p:cTn>
+                        </p:par>
+                      </p:childTnLst>
+                    </p:cTn>
+                  </p:par>
+                  <p:par>
+                    <p:cTn id="38" fill="hold">
+                      <p:stCondLst>
+                        <p:cond delay="indefinite"/>
+                      </p:stCondLst>
+                      <p:childTnLst>
+                        <p:par>
+                          <p:cTn id="39" fill="hold">
+                            <p:stCondLst>
+                              <p:cond delay="0"/>
+                            </p:stCondLst>
+                            <p:childTnLst>
+                              <p:par>
+                                <p:cTn id="40" presetID="10" presetClass="entr" presetSubtype="0" fill="hold" nodeType="clickEffect">
+                                  <p:stCondLst>
+                                    <p:cond delay="0"/>
+                                  </p:stCondLst>
+                                  <p:childTnLst>
+                                    <p:set>
+                                      <p:cBhvr>
+                                        <p:cTn id="41" dur="1" fill="hold">
+                                          <p:stCondLst>
+                                            <p:cond delay="0"/>
+                                          </p:stCondLst>
+                                        </p:cTn>
+                                        <p:tgtEl>
+                                          <p:spTgt spid="7">
+                                            <p:txEl>
+                                              <p:pRg st="9" end="9"/>
+                                            </p:txEl>
+                                          </p:spTgt>
+                                        </p:tgtEl>
+                                        <p:attrNameLst>
+                                          <p:attrName>style.visibility</p:attrName>
+                                        </p:attrNameLst>
+                                      </p:cBhvr>
+                                      <p:to>
+                                        <p:strVal val="visible"/>
+                                      </p:to>
+                                    </p:set>
+                                    <p:animEffect transition="in" filter="fade">
+                                      <p:cBhvr>
+                                        <p:cTn id="42" dur="500"/>
+                                        <p:tgtEl>
+                                          <p:spTgt spid="7">
+                                            <p:txEl>
+                                              <p:pRg st="9" end="9"/>
+                                            </p:txEl>
+                                          </p:spTgt>
+                                        </p:tgtEl>
+                                      </p:cBhvr>
+                                    </p:animEffect>
+                                  </p:childTnLst>
+                                </p:cTn>
+                              </p:par>
+                            </p:childTnLst>
+                          </p:cTn>
+                        </p:par>
+                      </p:childTnLst>
+                    </p:cTn>
+                  </p:par>
+                  <p:par>
+                    <p:cTn id="43" fill="hold">
+                      <p:stCondLst>
+                        <p:cond delay="indefinite"/>
+                      </p:stCondLst>
+                      <p:childTnLst>
+                        <p:par>
+                          <p:cTn id="44" fill="hold">
+                            <p:stCondLst>
+                              <p:cond delay="0"/>
+                            </p:stCondLst>
+                            <p:childTnLst>
+                              <p:par>
+                                <p:cTn id="45" presetID="10" presetClass="entr" presetSubtype="0" fill="hold" nodeType="clickEffect">
+                                  <p:stCondLst>
+                                    <p:cond delay="0"/>
+                                  </p:stCondLst>
+                                  <p:childTnLst>
+                                    <p:set>
+                                      <p:cBhvr>
+                                        <p:cTn id="46" dur="1" fill="hold">
+                                          <p:stCondLst>
+                                            <p:cond delay="0"/>
+                                          </p:stCondLst>
+                                        </p:cTn>
+                                        <p:tgtEl>
+                                          <p:spTgt spid="7">
+                                            <p:txEl>
+                                              <p:pRg st="11" end="11"/>
+                                            </p:txEl>
+                                          </p:spTgt>
+                                        </p:tgtEl>
+                                        <p:attrNameLst>
+                                          <p:attrName>style.visibility</p:attrName>
+                                        </p:attrNameLst>
+                                      </p:cBhvr>
+                                      <p:to>
+                                        <p:strVal val="visible"/>
+                                      </p:to>
+                                    </p:set>
+                                    <p:animEffect transition="in" filter="fade">
+                                      <p:cBhvr>
+                                        <p:cTn id="47" dur="500"/>
+                                        <p:tgtEl>
+                                          <p:spTgt spid="7">
+                                            <p:txEl>
+                                              <p:pRg st="11" end="11"/>
                                             </p:txEl>
                                           </p:spTgt>
                                         </p:tgtEl>
@@ -9590,7 +16295,7 @@
           <a:p>
             <a:r>
               <a:rPr lang="en-US" dirty="0" smtClean="0"/>
-              <a:t>Distribution</a:t>
+              <a:t>BASIS Distribution</a:t>
             </a:r>
             <a:endParaRPr lang="en-US" dirty="0"/>
           </a:p>
@@ -9969,7 +16674,7 @@
           <a:p>
             <a:r>
               <a:rPr lang="en-US" dirty="0" smtClean="0"/>
-              <a:t>Download</a:t>
+              <a:t>Download BASIS</a:t>
             </a:r>
             <a:endParaRPr lang="en-US" dirty="0"/>
           </a:p>
@@ -10703,7 +17408,7 @@
           <a:p>
             <a:r>
               <a:rPr lang="en-US" dirty="0" smtClean="0"/>
-              <a:t>Download</a:t>
+              <a:t>Download BASIS</a:t>
             </a:r>
             <a:endParaRPr lang="en-US" dirty="0"/>
           </a:p>
@@ -10756,8 +17461,13 @@
             </a:r>
             <a:r>
               <a:rPr lang="en-US" sz="1800" dirty="0" smtClean="0"/>
-              <a:t> basis</a:t>
-            </a:r>
+              <a:t> -p local/</a:t>
+            </a:r>
+            <a:r>
+              <a:rPr lang="en-US" sz="1800" dirty="0" err="1" smtClean="0"/>
+              <a:t>src</a:t>
+            </a:r>
+            <a:endParaRPr lang="en-US" sz="1800" dirty="0" smtClean="0"/>
           </a:p>
           <a:p>
             <a:pPr lvl="1">
@@ -10766,7 +17476,11 @@
             </a:pPr>
             <a:r>
               <a:rPr lang="en-US" sz="1800" dirty="0" smtClean="0"/>
-              <a:t>cd basis</a:t>
+              <a:t>cd local/</a:t>
+            </a:r>
+            <a:r>
+              <a:rPr lang="en-US" sz="1800" dirty="0" err="1" smtClean="0"/>
+              <a:t>src</a:t>
             </a:r>
             <a:endParaRPr lang="en-US" sz="1800" dirty="0"/>
           </a:p>
@@ -10792,21 +17506,7 @@
               </a:rPr>
               <a:t>https://sbia-svn.uphs.upenn.edu/projects/BASIS/branches/basis-0.1</a:t>
             </a:r>
-            <a:r>
-              <a:rPr lang="en-US" sz="1800" dirty="0"/>
-              <a:t> </a:t>
-            </a:r>
-            <a:r>
-              <a:rPr lang="en-US" sz="1800" dirty="0" smtClean="0"/>
-              <a:t>\</a:t>
-            </a:r>
-            <a:br>
-              <a:rPr lang="en-US" sz="1800" dirty="0" smtClean="0"/>
-            </a:br>
-            <a:r>
-              <a:rPr lang="en-US" sz="1800" dirty="0" smtClean="0"/>
-              <a:t>	basis-0.1-source</a:t>
-            </a:r>
+            <a:endParaRPr lang="en-US" sz="1800" dirty="0" smtClean="0"/>
           </a:p>
           <a:p>
             <a:pPr>
@@ -10822,7 +17522,32 @@
             </a:pPr>
             <a:r>
               <a:rPr lang="en-US" sz="2400" dirty="0" smtClean="0"/>
-              <a:t>This will create a working copy in the directory “basis/basis-0.1-source/” in your home directory.</a:t>
+              <a:t>This will create a working copy in the directory </a:t>
+            </a:r>
+            <a:r>
+              <a:rPr lang="en-US" sz="2400" dirty="0" smtClean="0">
+                <a:latin typeface="Courier New" pitchFamily="49" charset="0"/>
+                <a:cs typeface="Courier New" pitchFamily="49" charset="0"/>
+              </a:rPr>
+              <a:t>local/</a:t>
+            </a:r>
+            <a:r>
+              <a:rPr lang="en-US" sz="2400" dirty="0" err="1" smtClean="0">
+                <a:latin typeface="Courier New" pitchFamily="49" charset="0"/>
+                <a:cs typeface="Courier New" pitchFamily="49" charset="0"/>
+              </a:rPr>
+              <a:t>src</a:t>
+            </a:r>
+            <a:r>
+              <a:rPr lang="en-US" sz="2400" dirty="0" smtClean="0">
+                <a:latin typeface="Courier New" pitchFamily="49" charset="0"/>
+                <a:cs typeface="Courier New" pitchFamily="49" charset="0"/>
+              </a:rPr>
+              <a:t>/basis-0.1/</a:t>
+            </a:r>
+            <a:r>
+              <a:rPr lang="en-US" sz="2400" dirty="0" smtClean="0"/>
+              <a:t> in your home directory.</a:t>
             </a:r>
           </a:p>
         </p:txBody>
@@ -11340,7 +18065,7 @@
           <a:p>
             <a:r>
               <a:rPr lang="en-US" dirty="0" smtClean="0"/>
-              <a:t>Build</a:t>
+              <a:t>Build BASIS</a:t>
             </a:r>
             <a:endParaRPr lang="en-US" dirty="0"/>
           </a:p>
@@ -11387,31 +18112,43 @@
             <a:pPr lvl="1"/>
             <a:r>
               <a:rPr lang="en-US" sz="2000" dirty="0" smtClean="0"/>
-              <a:t>On Ubuntu 11, install the packages “</a:t>
-            </a:r>
-            <a:r>
-              <a:rPr lang="en-US" sz="2000" dirty="0" err="1" smtClean="0"/>
+              <a:t>On Ubuntu 11, install the packages </a:t>
+            </a:r>
+            <a:r>
+              <a:rPr lang="en-US" sz="2000" dirty="0" err="1" smtClean="0">
+                <a:latin typeface="Courier New" pitchFamily="49" charset="0"/>
+                <a:cs typeface="Courier New" pitchFamily="49" charset="0"/>
+              </a:rPr>
               <a:t>cmake</a:t>
             </a:r>
             <a:r>
               <a:rPr lang="en-US" sz="2000" dirty="0" smtClean="0"/>
-              <a:t>” and “</a:t>
-            </a:r>
-            <a:r>
-              <a:rPr lang="en-US" sz="2000" dirty="0" err="1" smtClean="0"/>
+              <a:t> and </a:t>
+            </a:r>
+            <a:r>
+              <a:rPr lang="en-US" sz="2000" dirty="0" err="1" smtClean="0">
+                <a:latin typeface="Courier New" pitchFamily="49" charset="0"/>
+                <a:cs typeface="Courier New" pitchFamily="49" charset="0"/>
+              </a:rPr>
               <a:t>cmake</a:t>
             </a:r>
             <a:r>
+              <a:rPr lang="en-US" sz="2000" dirty="0" smtClean="0">
+                <a:latin typeface="Courier New" pitchFamily="49" charset="0"/>
+                <a:cs typeface="Courier New" pitchFamily="49" charset="0"/>
+              </a:rPr>
+              <a:t>-curses-</a:t>
+            </a:r>
+            <a:r>
+              <a:rPr lang="en-US" sz="2000" dirty="0" err="1" smtClean="0">
+                <a:latin typeface="Courier New" pitchFamily="49" charset="0"/>
+                <a:cs typeface="Courier New" pitchFamily="49" charset="0"/>
+              </a:rPr>
+              <a:t>gui</a:t>
+            </a:r>
+            <a:r>
               <a:rPr lang="en-US" sz="2000" dirty="0" smtClean="0"/>
-              <a:t>-curses-</a:t>
-            </a:r>
-            <a:r>
-              <a:rPr lang="en-US" sz="2000" dirty="0" err="1" smtClean="0"/>
-              <a:t>gui</a:t>
-            </a:r>
-            <a:r>
-              <a:rPr lang="en-US" sz="2000" dirty="0" smtClean="0"/>
-              <a:t>”. On previous Ubuntu versions and other Linux distributions, you need to download the latest </a:t>
+              <a:t>. On previous Ubuntu versions and other Linux distributions, you need to download the latest </a:t>
             </a:r>
             <a:r>
               <a:rPr lang="en-US" sz="2000" dirty="0" err="1" smtClean="0"/>
@@ -11454,7 +18191,18 @@
             <a:pPr lvl="1"/>
             <a:r>
               <a:rPr lang="en-US" sz="2000" dirty="0" smtClean="0"/>
-              <a:t>These are already part of the default installation of most Linux distributions. On Ubuntu (and possibly others as well), you need to install the C++ compiler explicitly, though. I.e., the package “g++”.</a:t>
+              <a:t>These are already part of the default installation of most Linux distributions. On Ubuntu (and possibly others as well), you need to install the C++ compiler explicitly, though. I.e., the package </a:t>
+            </a:r>
+            <a:r>
+              <a:rPr lang="en-US" sz="2000" dirty="0" smtClean="0">
+                <a:latin typeface="Courier New" pitchFamily="49" charset="0"/>
+                <a:cs typeface="Courier New" pitchFamily="49" charset="0"/>
+              </a:rPr>
+              <a:t>g++</a:t>
+            </a:r>
+            <a:r>
+              <a:rPr lang="en-US" sz="2000" dirty="0" smtClean="0"/>
+              <a:t>.</a:t>
             </a:r>
           </a:p>
           <a:p>
@@ -11854,7 +18602,7 @@
           <a:p>
             <a:r>
               <a:rPr lang="en-US" dirty="0" smtClean="0"/>
-              <a:t>Build</a:t>
+              <a:t>Build BASIS</a:t>
             </a:r>
             <a:endParaRPr lang="en-US" dirty="0"/>
           </a:p>
@@ -11908,7 +18656,21 @@
                 <a:latin typeface="Courier New" pitchFamily="49" charset="0"/>
                 <a:cs typeface="Courier New" pitchFamily="49" charset="0"/>
               </a:rPr>
-              <a:t>~/basis/basis-0.1-source/</a:t>
+              <a:t>~/local/</a:t>
+            </a:r>
+            <a:r>
+              <a:rPr lang="en-US" sz="2400" dirty="0" err="1" smtClean="0">
+                <a:latin typeface="Courier New" pitchFamily="49" charset="0"/>
+                <a:cs typeface="Courier New" pitchFamily="49" charset="0"/>
+              </a:rPr>
+              <a:t>src</a:t>
+            </a:r>
+            <a:r>
+              <a:rPr lang="en-US" sz="2400" dirty="0" smtClean="0">
+                <a:latin typeface="Courier New" pitchFamily="49" charset="0"/>
+                <a:cs typeface="Courier New" pitchFamily="49" charset="0"/>
+              </a:rPr>
+              <a:t>/basis-0.1/</a:t>
             </a:r>
             <a:r>
               <a:rPr lang="en-US" sz="2400" dirty="0" smtClean="0"/>
@@ -12367,7 +19129,7 @@
           <a:p>
             <a:r>
               <a:rPr lang="en-US" dirty="0" smtClean="0"/>
-              <a:t>Build</a:t>
+              <a:t>Build BASIS</a:t>
             </a:r>
             <a:endParaRPr lang="en-US" dirty="0"/>
           </a:p>
@@ -12412,7 +19174,21 @@
                 <a:latin typeface="Courier New" pitchFamily="49" charset="0"/>
                 <a:cs typeface="Courier New" pitchFamily="49" charset="0"/>
               </a:rPr>
-              <a:t> ~/basis/basis-0.1-build</a:t>
+              <a:t> ~/local/</a:t>
+            </a:r>
+            <a:r>
+              <a:rPr lang="en-US" sz="2000" dirty="0" err="1" smtClean="0">
+                <a:latin typeface="Courier New" pitchFamily="49" charset="0"/>
+                <a:cs typeface="Courier New" pitchFamily="49" charset="0"/>
+              </a:rPr>
+              <a:t>src</a:t>
+            </a:r>
+            <a:r>
+              <a:rPr lang="en-US" sz="2000" dirty="0" smtClean="0">
+                <a:latin typeface="Courier New" pitchFamily="49" charset="0"/>
+                <a:cs typeface="Courier New" pitchFamily="49" charset="0"/>
+              </a:rPr>
+              <a:t>/basis-0.1-build</a:t>
             </a:r>
           </a:p>
           <a:p>
@@ -12425,7 +19201,21 @@
                 <a:latin typeface="Courier New" pitchFamily="49" charset="0"/>
                 <a:cs typeface="Courier New" pitchFamily="49" charset="0"/>
               </a:rPr>
-              <a:t>cd ~/basis/basis-0.1-build</a:t>
+              <a:t>cd ~/local/</a:t>
+            </a:r>
+            <a:r>
+              <a:rPr lang="en-US" sz="2000" dirty="0" err="1" smtClean="0">
+                <a:latin typeface="Courier New" pitchFamily="49" charset="0"/>
+                <a:cs typeface="Courier New" pitchFamily="49" charset="0"/>
+              </a:rPr>
+              <a:t>src</a:t>
+            </a:r>
+            <a:r>
+              <a:rPr lang="en-US" sz="2000" dirty="0" smtClean="0">
+                <a:latin typeface="Courier New" pitchFamily="49" charset="0"/>
+                <a:cs typeface="Courier New" pitchFamily="49" charset="0"/>
+              </a:rPr>
+              <a:t>/basis-0.1-build</a:t>
             </a:r>
           </a:p>
           <a:p>
@@ -12467,7 +19257,7 @@
                 <a:latin typeface="Courier New" pitchFamily="49" charset="0"/>
                 <a:cs typeface="Courier New" pitchFamily="49" charset="0"/>
               </a:rPr>
-              <a:t> ../basis-0.1-source</a:t>
+              <a:t> ../basis-0.1</a:t>
             </a:r>
           </a:p>
           <a:p>
@@ -12520,7 +19310,7 @@
                 <a:latin typeface="Courier New" pitchFamily="49" charset="0"/>
                 <a:cs typeface="Courier New" pitchFamily="49" charset="0"/>
               </a:rPr>
-              <a:t>~/basis/basis-0.1</a:t>
+              <a:t>~/local</a:t>
             </a:r>
           </a:p>
           <a:p>
@@ -12545,7 +19335,7 @@
                 <a:latin typeface="Courier New" pitchFamily="49" charset="0"/>
                 <a:cs typeface="Courier New" pitchFamily="49" charset="0"/>
               </a:rPr>
-              <a:t>OFF</a:t>
+              <a:t>ON</a:t>
             </a:r>
           </a:p>
           <a:p>
